--- a/Working collaboratively with Git.pptx
+++ b/Working collaboratively with Git.pptx
@@ -8,16 +8,17 @@
     <p:sldId id="256" r:id="rId2"/>
     <p:sldId id="263" r:id="rId3"/>
     <p:sldId id="264" r:id="rId4"/>
-    <p:sldId id="265" r:id="rId5"/>
-    <p:sldId id="266" r:id="rId6"/>
-    <p:sldId id="268" r:id="rId7"/>
-    <p:sldId id="267" r:id="rId8"/>
-    <p:sldId id="269" r:id="rId9"/>
-    <p:sldId id="270" r:id="rId10"/>
-    <p:sldId id="259" r:id="rId11"/>
-    <p:sldId id="271" r:id="rId12"/>
-    <p:sldId id="273" r:id="rId13"/>
-    <p:sldId id="261" r:id="rId14"/>
+    <p:sldId id="275" r:id="rId5"/>
+    <p:sldId id="265" r:id="rId6"/>
+    <p:sldId id="266" r:id="rId7"/>
+    <p:sldId id="259" r:id="rId8"/>
+    <p:sldId id="274" r:id="rId9"/>
+    <p:sldId id="276" r:id="rId10"/>
+    <p:sldId id="278" r:id="rId11"/>
+    <p:sldId id="277" r:id="rId12"/>
+    <p:sldId id="279" r:id="rId13"/>
+    <p:sldId id="273" r:id="rId14"/>
+    <p:sldId id="261" r:id="rId15"/>
   </p:sldIdLst>
   <p:sldSz cx="12192000" cy="6858000"/>
   <p:notesSz cx="6858000" cy="9144000"/>
@@ -116,6 +117,11 @@
       </a:defRPr>
     </a:lvl9pPr>
   </p:defaultTextStyle>
+  <p:extLst>
+    <p:ext uri="{EFAFB233-063F-42B5-8137-9DF3F51BA10A}">
+      <p15:sldGuideLst xmlns:p15="http://schemas.microsoft.com/office/powerpoint/2012/main"/>
+    </p:ext>
+  </p:extLst>
 </p:presentation>
 </file>
 
@@ -864,7 +870,7 @@
           <a:p>
             <a:fld id="{E336BC8A-82E7-4F19-8AEC-05494083A3FA}" type="datetimeFigureOut">
               <a:rPr lang="en-GB" smtClean="0"/>
-              <a:t>12/04/2018</a:t>
+              <a:t>18/04/2018</a:t>
             </a:fld>
             <a:endParaRPr lang="en-GB"/>
           </a:p>
@@ -1120,7 +1126,7 @@
           <a:p>
             <a:fld id="{E336BC8A-82E7-4F19-8AEC-05494083A3FA}" type="datetimeFigureOut">
               <a:rPr lang="en-GB" smtClean="0"/>
-              <a:t>12/04/2018</a:t>
+              <a:t>18/04/2018</a:t>
             </a:fld>
             <a:endParaRPr lang="en-GB"/>
           </a:p>
@@ -1434,7 +1440,7 @@
           <a:p>
             <a:fld id="{E336BC8A-82E7-4F19-8AEC-05494083A3FA}" type="datetimeFigureOut">
               <a:rPr lang="en-GB" smtClean="0"/>
-              <a:t>12/04/2018</a:t>
+              <a:t>18/04/2018</a:t>
             </a:fld>
             <a:endParaRPr lang="en-GB"/>
           </a:p>
@@ -1767,7 +1773,7 @@
           <a:p>
             <a:fld id="{E336BC8A-82E7-4F19-8AEC-05494083A3FA}" type="datetimeFigureOut">
               <a:rPr lang="en-GB" smtClean="0"/>
-              <a:t>12/04/2018</a:t>
+              <a:t>18/04/2018</a:t>
             </a:fld>
             <a:endParaRPr lang="en-GB"/>
           </a:p>
@@ -2081,7 +2087,7 @@
           <a:p>
             <a:fld id="{E336BC8A-82E7-4F19-8AEC-05494083A3FA}" type="datetimeFigureOut">
               <a:rPr lang="en-GB" smtClean="0"/>
-              <a:t>12/04/2018</a:t>
+              <a:t>18/04/2018</a:t>
             </a:fld>
             <a:endParaRPr lang="en-GB"/>
           </a:p>
@@ -2474,7 +2480,7 @@
           <a:p>
             <a:fld id="{E336BC8A-82E7-4F19-8AEC-05494083A3FA}" type="datetimeFigureOut">
               <a:rPr lang="en-GB" smtClean="0"/>
-              <a:t>12/04/2018</a:t>
+              <a:t>18/04/2018</a:t>
             </a:fld>
             <a:endParaRPr lang="en-GB"/>
           </a:p>
@@ -2644,7 +2650,7 @@
           <a:p>
             <a:fld id="{E336BC8A-82E7-4F19-8AEC-05494083A3FA}" type="datetimeFigureOut">
               <a:rPr lang="en-GB" smtClean="0"/>
-              <a:t>12/04/2018</a:t>
+              <a:t>18/04/2018</a:t>
             </a:fld>
             <a:endParaRPr lang="en-GB"/>
           </a:p>
@@ -2824,7 +2830,7 @@
           <a:p>
             <a:fld id="{E336BC8A-82E7-4F19-8AEC-05494083A3FA}" type="datetimeFigureOut">
               <a:rPr lang="en-GB" smtClean="0"/>
-              <a:t>12/04/2018</a:t>
+              <a:t>18/04/2018</a:t>
             </a:fld>
             <a:endParaRPr lang="en-GB"/>
           </a:p>
@@ -2999,7 +3005,7 @@
           <a:p>
             <a:fld id="{E336BC8A-82E7-4F19-8AEC-05494083A3FA}" type="datetimeFigureOut">
               <a:rPr lang="en-GB" smtClean="0"/>
-              <a:t>12/04/2018</a:t>
+              <a:t>18/04/2018</a:t>
             </a:fld>
             <a:endParaRPr lang="en-GB"/>
           </a:p>
@@ -3246,7 +3252,7 @@
           <a:p>
             <a:fld id="{E336BC8A-82E7-4F19-8AEC-05494083A3FA}" type="datetimeFigureOut">
               <a:rPr lang="en-GB" smtClean="0"/>
-              <a:t>12/04/2018</a:t>
+              <a:t>18/04/2018</a:t>
             </a:fld>
             <a:endParaRPr lang="en-GB"/>
           </a:p>
@@ -3483,7 +3489,7 @@
           <a:p>
             <a:fld id="{E336BC8A-82E7-4F19-8AEC-05494083A3FA}" type="datetimeFigureOut">
               <a:rPr lang="en-GB" smtClean="0"/>
-              <a:t>12/04/2018</a:t>
+              <a:t>18/04/2018</a:t>
             </a:fld>
             <a:endParaRPr lang="en-GB"/>
           </a:p>
@@ -3857,7 +3863,7 @@
           <a:p>
             <a:fld id="{E336BC8A-82E7-4F19-8AEC-05494083A3FA}" type="datetimeFigureOut">
               <a:rPr lang="en-GB" smtClean="0"/>
-              <a:t>12/04/2018</a:t>
+              <a:t>18/04/2018</a:t>
             </a:fld>
             <a:endParaRPr lang="en-GB"/>
           </a:p>
@@ -3980,7 +3986,7 @@
           <a:p>
             <a:fld id="{E336BC8A-82E7-4F19-8AEC-05494083A3FA}" type="datetimeFigureOut">
               <a:rPr lang="en-GB" smtClean="0"/>
-              <a:t>12/04/2018</a:t>
+              <a:t>18/04/2018</a:t>
             </a:fld>
             <a:endParaRPr lang="en-GB"/>
           </a:p>
@@ -4075,7 +4081,7 @@
           <a:p>
             <a:fld id="{E336BC8A-82E7-4F19-8AEC-05494083A3FA}" type="datetimeFigureOut">
               <a:rPr lang="en-GB" smtClean="0"/>
-              <a:t>12/04/2018</a:t>
+              <a:t>18/04/2018</a:t>
             </a:fld>
             <a:endParaRPr lang="en-GB"/>
           </a:p>
@@ -4335,7 +4341,7 @@
           <a:p>
             <a:fld id="{E336BC8A-82E7-4F19-8AEC-05494083A3FA}" type="datetimeFigureOut">
               <a:rPr lang="en-GB" smtClean="0"/>
-              <a:t>12/04/2018</a:t>
+              <a:t>18/04/2018</a:t>
             </a:fld>
             <a:endParaRPr lang="en-GB"/>
           </a:p>
@@ -4645,7 +4651,7 @@
           <a:p>
             <a:fld id="{E336BC8A-82E7-4F19-8AEC-05494083A3FA}" type="datetimeFigureOut">
               <a:rPr lang="en-GB" smtClean="0"/>
-              <a:t>12/04/2018</a:t>
+              <a:t>18/04/2018</a:t>
             </a:fld>
             <a:endParaRPr lang="en-GB"/>
           </a:p>
@@ -5347,7 +5353,7 @@
           <a:p>
             <a:fld id="{E336BC8A-82E7-4F19-8AEC-05494083A3FA}" type="datetimeFigureOut">
               <a:rPr lang="en-GB" smtClean="0"/>
-              <a:t>12/04/2018</a:t>
+              <a:t>18/04/2018</a:t>
             </a:fld>
             <a:endParaRPr lang="en-GB"/>
           </a:p>
@@ -5954,6 +5960,5839 @@
 <file path=ppt/slides/slide10.xml><?xml version="1.0" encoding="utf-8"?>
 <p:sld xmlns:a="http://schemas.openxmlformats.org/drawingml/2006/main" xmlns:r="http://schemas.openxmlformats.org/officeDocument/2006/relationships" xmlns:p="http://schemas.openxmlformats.org/presentationml/2006/main">
   <p:cSld>
+    <p:spTree>
+      <p:nvGrpSpPr>
+        <p:cNvPr id="1" name=""/>
+        <p:cNvGrpSpPr/>
+        <p:nvPr/>
+      </p:nvGrpSpPr>
+      <p:grpSpPr>
+        <a:xfrm>
+          <a:off x="0" y="0"/>
+          <a:ext cx="0" cy="0"/>
+          <a:chOff x="0" y="0"/>
+          <a:chExt cx="0" cy="0"/>
+        </a:xfrm>
+      </p:grpSpPr>
+      <p:sp>
+        <p:nvSpPr>
+          <p:cNvPr id="2" name="Title 1">
+            <a:extLst>
+              <a:ext uri="{FF2B5EF4-FFF2-40B4-BE49-F238E27FC236}">
+                <a16:creationId xmlns:a16="http://schemas.microsoft.com/office/drawing/2014/main" id="{D1E7F00A-E909-4AB6-AF55-C4B1AB037EC3}"/>
+              </a:ext>
+            </a:extLst>
+          </p:cNvPr>
+          <p:cNvSpPr>
+            <a:spLocks noGrp="1"/>
+          </p:cNvSpPr>
+          <p:nvPr>
+            <p:ph type="title"/>
+          </p:nvPr>
+        </p:nvSpPr>
+        <p:spPr/>
+        <p:txBody>
+          <a:bodyPr/>
+          <a:lstStyle/>
+          <a:p>
+            <a:r>
+              <a:rPr lang="en-GB" dirty="0"/>
+              <a:t>The dreaded merge conflict</a:t>
+            </a:r>
+          </a:p>
+        </p:txBody>
+      </p:sp>
+      <p:sp>
+        <p:nvSpPr>
+          <p:cNvPr id="3" name="Content Placeholder 2">
+            <a:extLst>
+              <a:ext uri="{FF2B5EF4-FFF2-40B4-BE49-F238E27FC236}">
+                <a16:creationId xmlns:a16="http://schemas.microsoft.com/office/drawing/2014/main" id="{E3EE08D3-ECBE-44D0-8203-6F713894CF5F}"/>
+              </a:ext>
+            </a:extLst>
+          </p:cNvPr>
+          <p:cNvSpPr>
+            <a:spLocks noGrp="1"/>
+          </p:cNvSpPr>
+          <p:nvPr>
+            <p:ph idx="1"/>
+          </p:nvPr>
+        </p:nvSpPr>
+        <p:spPr>
+          <a:xfrm>
+            <a:off x="677334" y="2160589"/>
+            <a:ext cx="8596668" cy="3880773"/>
+          </a:xfrm>
+        </p:spPr>
+        <p:txBody>
+          <a:bodyPr>
+            <a:normAutofit/>
+          </a:bodyPr>
+          <a:lstStyle/>
+          <a:p>
+            <a:r>
+              <a:rPr lang="en-GB" dirty="0"/>
+              <a:t>A merge conflict is when the same line of code is different on the two branches you are merging</a:t>
+            </a:r>
+          </a:p>
+          <a:p>
+            <a:r>
+              <a:rPr lang="en-GB" dirty="0"/>
+              <a:t>This can happen when two developers are working on the same file and they both add a new method to the bottom of a file</a:t>
+            </a:r>
+          </a:p>
+          <a:p>
+            <a:r>
+              <a:rPr lang="en-GB" dirty="0"/>
+              <a:t>How do I fix it?</a:t>
+            </a:r>
+          </a:p>
+          <a:p>
+            <a:r>
+              <a:rPr lang="en-GB" dirty="0"/>
+              <a:t>On your branch, pull the other developers changes from the remote branch</a:t>
+            </a:r>
+          </a:p>
+          <a:p>
+            <a:r>
+              <a:rPr lang="en-GB" dirty="0"/>
+              <a:t>This will mix their code to yours – so this can look really messy and confusing</a:t>
+            </a:r>
+          </a:p>
+          <a:p>
+            <a:r>
+              <a:rPr lang="en-GB" dirty="0"/>
+              <a:t>Manually fix the conflict by choosing the right code </a:t>
+            </a:r>
+          </a:p>
+          <a:p>
+            <a:r>
+              <a:rPr lang="en-GB" dirty="0"/>
+              <a:t>Don’t forget to then commit and push your commit again</a:t>
+            </a:r>
+          </a:p>
+          <a:p>
+            <a:endParaRPr lang="en-GB" dirty="0"/>
+          </a:p>
+          <a:p>
+            <a:pPr marL="0" indent="0">
+              <a:buNone/>
+            </a:pPr>
+            <a:endParaRPr lang="en-GB" dirty="0"/>
+          </a:p>
+          <a:p>
+            <a:pPr marL="0" indent="0">
+              <a:buNone/>
+            </a:pPr>
+            <a:endParaRPr lang="en-GB" dirty="0"/>
+          </a:p>
+          <a:p>
+            <a:pPr marL="0" indent="0">
+              <a:buNone/>
+            </a:pPr>
+            <a:endParaRPr lang="en-GB" dirty="0"/>
+          </a:p>
+          <a:p>
+            <a:endParaRPr lang="en-GB" dirty="0"/>
+          </a:p>
+        </p:txBody>
+      </p:sp>
+    </p:spTree>
+    <p:extLst>
+      <p:ext uri="{BB962C8B-B14F-4D97-AF65-F5344CB8AC3E}">
+        <p14:creationId xmlns:p14="http://schemas.microsoft.com/office/powerpoint/2010/main" val="1220128044"/>
+      </p:ext>
+    </p:extLst>
+  </p:cSld>
+  <p:clrMapOvr>
+    <a:masterClrMapping/>
+  </p:clrMapOvr>
+</p:sld>
+</file>
+
+<file path=ppt/slides/slide11.xml><?xml version="1.0" encoding="utf-8"?>
+<p:sld xmlns:a="http://schemas.openxmlformats.org/drawingml/2006/main" xmlns:r="http://schemas.openxmlformats.org/officeDocument/2006/relationships" xmlns:p="http://schemas.openxmlformats.org/presentationml/2006/main">
+  <p:cSld>
+    <p:spTree>
+      <p:nvGrpSpPr>
+        <p:cNvPr id="1" name=""/>
+        <p:cNvGrpSpPr/>
+        <p:nvPr/>
+      </p:nvGrpSpPr>
+      <p:grpSpPr>
+        <a:xfrm>
+          <a:off x="0" y="0"/>
+          <a:ext cx="0" cy="0"/>
+          <a:chOff x="0" y="0"/>
+          <a:chExt cx="0" cy="0"/>
+        </a:xfrm>
+      </p:grpSpPr>
+      <p:sp>
+        <p:nvSpPr>
+          <p:cNvPr id="2" name="Title 1">
+            <a:extLst>
+              <a:ext uri="{FF2B5EF4-FFF2-40B4-BE49-F238E27FC236}">
+                <a16:creationId xmlns:a16="http://schemas.microsoft.com/office/drawing/2014/main" id="{7792E03E-2E33-4B4B-B68F-4DD0F22D1AA6}"/>
+              </a:ext>
+            </a:extLst>
+          </p:cNvPr>
+          <p:cNvSpPr>
+            <a:spLocks noGrp="1"/>
+          </p:cNvSpPr>
+          <p:nvPr>
+            <p:ph type="title"/>
+          </p:nvPr>
+        </p:nvSpPr>
+        <p:spPr/>
+        <p:txBody>
+          <a:bodyPr/>
+          <a:lstStyle/>
+          <a:p>
+            <a:r>
+              <a:rPr lang="en-GB" dirty="0"/>
+              <a:t>Pull Requests</a:t>
+            </a:r>
+          </a:p>
+        </p:txBody>
+      </p:sp>
+      <p:sp>
+        <p:nvSpPr>
+          <p:cNvPr id="3" name="Content Placeholder 2">
+            <a:extLst>
+              <a:ext uri="{FF2B5EF4-FFF2-40B4-BE49-F238E27FC236}">
+                <a16:creationId xmlns:a16="http://schemas.microsoft.com/office/drawing/2014/main" id="{9115DC5C-C03A-4172-B552-F8923020301E}"/>
+              </a:ext>
+            </a:extLst>
+          </p:cNvPr>
+          <p:cNvSpPr>
+            <a:spLocks noGrp="1"/>
+          </p:cNvSpPr>
+          <p:nvPr>
+            <p:ph idx="1"/>
+          </p:nvPr>
+        </p:nvSpPr>
+        <p:spPr/>
+        <p:txBody>
+          <a:bodyPr>
+            <a:normAutofit/>
+          </a:bodyPr>
+          <a:lstStyle/>
+          <a:p>
+            <a:pPr marL="0" indent="0">
+              <a:buNone/>
+            </a:pPr>
+            <a:r>
+              <a:rPr lang="en-GB" dirty="0"/>
+              <a:t>Before making a pull requests:</a:t>
+            </a:r>
+          </a:p>
+          <a:p>
+            <a:r>
+              <a:rPr lang="en-GB" dirty="0"/>
+              <a:t>Make sure your build passes</a:t>
+            </a:r>
+          </a:p>
+          <a:p>
+            <a:r>
+              <a:rPr lang="en-GB" dirty="0"/>
+              <a:t>Check your code compiles</a:t>
+            </a:r>
+          </a:p>
+          <a:p>
+            <a:r>
+              <a:rPr lang="en-GB" dirty="0"/>
+              <a:t>Check you have fully implemented the feature</a:t>
+            </a:r>
+          </a:p>
+          <a:p>
+            <a:endParaRPr lang="en-GB" dirty="0"/>
+          </a:p>
+          <a:p>
+            <a:pPr marL="0" indent="0">
+              <a:buNone/>
+            </a:pPr>
+            <a:endParaRPr lang="en-GB" dirty="0"/>
+          </a:p>
+          <a:p>
+            <a:r>
+              <a:rPr lang="en-GB" dirty="0"/>
+              <a:t>Pull requests are either approved or rejected (meaning they need more work)</a:t>
+            </a:r>
+          </a:p>
+          <a:p>
+            <a:r>
+              <a:rPr lang="en-GB" dirty="0"/>
+              <a:t>Once approved they can be merged into the target branch </a:t>
+            </a:r>
+          </a:p>
+          <a:p>
+            <a:r>
+              <a:rPr lang="en-GB" dirty="0"/>
+              <a:t>This is when you might get a merge conflict</a:t>
+            </a:r>
+          </a:p>
+          <a:p>
+            <a:endParaRPr lang="en-GB" dirty="0"/>
+          </a:p>
+        </p:txBody>
+      </p:sp>
+    </p:spTree>
+    <p:extLst>
+      <p:ext uri="{BB962C8B-B14F-4D97-AF65-F5344CB8AC3E}">
+        <p14:creationId xmlns:p14="http://schemas.microsoft.com/office/powerpoint/2010/main" val="1593163021"/>
+      </p:ext>
+    </p:extLst>
+  </p:cSld>
+  <p:clrMapOvr>
+    <a:masterClrMapping/>
+  </p:clrMapOvr>
+</p:sld>
+</file>
+
+<file path=ppt/slides/slide12.xml><?xml version="1.0" encoding="utf-8"?>
+<p:sld xmlns:a="http://schemas.openxmlformats.org/drawingml/2006/main" xmlns:r="http://schemas.openxmlformats.org/officeDocument/2006/relationships" xmlns:p="http://schemas.openxmlformats.org/presentationml/2006/main">
+  <p:cSld>
+    <p:spTree>
+      <p:nvGrpSpPr>
+        <p:cNvPr id="1" name=""/>
+        <p:cNvGrpSpPr/>
+        <p:nvPr/>
+      </p:nvGrpSpPr>
+      <p:grpSpPr>
+        <a:xfrm>
+          <a:off x="0" y="0"/>
+          <a:ext cx="0" cy="0"/>
+          <a:chOff x="0" y="0"/>
+          <a:chExt cx="0" cy="0"/>
+        </a:xfrm>
+      </p:grpSpPr>
+      <p:sp>
+        <p:nvSpPr>
+          <p:cNvPr id="2" name="Title 1">
+            <a:extLst>
+              <a:ext uri="{FF2B5EF4-FFF2-40B4-BE49-F238E27FC236}">
+                <a16:creationId xmlns:a16="http://schemas.microsoft.com/office/drawing/2014/main" id="{7792E03E-2E33-4B4B-B68F-4DD0F22D1AA6}"/>
+              </a:ext>
+            </a:extLst>
+          </p:cNvPr>
+          <p:cNvSpPr>
+            <a:spLocks noGrp="1"/>
+          </p:cNvSpPr>
+          <p:nvPr>
+            <p:ph type="title"/>
+          </p:nvPr>
+        </p:nvSpPr>
+        <p:spPr/>
+        <p:txBody>
+          <a:bodyPr/>
+          <a:lstStyle/>
+          <a:p>
+            <a:r>
+              <a:rPr lang="en-GB" dirty="0"/>
+              <a:t>Useful Pull Requests tips</a:t>
+            </a:r>
+          </a:p>
+        </p:txBody>
+      </p:sp>
+      <p:sp>
+        <p:nvSpPr>
+          <p:cNvPr id="3" name="Content Placeholder 2">
+            <a:extLst>
+              <a:ext uri="{FF2B5EF4-FFF2-40B4-BE49-F238E27FC236}">
+                <a16:creationId xmlns:a16="http://schemas.microsoft.com/office/drawing/2014/main" id="{9115DC5C-C03A-4172-B552-F8923020301E}"/>
+              </a:ext>
+            </a:extLst>
+          </p:cNvPr>
+          <p:cNvSpPr>
+            <a:spLocks noGrp="1"/>
+          </p:cNvSpPr>
+          <p:nvPr>
+            <p:ph idx="1"/>
+          </p:nvPr>
+        </p:nvSpPr>
+        <p:spPr/>
+        <p:txBody>
+          <a:bodyPr>
+            <a:normAutofit/>
+          </a:bodyPr>
+          <a:lstStyle/>
+          <a:p>
+            <a:r>
+              <a:rPr lang="en-GB" dirty="0"/>
+              <a:t>Discuss if this is the right solution/approach as a team</a:t>
+            </a:r>
+          </a:p>
+          <a:p>
+            <a:r>
+              <a:rPr lang="en-GB" dirty="0"/>
+              <a:t>Pull requests are not personal! </a:t>
+            </a:r>
+          </a:p>
+          <a:p>
+            <a:r>
+              <a:rPr lang="en-GB" dirty="0"/>
+              <a:t>We’re all working together to make a good product with code that we can all proud of</a:t>
+            </a:r>
+          </a:p>
+          <a:p>
+            <a:r>
+              <a:rPr lang="en-GB" dirty="0"/>
+              <a:t>The whole team reviews each others pull requests</a:t>
+            </a:r>
+          </a:p>
+          <a:p>
+            <a:r>
+              <a:rPr lang="en-GB" dirty="0"/>
+              <a:t>Everyone can make comments and suggestions no matter how junior or senior you are</a:t>
+            </a:r>
+          </a:p>
+          <a:p>
+            <a:r>
+              <a:rPr lang="en-GB" dirty="0"/>
+              <a:t>When reviewing pull </a:t>
+            </a:r>
+            <a:r>
+              <a:rPr lang="en-GB"/>
+              <a:t>requests please be </a:t>
+            </a:r>
+            <a:r>
+              <a:rPr lang="en-GB" dirty="0"/>
+              <a:t>helpful and constructive!</a:t>
+            </a:r>
+          </a:p>
+          <a:p>
+            <a:pPr marL="0" indent="0">
+              <a:buNone/>
+            </a:pPr>
+            <a:endParaRPr lang="en-GB" dirty="0"/>
+          </a:p>
+          <a:p>
+            <a:pPr marL="0" indent="0">
+              <a:buNone/>
+            </a:pPr>
+            <a:endParaRPr lang="en-GB" dirty="0"/>
+          </a:p>
+          <a:p>
+            <a:endParaRPr lang="en-GB" dirty="0"/>
+          </a:p>
+        </p:txBody>
+      </p:sp>
+    </p:spTree>
+    <p:extLst>
+      <p:ext uri="{BB962C8B-B14F-4D97-AF65-F5344CB8AC3E}">
+        <p14:creationId xmlns:p14="http://schemas.microsoft.com/office/powerpoint/2010/main" val="1331652941"/>
+      </p:ext>
+    </p:extLst>
+  </p:cSld>
+  <p:clrMapOvr>
+    <a:masterClrMapping/>
+  </p:clrMapOvr>
+</p:sld>
+</file>
+
+<file path=ppt/slides/slide13.xml><?xml version="1.0" encoding="utf-8"?>
+<p:sld xmlns:a="http://schemas.openxmlformats.org/drawingml/2006/main" xmlns:r="http://schemas.openxmlformats.org/officeDocument/2006/relationships" xmlns:p="http://schemas.openxmlformats.org/presentationml/2006/main">
+  <p:cSld>
+    <p:spTree>
+      <p:nvGrpSpPr>
+        <p:cNvPr id="1" name=""/>
+        <p:cNvGrpSpPr/>
+        <p:nvPr/>
+      </p:nvGrpSpPr>
+      <p:grpSpPr>
+        <a:xfrm>
+          <a:off x="0" y="0"/>
+          <a:ext cx="0" cy="0"/>
+          <a:chOff x="0" y="0"/>
+          <a:chExt cx="0" cy="0"/>
+        </a:xfrm>
+      </p:grpSpPr>
+      <p:sp>
+        <p:nvSpPr>
+          <p:cNvPr id="2" name="Title 1">
+            <a:extLst>
+              <a:ext uri="{FF2B5EF4-FFF2-40B4-BE49-F238E27FC236}">
+                <a16:creationId xmlns:a16="http://schemas.microsoft.com/office/drawing/2014/main" id="{F033133B-27FA-48DE-B8D3-5C9C0883F359}"/>
+              </a:ext>
+            </a:extLst>
+          </p:cNvPr>
+          <p:cNvSpPr>
+            <a:spLocks noGrp="1"/>
+          </p:cNvSpPr>
+          <p:nvPr>
+            <p:ph type="ctrTitle"/>
+          </p:nvPr>
+        </p:nvSpPr>
+        <p:spPr/>
+        <p:txBody>
+          <a:bodyPr/>
+          <a:lstStyle/>
+          <a:p>
+            <a:r>
+              <a:rPr lang="en-GB" dirty="0"/>
+              <a:t>Questions?</a:t>
+            </a:r>
+          </a:p>
+        </p:txBody>
+      </p:sp>
+    </p:spTree>
+    <p:extLst>
+      <p:ext uri="{BB962C8B-B14F-4D97-AF65-F5344CB8AC3E}">
+        <p14:creationId xmlns:p14="http://schemas.microsoft.com/office/powerpoint/2010/main" val="2423895279"/>
+      </p:ext>
+    </p:extLst>
+  </p:cSld>
+  <p:clrMapOvr>
+    <a:masterClrMapping/>
+  </p:clrMapOvr>
+</p:sld>
+</file>
+
+<file path=ppt/slides/slide14.xml><?xml version="1.0" encoding="utf-8"?>
+<p:sld xmlns:a="http://schemas.openxmlformats.org/drawingml/2006/main" xmlns:r="http://schemas.openxmlformats.org/officeDocument/2006/relationships" xmlns:p="http://schemas.openxmlformats.org/presentationml/2006/main">
+  <p:cSld>
+    <p:spTree>
+      <p:nvGrpSpPr>
+        <p:cNvPr id="1" name=""/>
+        <p:cNvGrpSpPr/>
+        <p:nvPr/>
+      </p:nvGrpSpPr>
+      <p:grpSpPr>
+        <a:xfrm>
+          <a:off x="0" y="0"/>
+          <a:ext cx="0" cy="0"/>
+          <a:chOff x="0" y="0"/>
+          <a:chExt cx="0" cy="0"/>
+        </a:xfrm>
+      </p:grpSpPr>
+      <p:sp>
+        <p:nvSpPr>
+          <p:cNvPr id="2" name="Title 1">
+            <a:extLst>
+              <a:ext uri="{FF2B5EF4-FFF2-40B4-BE49-F238E27FC236}">
+                <a16:creationId xmlns:a16="http://schemas.microsoft.com/office/drawing/2014/main" id="{8841617B-75E6-44FE-A9B7-9B8C9F292876}"/>
+              </a:ext>
+            </a:extLst>
+          </p:cNvPr>
+          <p:cNvSpPr>
+            <a:spLocks noGrp="1"/>
+          </p:cNvSpPr>
+          <p:nvPr>
+            <p:ph type="title"/>
+          </p:nvPr>
+        </p:nvSpPr>
+        <p:spPr/>
+        <p:txBody>
+          <a:bodyPr/>
+          <a:lstStyle/>
+          <a:p>
+            <a:r>
+              <a:rPr lang="en-GB" dirty="0"/>
+              <a:t>Workshop</a:t>
+            </a:r>
+          </a:p>
+        </p:txBody>
+      </p:sp>
+      <p:sp>
+        <p:nvSpPr>
+          <p:cNvPr id="3" name="Content Placeholder 2">
+            <a:extLst>
+              <a:ext uri="{FF2B5EF4-FFF2-40B4-BE49-F238E27FC236}">
+                <a16:creationId xmlns:a16="http://schemas.microsoft.com/office/drawing/2014/main" id="{25DBF651-E35E-4460-8ACB-33005248FB0F}"/>
+              </a:ext>
+            </a:extLst>
+          </p:cNvPr>
+          <p:cNvSpPr>
+            <a:spLocks noGrp="1"/>
+          </p:cNvSpPr>
+          <p:nvPr>
+            <p:ph idx="1"/>
+          </p:nvPr>
+        </p:nvSpPr>
+        <p:spPr/>
+        <p:txBody>
+          <a:bodyPr/>
+          <a:lstStyle/>
+          <a:p>
+            <a:r>
+              <a:rPr lang="en-US" dirty="0"/>
+              <a:t>Go to </a:t>
+            </a:r>
+            <a:r>
+              <a:rPr lang="en-US" dirty="0">
+                <a:hlinkClick r:id="rId2"/>
+              </a:rPr>
+              <a:t>https://github.com/jameswhale/git-introduction/</a:t>
+            </a:r>
+            <a:endParaRPr lang="en-US" dirty="0"/>
+          </a:p>
+          <a:p>
+            <a:r>
+              <a:rPr lang="en-US" dirty="0"/>
+              <a:t>Work through </a:t>
+            </a:r>
+            <a:r>
+              <a:rPr lang="en-US" dirty="0">
+                <a:hlinkClick r:id="rId3" tooltip="meetup-api-workshop.md"/>
+              </a:rPr>
+              <a:t>meetup-git-workshop.md</a:t>
+            </a:r>
+            <a:endParaRPr lang="en-US" dirty="0"/>
+          </a:p>
+          <a:p>
+            <a:r>
+              <a:rPr lang="en-US" dirty="0"/>
+              <a:t>Ask myself or Alison questions about it or anything else</a:t>
+            </a:r>
+          </a:p>
+          <a:p>
+            <a:endParaRPr lang="en-GB" dirty="0"/>
+          </a:p>
+        </p:txBody>
+      </p:sp>
+    </p:spTree>
+    <p:extLst>
+      <p:ext uri="{BB962C8B-B14F-4D97-AF65-F5344CB8AC3E}">
+        <p14:creationId xmlns:p14="http://schemas.microsoft.com/office/powerpoint/2010/main" val="307625424"/>
+      </p:ext>
+    </p:extLst>
+  </p:cSld>
+  <p:clrMapOvr>
+    <a:masterClrMapping/>
+  </p:clrMapOvr>
+</p:sld>
+</file>
+
+<file path=ppt/slides/slide2.xml><?xml version="1.0" encoding="utf-8"?>
+<p:sld xmlns:a="http://schemas.openxmlformats.org/drawingml/2006/main" xmlns:r="http://schemas.openxmlformats.org/officeDocument/2006/relationships" xmlns:p="http://schemas.openxmlformats.org/presentationml/2006/main">
+  <p:cSld>
+    <p:spTree>
+      <p:nvGrpSpPr>
+        <p:cNvPr id="1" name=""/>
+        <p:cNvGrpSpPr/>
+        <p:nvPr/>
+      </p:nvGrpSpPr>
+      <p:grpSpPr>
+        <a:xfrm>
+          <a:off x="0" y="0"/>
+          <a:ext cx="0" cy="0"/>
+          <a:chOff x="0" y="0"/>
+          <a:chExt cx="0" cy="0"/>
+        </a:xfrm>
+      </p:grpSpPr>
+      <p:sp>
+        <p:nvSpPr>
+          <p:cNvPr id="2" name="Title 1">
+            <a:extLst>
+              <a:ext uri="{FF2B5EF4-FFF2-40B4-BE49-F238E27FC236}">
+                <a16:creationId xmlns:a16="http://schemas.microsoft.com/office/drawing/2014/main" id="{D1E7F00A-E909-4AB6-AF55-C4B1AB037EC3}"/>
+              </a:ext>
+            </a:extLst>
+          </p:cNvPr>
+          <p:cNvSpPr>
+            <a:spLocks noGrp="1"/>
+          </p:cNvSpPr>
+          <p:nvPr>
+            <p:ph type="title"/>
+          </p:nvPr>
+        </p:nvSpPr>
+        <p:spPr/>
+        <p:txBody>
+          <a:bodyPr/>
+          <a:lstStyle/>
+          <a:p>
+            <a:r>
+              <a:rPr lang="en-GB" dirty="0"/>
+              <a:t>What is Git?</a:t>
+            </a:r>
+          </a:p>
+        </p:txBody>
+      </p:sp>
+      <p:pic>
+        <p:nvPicPr>
+          <p:cNvPr id="4" name="Content Placeholder 4">
+            <a:extLst>
+              <a:ext uri="{FF2B5EF4-FFF2-40B4-BE49-F238E27FC236}">
+                <a16:creationId xmlns:a16="http://schemas.microsoft.com/office/drawing/2014/main" id="{F362223F-0FDD-43EF-A374-13CD996F3227}"/>
+              </a:ext>
+            </a:extLst>
+          </p:cNvPr>
+          <p:cNvPicPr>
+            <a:picLocks noGrp="1" noChangeAspect="1"/>
+          </p:cNvPicPr>
+          <p:nvPr>
+            <p:ph idx="1"/>
+          </p:nvPr>
+        </p:nvPicPr>
+        <p:blipFill>
+          <a:blip r:embed="rId2">
+            <a:extLst>
+              <a:ext uri="{28A0092B-C50C-407E-A947-70E740481C1C}">
+                <a14:useLocalDpi xmlns:a14="http://schemas.microsoft.com/office/drawing/2010/main" val="0"/>
+              </a:ext>
+            </a:extLst>
+          </a:blip>
+          <a:stretch>
+            <a:fillRect/>
+          </a:stretch>
+        </p:blipFill>
+        <p:spPr>
+          <a:xfrm>
+            <a:off x="3922520" y="609600"/>
+            <a:ext cx="4113116" cy="5957789"/>
+          </a:xfrm>
+          <a:prstGeom prst="rect">
+            <a:avLst/>
+          </a:prstGeom>
+          <a:noFill/>
+          <a:ln>
+            <a:noFill/>
+          </a:ln>
+          <a:effectLst>
+            <a:glow rad="127000">
+              <a:schemeClr val="accent1">
+                <a:alpha val="0"/>
+              </a:schemeClr>
+            </a:glow>
+            <a:softEdge rad="112500"/>
+          </a:effectLst>
+        </p:spPr>
+      </p:pic>
+    </p:spTree>
+    <p:extLst>
+      <p:ext uri="{BB962C8B-B14F-4D97-AF65-F5344CB8AC3E}">
+        <p14:creationId xmlns:p14="http://schemas.microsoft.com/office/powerpoint/2010/main" val="3165689948"/>
+      </p:ext>
+    </p:extLst>
+  </p:cSld>
+  <p:clrMapOvr>
+    <a:masterClrMapping/>
+  </p:clrMapOvr>
+  <p:timing>
+    <p:tnLst>
+      <p:par>
+        <p:cTn id="1" dur="indefinite" restart="never" nodeType="tmRoot">
+          <p:childTnLst>
+            <p:seq concurrent="1" nextAc="seek">
+              <p:cTn id="2" dur="indefinite" nodeType="mainSeq">
+                <p:childTnLst>
+                  <p:par>
+                    <p:cTn id="3" fill="hold">
+                      <p:stCondLst>
+                        <p:cond delay="indefinite"/>
+                      </p:stCondLst>
+                      <p:childTnLst>
+                        <p:par>
+                          <p:cTn id="4" fill="hold">
+                            <p:stCondLst>
+                              <p:cond delay="0"/>
+                            </p:stCondLst>
+                            <p:childTnLst>
+                              <p:par>
+                                <p:cTn id="5" presetID="1" presetClass="entr" presetSubtype="0" fill="hold" nodeType="clickEffect">
+                                  <p:stCondLst>
+                                    <p:cond delay="0"/>
+                                  </p:stCondLst>
+                                  <p:childTnLst>
+                                    <p:set>
+                                      <p:cBhvr>
+                                        <p:cTn id="6" dur="1" fill="hold">
+                                          <p:stCondLst>
+                                            <p:cond delay="0"/>
+                                          </p:stCondLst>
+                                        </p:cTn>
+                                        <p:tgtEl>
+                                          <p:spTgt spid="4"/>
+                                        </p:tgtEl>
+                                        <p:attrNameLst>
+                                          <p:attrName>style.visibility</p:attrName>
+                                        </p:attrNameLst>
+                                      </p:cBhvr>
+                                      <p:to>
+                                        <p:strVal val="visible"/>
+                                      </p:to>
+                                    </p:set>
+                                  </p:childTnLst>
+                                </p:cTn>
+                              </p:par>
+                            </p:childTnLst>
+                          </p:cTn>
+                        </p:par>
+                      </p:childTnLst>
+                    </p:cTn>
+                  </p:par>
+                </p:childTnLst>
+              </p:cTn>
+              <p:prevCondLst>
+                <p:cond evt="onPrev" delay="0">
+                  <p:tgtEl>
+                    <p:sldTgt/>
+                  </p:tgtEl>
+                </p:cond>
+              </p:prevCondLst>
+              <p:nextCondLst>
+                <p:cond evt="onNext" delay="0">
+                  <p:tgtEl>
+                    <p:sldTgt/>
+                  </p:tgtEl>
+                </p:cond>
+              </p:nextCondLst>
+            </p:seq>
+          </p:childTnLst>
+        </p:cTn>
+      </p:par>
+    </p:tnLst>
+  </p:timing>
+</p:sld>
+</file>
+
+<file path=ppt/slides/slide3.xml><?xml version="1.0" encoding="utf-8"?>
+<p:sld xmlns:a="http://schemas.openxmlformats.org/drawingml/2006/main" xmlns:r="http://schemas.openxmlformats.org/officeDocument/2006/relationships" xmlns:p="http://schemas.openxmlformats.org/presentationml/2006/main">
+  <p:cSld>
+    <p:spTree>
+      <p:nvGrpSpPr>
+        <p:cNvPr id="1" name=""/>
+        <p:cNvGrpSpPr/>
+        <p:nvPr/>
+      </p:nvGrpSpPr>
+      <p:grpSpPr>
+        <a:xfrm>
+          <a:off x="0" y="0"/>
+          <a:ext cx="0" cy="0"/>
+          <a:chOff x="0" y="0"/>
+          <a:chExt cx="0" cy="0"/>
+        </a:xfrm>
+      </p:grpSpPr>
+      <p:sp>
+        <p:nvSpPr>
+          <p:cNvPr id="2" name="Title 1">
+            <a:extLst>
+              <a:ext uri="{FF2B5EF4-FFF2-40B4-BE49-F238E27FC236}">
+                <a16:creationId xmlns:a16="http://schemas.microsoft.com/office/drawing/2014/main" id="{D1E7F00A-E909-4AB6-AF55-C4B1AB037EC3}"/>
+              </a:ext>
+            </a:extLst>
+          </p:cNvPr>
+          <p:cNvSpPr>
+            <a:spLocks noGrp="1"/>
+          </p:cNvSpPr>
+          <p:nvPr>
+            <p:ph type="title"/>
+          </p:nvPr>
+        </p:nvSpPr>
+        <p:spPr/>
+        <p:txBody>
+          <a:bodyPr>
+            <a:normAutofit fontScale="90000"/>
+          </a:bodyPr>
+          <a:lstStyle/>
+          <a:p>
+            <a:r>
+              <a:rPr lang="en-GB" dirty="0"/>
+              <a:t>What are the problems of multiple developers working together on the same code?</a:t>
+            </a:r>
+          </a:p>
+        </p:txBody>
+      </p:sp>
+      <p:sp>
+        <p:nvSpPr>
+          <p:cNvPr id="3" name="Content Placeholder 2">
+            <a:extLst>
+              <a:ext uri="{FF2B5EF4-FFF2-40B4-BE49-F238E27FC236}">
+                <a16:creationId xmlns:a16="http://schemas.microsoft.com/office/drawing/2014/main" id="{E3EE08D3-ECBE-44D0-8203-6F713894CF5F}"/>
+              </a:ext>
+            </a:extLst>
+          </p:cNvPr>
+          <p:cNvSpPr>
+            <a:spLocks noGrp="1"/>
+          </p:cNvSpPr>
+          <p:nvPr>
+            <p:ph idx="1"/>
+          </p:nvPr>
+        </p:nvSpPr>
+        <p:spPr/>
+        <p:txBody>
+          <a:bodyPr>
+            <a:normAutofit/>
+          </a:bodyPr>
+          <a:lstStyle/>
+          <a:p>
+            <a:r>
+              <a:rPr lang="en-GB" dirty="0"/>
+              <a:t>How do two developers work on the same file at the same time?</a:t>
+            </a:r>
+          </a:p>
+          <a:p>
+            <a:r>
+              <a:rPr lang="en-GB" dirty="0"/>
+              <a:t>How do you control who can make changes?</a:t>
+            </a:r>
+          </a:p>
+          <a:p>
+            <a:r>
+              <a:rPr lang="en-GB" dirty="0"/>
+              <a:t>How do we know who made changes and why ?</a:t>
+            </a:r>
+          </a:p>
+          <a:p>
+            <a:r>
+              <a:rPr lang="en-GB" dirty="0"/>
+              <a:t>How do we can make sure we can properly test our code before releasing a new version?</a:t>
+            </a:r>
+          </a:p>
+          <a:p>
+            <a:endParaRPr lang="en-GB" dirty="0"/>
+          </a:p>
+          <a:p>
+            <a:endParaRPr lang="en-GB" dirty="0"/>
+          </a:p>
+          <a:p>
+            <a:endParaRPr lang="en-GB" dirty="0"/>
+          </a:p>
+          <a:p>
+            <a:pPr marL="0" indent="0">
+              <a:buNone/>
+            </a:pPr>
+            <a:endParaRPr lang="en-GB" dirty="0"/>
+          </a:p>
+          <a:p>
+            <a:pPr marL="0" indent="0">
+              <a:buNone/>
+            </a:pPr>
+            <a:endParaRPr lang="en-GB" dirty="0"/>
+          </a:p>
+          <a:p>
+            <a:pPr marL="0" indent="0">
+              <a:buNone/>
+            </a:pPr>
+            <a:endParaRPr lang="en-GB" dirty="0"/>
+          </a:p>
+          <a:p>
+            <a:endParaRPr lang="en-GB" dirty="0"/>
+          </a:p>
+        </p:txBody>
+      </p:sp>
+    </p:spTree>
+    <p:extLst>
+      <p:ext uri="{BB962C8B-B14F-4D97-AF65-F5344CB8AC3E}">
+        <p14:creationId xmlns:p14="http://schemas.microsoft.com/office/powerpoint/2010/main" val="3812656261"/>
+      </p:ext>
+    </p:extLst>
+  </p:cSld>
+  <p:clrMapOvr>
+    <a:masterClrMapping/>
+  </p:clrMapOvr>
+</p:sld>
+</file>
+
+<file path=ppt/slides/slide4.xml><?xml version="1.0" encoding="utf-8"?>
+<p:sld xmlns:a="http://schemas.openxmlformats.org/drawingml/2006/main" xmlns:r="http://schemas.openxmlformats.org/officeDocument/2006/relationships" xmlns:p="http://schemas.openxmlformats.org/presentationml/2006/main">
+  <p:cSld>
+    <p:spTree>
+      <p:nvGrpSpPr>
+        <p:cNvPr id="1" name=""/>
+        <p:cNvGrpSpPr/>
+        <p:nvPr/>
+      </p:nvGrpSpPr>
+      <p:grpSpPr>
+        <a:xfrm>
+          <a:off x="0" y="0"/>
+          <a:ext cx="0" cy="0"/>
+          <a:chOff x="0" y="0"/>
+          <a:chExt cx="0" cy="0"/>
+        </a:xfrm>
+      </p:grpSpPr>
+      <p:sp>
+        <p:nvSpPr>
+          <p:cNvPr id="2" name="Title 1">
+            <a:extLst>
+              <a:ext uri="{FF2B5EF4-FFF2-40B4-BE49-F238E27FC236}">
+                <a16:creationId xmlns:a16="http://schemas.microsoft.com/office/drawing/2014/main" id="{D1E7F00A-E909-4AB6-AF55-C4B1AB037EC3}"/>
+              </a:ext>
+            </a:extLst>
+          </p:cNvPr>
+          <p:cNvSpPr>
+            <a:spLocks noGrp="1"/>
+          </p:cNvSpPr>
+          <p:nvPr>
+            <p:ph type="title"/>
+          </p:nvPr>
+        </p:nvSpPr>
+        <p:spPr/>
+        <p:txBody>
+          <a:bodyPr/>
+          <a:lstStyle/>
+          <a:p>
+            <a:r>
+              <a:rPr lang="en-GB" dirty="0"/>
+              <a:t>How does git allow us to work together?</a:t>
+            </a:r>
+          </a:p>
+        </p:txBody>
+      </p:sp>
+      <p:sp>
+        <p:nvSpPr>
+          <p:cNvPr id="3" name="Content Placeholder 2">
+            <a:extLst>
+              <a:ext uri="{FF2B5EF4-FFF2-40B4-BE49-F238E27FC236}">
+                <a16:creationId xmlns:a16="http://schemas.microsoft.com/office/drawing/2014/main" id="{E3EE08D3-ECBE-44D0-8203-6F713894CF5F}"/>
+              </a:ext>
+            </a:extLst>
+          </p:cNvPr>
+          <p:cNvSpPr>
+            <a:spLocks noGrp="1"/>
+          </p:cNvSpPr>
+          <p:nvPr>
+            <p:ph idx="1"/>
+          </p:nvPr>
+        </p:nvSpPr>
+        <p:spPr/>
+        <p:txBody>
+          <a:bodyPr>
+            <a:normAutofit/>
+          </a:bodyPr>
+          <a:lstStyle/>
+          <a:p>
+            <a:pPr marL="0" indent="0">
+              <a:buNone/>
+            </a:pPr>
+            <a:endParaRPr lang="en-GB" dirty="0"/>
+          </a:p>
+          <a:p>
+            <a:r>
+              <a:rPr lang="en-GB" dirty="0"/>
+              <a:t>Git can help us solve these problems using the following:</a:t>
+            </a:r>
+          </a:p>
+          <a:p>
+            <a:r>
+              <a:rPr lang="en-GB" dirty="0"/>
+              <a:t>Branching</a:t>
+            </a:r>
+          </a:p>
+          <a:p>
+            <a:r>
+              <a:rPr lang="en-GB" dirty="0"/>
+              <a:t>Commit messages</a:t>
+            </a:r>
+          </a:p>
+          <a:p>
+            <a:r>
+              <a:rPr lang="en-GB" dirty="0"/>
+              <a:t>Pull Requests</a:t>
+            </a:r>
+          </a:p>
+          <a:p>
+            <a:endParaRPr lang="en-GB" dirty="0"/>
+          </a:p>
+          <a:p>
+            <a:endParaRPr lang="en-GB" dirty="0"/>
+          </a:p>
+          <a:p>
+            <a:pPr marL="0" indent="0">
+              <a:buNone/>
+            </a:pPr>
+            <a:endParaRPr lang="en-GB" dirty="0"/>
+          </a:p>
+          <a:p>
+            <a:pPr marL="0" indent="0">
+              <a:buNone/>
+            </a:pPr>
+            <a:endParaRPr lang="en-GB" dirty="0"/>
+          </a:p>
+          <a:p>
+            <a:pPr marL="0" indent="0">
+              <a:buNone/>
+            </a:pPr>
+            <a:endParaRPr lang="en-GB" dirty="0"/>
+          </a:p>
+          <a:p>
+            <a:endParaRPr lang="en-GB" dirty="0"/>
+          </a:p>
+        </p:txBody>
+      </p:sp>
+    </p:spTree>
+    <p:extLst>
+      <p:ext uri="{BB962C8B-B14F-4D97-AF65-F5344CB8AC3E}">
+        <p14:creationId xmlns:p14="http://schemas.microsoft.com/office/powerpoint/2010/main" val="3201083875"/>
+      </p:ext>
+    </p:extLst>
+  </p:cSld>
+  <p:clrMapOvr>
+    <a:masterClrMapping/>
+  </p:clrMapOvr>
+</p:sld>
+</file>
+
+<file path=ppt/slides/slide5.xml><?xml version="1.0" encoding="utf-8"?>
+<p:sld xmlns:a="http://schemas.openxmlformats.org/drawingml/2006/main" xmlns:r="http://schemas.openxmlformats.org/officeDocument/2006/relationships" xmlns:p="http://schemas.openxmlformats.org/presentationml/2006/main">
+  <p:cSld>
+    <p:spTree>
+      <p:nvGrpSpPr>
+        <p:cNvPr id="1" name=""/>
+        <p:cNvGrpSpPr/>
+        <p:nvPr/>
+      </p:nvGrpSpPr>
+      <p:grpSpPr>
+        <a:xfrm>
+          <a:off x="0" y="0"/>
+          <a:ext cx="0" cy="0"/>
+          <a:chOff x="0" y="0"/>
+          <a:chExt cx="0" cy="0"/>
+        </a:xfrm>
+      </p:grpSpPr>
+      <p:sp>
+        <p:nvSpPr>
+          <p:cNvPr id="2" name="Title 1">
+            <a:extLst>
+              <a:ext uri="{FF2B5EF4-FFF2-40B4-BE49-F238E27FC236}">
+                <a16:creationId xmlns:a16="http://schemas.microsoft.com/office/drawing/2014/main" id="{D1E7F00A-E909-4AB6-AF55-C4B1AB037EC3}"/>
+              </a:ext>
+            </a:extLst>
+          </p:cNvPr>
+          <p:cNvSpPr>
+            <a:spLocks noGrp="1"/>
+          </p:cNvSpPr>
+          <p:nvPr>
+            <p:ph type="title"/>
+          </p:nvPr>
+        </p:nvSpPr>
+        <p:spPr/>
+        <p:txBody>
+          <a:bodyPr/>
+          <a:lstStyle/>
+          <a:p>
+            <a:r>
+              <a:rPr lang="en-GB" dirty="0"/>
+              <a:t>Branches</a:t>
+            </a:r>
+            <a:br>
+              <a:rPr lang="en-GB" dirty="0"/>
+            </a:br>
+            <a:endParaRPr lang="en-GB" dirty="0"/>
+          </a:p>
+        </p:txBody>
+      </p:sp>
+      <p:sp>
+        <p:nvSpPr>
+          <p:cNvPr id="3" name="Content Placeholder 2">
+            <a:extLst>
+              <a:ext uri="{FF2B5EF4-FFF2-40B4-BE49-F238E27FC236}">
+                <a16:creationId xmlns:a16="http://schemas.microsoft.com/office/drawing/2014/main" id="{E3EE08D3-ECBE-44D0-8203-6F713894CF5F}"/>
+              </a:ext>
+            </a:extLst>
+          </p:cNvPr>
+          <p:cNvSpPr>
+            <a:spLocks noGrp="1"/>
+          </p:cNvSpPr>
+          <p:nvPr>
+            <p:ph idx="1"/>
+          </p:nvPr>
+        </p:nvSpPr>
+        <p:spPr/>
+        <p:txBody>
+          <a:bodyPr/>
+          <a:lstStyle/>
+          <a:p>
+            <a:r>
+              <a:rPr lang="en-GB" dirty="0"/>
+              <a:t>What are branches?</a:t>
+            </a:r>
+          </a:p>
+          <a:p>
+            <a:r>
+              <a:rPr lang="en-GB" dirty="0"/>
+              <a:t>A branch is an independent instance of the code base</a:t>
+            </a:r>
+          </a:p>
+          <a:p>
+            <a:r>
+              <a:rPr lang="en-GB" dirty="0"/>
+              <a:t>Branches allow multiple developers to work on the same code without overwriting each other</a:t>
+            </a:r>
+          </a:p>
+          <a:p>
+            <a:r>
+              <a:rPr lang="en-GB" dirty="0"/>
+              <a:t>Five main types of branch:</a:t>
+            </a:r>
+          </a:p>
+          <a:p>
+            <a:r>
+              <a:rPr lang="en-GB" dirty="0"/>
+              <a:t>Master branch</a:t>
+            </a:r>
+          </a:p>
+          <a:p>
+            <a:r>
+              <a:rPr lang="en-GB" dirty="0"/>
+              <a:t>Develop branch</a:t>
+            </a:r>
+          </a:p>
+          <a:p>
+            <a:r>
+              <a:rPr lang="en-GB" dirty="0"/>
+              <a:t>Feature branches</a:t>
+            </a:r>
+          </a:p>
+          <a:p>
+            <a:r>
+              <a:rPr lang="en-GB" dirty="0"/>
+              <a:t>Release branches</a:t>
+            </a:r>
+          </a:p>
+          <a:p>
+            <a:r>
+              <a:rPr lang="en-GB" dirty="0"/>
+              <a:t>Hotfix branches</a:t>
+            </a:r>
+          </a:p>
+          <a:p>
+            <a:pPr marL="0" indent="0">
+              <a:buNone/>
+            </a:pPr>
+            <a:endParaRPr lang="en-GB" dirty="0"/>
+          </a:p>
+          <a:p>
+            <a:pPr marL="0" indent="0">
+              <a:buNone/>
+            </a:pPr>
+            <a:endParaRPr lang="en-GB" dirty="0"/>
+          </a:p>
+          <a:p>
+            <a:pPr marL="0" indent="0">
+              <a:buNone/>
+            </a:pPr>
+            <a:endParaRPr lang="en-GB" dirty="0"/>
+          </a:p>
+          <a:p>
+            <a:endParaRPr lang="en-GB" dirty="0"/>
+          </a:p>
+        </p:txBody>
+      </p:sp>
+    </p:spTree>
+    <p:extLst>
+      <p:ext uri="{BB962C8B-B14F-4D97-AF65-F5344CB8AC3E}">
+        <p14:creationId xmlns:p14="http://schemas.microsoft.com/office/powerpoint/2010/main" val="1574115086"/>
+      </p:ext>
+    </p:extLst>
+  </p:cSld>
+  <p:clrMapOvr>
+    <a:masterClrMapping/>
+  </p:clrMapOvr>
+  <p:timing>
+    <p:tnLst>
+      <p:par>
+        <p:cTn id="1" dur="indefinite" restart="never" nodeType="tmRoot">
+          <p:childTnLst>
+            <p:seq concurrent="1" nextAc="seek">
+              <p:cTn id="2" dur="indefinite" nodeType="mainSeq">
+                <p:childTnLst>
+                  <p:par>
+                    <p:cTn id="3" fill="hold">
+                      <p:stCondLst>
+                        <p:cond delay="indefinite"/>
+                      </p:stCondLst>
+                      <p:childTnLst>
+                        <p:par>
+                          <p:cTn id="4" fill="hold">
+                            <p:stCondLst>
+                              <p:cond delay="0"/>
+                            </p:stCondLst>
+                            <p:childTnLst>
+                              <p:par>
+                                <p:cTn id="5" presetID="1" presetClass="entr" presetSubtype="0" fill="hold" nodeType="clickEffect">
+                                  <p:stCondLst>
+                                    <p:cond delay="0"/>
+                                  </p:stCondLst>
+                                  <p:childTnLst>
+                                    <p:set>
+                                      <p:cBhvr>
+                                        <p:cTn id="6" dur="1" fill="hold">
+                                          <p:stCondLst>
+                                            <p:cond delay="0"/>
+                                          </p:stCondLst>
+                                        </p:cTn>
+                                        <p:tgtEl>
+                                          <p:spTgt spid="3">
+                                            <p:txEl>
+                                              <p:pRg st="1" end="1"/>
+                                            </p:txEl>
+                                          </p:spTgt>
+                                        </p:tgtEl>
+                                        <p:attrNameLst>
+                                          <p:attrName>style.visibility</p:attrName>
+                                        </p:attrNameLst>
+                                      </p:cBhvr>
+                                      <p:to>
+                                        <p:strVal val="visible"/>
+                                      </p:to>
+                                    </p:set>
+                                  </p:childTnLst>
+                                </p:cTn>
+                              </p:par>
+                            </p:childTnLst>
+                          </p:cTn>
+                        </p:par>
+                      </p:childTnLst>
+                    </p:cTn>
+                  </p:par>
+                  <p:par>
+                    <p:cTn id="7" fill="hold">
+                      <p:stCondLst>
+                        <p:cond delay="indefinite"/>
+                      </p:stCondLst>
+                      <p:childTnLst>
+                        <p:par>
+                          <p:cTn id="8" fill="hold">
+                            <p:stCondLst>
+                              <p:cond delay="0"/>
+                            </p:stCondLst>
+                            <p:childTnLst>
+                              <p:par>
+                                <p:cTn id="9" presetID="1" presetClass="entr" presetSubtype="0" fill="hold" nodeType="clickEffect">
+                                  <p:stCondLst>
+                                    <p:cond delay="0"/>
+                                  </p:stCondLst>
+                                  <p:childTnLst>
+                                    <p:set>
+                                      <p:cBhvr>
+                                        <p:cTn id="10" dur="1" fill="hold">
+                                          <p:stCondLst>
+                                            <p:cond delay="0"/>
+                                          </p:stCondLst>
+                                        </p:cTn>
+                                        <p:tgtEl>
+                                          <p:spTgt spid="3">
+                                            <p:txEl>
+                                              <p:pRg st="2" end="2"/>
+                                            </p:txEl>
+                                          </p:spTgt>
+                                        </p:tgtEl>
+                                        <p:attrNameLst>
+                                          <p:attrName>style.visibility</p:attrName>
+                                        </p:attrNameLst>
+                                      </p:cBhvr>
+                                      <p:to>
+                                        <p:strVal val="visible"/>
+                                      </p:to>
+                                    </p:set>
+                                  </p:childTnLst>
+                                </p:cTn>
+                              </p:par>
+                            </p:childTnLst>
+                          </p:cTn>
+                        </p:par>
+                      </p:childTnLst>
+                    </p:cTn>
+                  </p:par>
+                  <p:par>
+                    <p:cTn id="11" fill="hold">
+                      <p:stCondLst>
+                        <p:cond delay="indefinite"/>
+                      </p:stCondLst>
+                      <p:childTnLst>
+                        <p:par>
+                          <p:cTn id="12" fill="hold">
+                            <p:stCondLst>
+                              <p:cond delay="0"/>
+                            </p:stCondLst>
+                            <p:childTnLst>
+                              <p:par>
+                                <p:cTn id="13" presetID="1" presetClass="entr" presetSubtype="0" fill="hold" nodeType="clickEffect">
+                                  <p:stCondLst>
+                                    <p:cond delay="0"/>
+                                  </p:stCondLst>
+                                  <p:childTnLst>
+                                    <p:set>
+                                      <p:cBhvr>
+                                        <p:cTn id="14" dur="1" fill="hold">
+                                          <p:stCondLst>
+                                            <p:cond delay="0"/>
+                                          </p:stCondLst>
+                                        </p:cTn>
+                                        <p:tgtEl>
+                                          <p:spTgt spid="3">
+                                            <p:txEl>
+                                              <p:pRg st="3" end="3"/>
+                                            </p:txEl>
+                                          </p:spTgt>
+                                        </p:tgtEl>
+                                        <p:attrNameLst>
+                                          <p:attrName>style.visibility</p:attrName>
+                                        </p:attrNameLst>
+                                      </p:cBhvr>
+                                      <p:to>
+                                        <p:strVal val="visible"/>
+                                      </p:to>
+                                    </p:set>
+                                  </p:childTnLst>
+                                </p:cTn>
+                              </p:par>
+                            </p:childTnLst>
+                          </p:cTn>
+                        </p:par>
+                      </p:childTnLst>
+                    </p:cTn>
+                  </p:par>
+                  <p:par>
+                    <p:cTn id="15" fill="hold">
+                      <p:stCondLst>
+                        <p:cond delay="indefinite"/>
+                      </p:stCondLst>
+                      <p:childTnLst>
+                        <p:par>
+                          <p:cTn id="16" fill="hold">
+                            <p:stCondLst>
+                              <p:cond delay="0"/>
+                            </p:stCondLst>
+                            <p:childTnLst>
+                              <p:par>
+                                <p:cTn id="17" presetID="1" presetClass="entr" presetSubtype="0" fill="hold" nodeType="clickEffect">
+                                  <p:stCondLst>
+                                    <p:cond delay="0"/>
+                                  </p:stCondLst>
+                                  <p:childTnLst>
+                                    <p:set>
+                                      <p:cBhvr>
+                                        <p:cTn id="18" dur="1" fill="hold">
+                                          <p:stCondLst>
+                                            <p:cond delay="0"/>
+                                          </p:stCondLst>
+                                        </p:cTn>
+                                        <p:tgtEl>
+                                          <p:spTgt spid="3">
+                                            <p:txEl>
+                                              <p:pRg st="4" end="4"/>
+                                            </p:txEl>
+                                          </p:spTgt>
+                                        </p:tgtEl>
+                                        <p:attrNameLst>
+                                          <p:attrName>style.visibility</p:attrName>
+                                        </p:attrNameLst>
+                                      </p:cBhvr>
+                                      <p:to>
+                                        <p:strVal val="visible"/>
+                                      </p:to>
+                                    </p:set>
+                                  </p:childTnLst>
+                                </p:cTn>
+                              </p:par>
+                              <p:par>
+                                <p:cTn id="19" presetID="1" presetClass="entr" presetSubtype="0" fill="hold" nodeType="withEffect">
+                                  <p:stCondLst>
+                                    <p:cond delay="0"/>
+                                  </p:stCondLst>
+                                  <p:childTnLst>
+                                    <p:set>
+                                      <p:cBhvr>
+                                        <p:cTn id="20" dur="1" fill="hold">
+                                          <p:stCondLst>
+                                            <p:cond delay="0"/>
+                                          </p:stCondLst>
+                                        </p:cTn>
+                                        <p:tgtEl>
+                                          <p:spTgt spid="3">
+                                            <p:txEl>
+                                              <p:pRg st="5" end="5"/>
+                                            </p:txEl>
+                                          </p:spTgt>
+                                        </p:tgtEl>
+                                        <p:attrNameLst>
+                                          <p:attrName>style.visibility</p:attrName>
+                                        </p:attrNameLst>
+                                      </p:cBhvr>
+                                      <p:to>
+                                        <p:strVal val="visible"/>
+                                      </p:to>
+                                    </p:set>
+                                  </p:childTnLst>
+                                </p:cTn>
+                              </p:par>
+                              <p:par>
+                                <p:cTn id="21" presetID="1" presetClass="entr" presetSubtype="0" fill="hold" nodeType="withEffect">
+                                  <p:stCondLst>
+                                    <p:cond delay="0"/>
+                                  </p:stCondLst>
+                                  <p:childTnLst>
+                                    <p:set>
+                                      <p:cBhvr>
+                                        <p:cTn id="22" dur="1" fill="hold">
+                                          <p:stCondLst>
+                                            <p:cond delay="0"/>
+                                          </p:stCondLst>
+                                        </p:cTn>
+                                        <p:tgtEl>
+                                          <p:spTgt spid="3">
+                                            <p:txEl>
+                                              <p:pRg st="6" end="6"/>
+                                            </p:txEl>
+                                          </p:spTgt>
+                                        </p:tgtEl>
+                                        <p:attrNameLst>
+                                          <p:attrName>style.visibility</p:attrName>
+                                        </p:attrNameLst>
+                                      </p:cBhvr>
+                                      <p:to>
+                                        <p:strVal val="visible"/>
+                                      </p:to>
+                                    </p:set>
+                                  </p:childTnLst>
+                                </p:cTn>
+                              </p:par>
+                              <p:par>
+                                <p:cTn id="23" presetID="1" presetClass="entr" presetSubtype="0" fill="hold" nodeType="withEffect">
+                                  <p:stCondLst>
+                                    <p:cond delay="0"/>
+                                  </p:stCondLst>
+                                  <p:childTnLst>
+                                    <p:set>
+                                      <p:cBhvr>
+                                        <p:cTn id="24" dur="1" fill="hold">
+                                          <p:stCondLst>
+                                            <p:cond delay="0"/>
+                                          </p:stCondLst>
+                                        </p:cTn>
+                                        <p:tgtEl>
+                                          <p:spTgt spid="3">
+                                            <p:txEl>
+                                              <p:pRg st="7" end="7"/>
+                                            </p:txEl>
+                                          </p:spTgt>
+                                        </p:tgtEl>
+                                        <p:attrNameLst>
+                                          <p:attrName>style.visibility</p:attrName>
+                                        </p:attrNameLst>
+                                      </p:cBhvr>
+                                      <p:to>
+                                        <p:strVal val="visible"/>
+                                      </p:to>
+                                    </p:set>
+                                  </p:childTnLst>
+                                </p:cTn>
+                              </p:par>
+                              <p:par>
+                                <p:cTn id="25" presetID="1" presetClass="entr" presetSubtype="0" fill="hold" nodeType="withEffect">
+                                  <p:stCondLst>
+                                    <p:cond delay="0"/>
+                                  </p:stCondLst>
+                                  <p:childTnLst>
+                                    <p:set>
+                                      <p:cBhvr>
+                                        <p:cTn id="26" dur="1" fill="hold">
+                                          <p:stCondLst>
+                                            <p:cond delay="0"/>
+                                          </p:stCondLst>
+                                        </p:cTn>
+                                        <p:tgtEl>
+                                          <p:spTgt spid="3">
+                                            <p:txEl>
+                                              <p:pRg st="8" end="8"/>
+                                            </p:txEl>
+                                          </p:spTgt>
+                                        </p:tgtEl>
+                                        <p:attrNameLst>
+                                          <p:attrName>style.visibility</p:attrName>
+                                        </p:attrNameLst>
+                                      </p:cBhvr>
+                                      <p:to>
+                                        <p:strVal val="visible"/>
+                                      </p:to>
+                                    </p:set>
+                                  </p:childTnLst>
+                                </p:cTn>
+                              </p:par>
+                            </p:childTnLst>
+                          </p:cTn>
+                        </p:par>
+                      </p:childTnLst>
+                    </p:cTn>
+                  </p:par>
+                </p:childTnLst>
+              </p:cTn>
+              <p:prevCondLst>
+                <p:cond evt="onPrev" delay="0">
+                  <p:tgtEl>
+                    <p:sldTgt/>
+                  </p:tgtEl>
+                </p:cond>
+              </p:prevCondLst>
+              <p:nextCondLst>
+                <p:cond evt="onNext" delay="0">
+                  <p:tgtEl>
+                    <p:sldTgt/>
+                  </p:tgtEl>
+                </p:cond>
+              </p:nextCondLst>
+            </p:seq>
+          </p:childTnLst>
+        </p:cTn>
+      </p:par>
+    </p:tnLst>
+  </p:timing>
+</p:sld>
+</file>
+
+<file path=ppt/slides/slide6.xml><?xml version="1.0" encoding="utf-8"?>
+<p:sld xmlns:a="http://schemas.openxmlformats.org/drawingml/2006/main" xmlns:r="http://schemas.openxmlformats.org/officeDocument/2006/relationships" xmlns:p="http://schemas.openxmlformats.org/presentationml/2006/main">
+  <p:cSld>
+    <p:spTree>
+      <p:nvGrpSpPr>
+        <p:cNvPr id="1" name=""/>
+        <p:cNvGrpSpPr/>
+        <p:nvPr/>
+      </p:nvGrpSpPr>
+      <p:grpSpPr>
+        <a:xfrm>
+          <a:off x="0" y="0"/>
+          <a:ext cx="0" cy="0"/>
+          <a:chOff x="0" y="0"/>
+          <a:chExt cx="0" cy="0"/>
+        </a:xfrm>
+      </p:grpSpPr>
+      <p:cxnSp>
+        <p:nvCxnSpPr>
+          <p:cNvPr id="36" name="Straight Connector 35">
+            <a:extLst>
+              <a:ext uri="{FF2B5EF4-FFF2-40B4-BE49-F238E27FC236}">
+                <a16:creationId xmlns:a16="http://schemas.microsoft.com/office/drawing/2014/main" id="{E535B60B-3B9B-4A2C-9581-90F26FC50291}"/>
+              </a:ext>
+            </a:extLst>
+          </p:cNvPr>
+          <p:cNvCxnSpPr>
+            <a:cxnSpLocks/>
+          </p:cNvCxnSpPr>
+          <p:nvPr/>
+        </p:nvCxnSpPr>
+        <p:spPr>
+          <a:xfrm>
+            <a:off x="1753297" y="5652432"/>
+            <a:ext cx="7399092" cy="0"/>
+          </a:xfrm>
+          <a:prstGeom prst="line">
+            <a:avLst/>
+          </a:prstGeom>
+          <a:ln w="9525" cap="flat" cmpd="sng" algn="ctr">
+            <a:solidFill>
+              <a:schemeClr val="dk1"/>
+            </a:solidFill>
+            <a:prstDash val="dash"/>
+            <a:round/>
+            <a:headEnd type="none" w="med" len="med"/>
+            <a:tailEnd type="none" w="med" len="med"/>
+          </a:ln>
+        </p:spPr>
+        <p:style>
+          <a:lnRef idx="0">
+            <a:scrgbClr r="0" g="0" b="0"/>
+          </a:lnRef>
+          <a:fillRef idx="0">
+            <a:scrgbClr r="0" g="0" b="0"/>
+          </a:fillRef>
+          <a:effectRef idx="0">
+            <a:scrgbClr r="0" g="0" b="0"/>
+          </a:effectRef>
+          <a:fontRef idx="minor">
+            <a:schemeClr val="tx1"/>
+          </a:fontRef>
+        </p:style>
+      </p:cxnSp>
+      <p:cxnSp>
+        <p:nvCxnSpPr>
+          <p:cNvPr id="40" name="Straight Connector 39">
+            <a:extLst>
+              <a:ext uri="{FF2B5EF4-FFF2-40B4-BE49-F238E27FC236}">
+                <a16:creationId xmlns:a16="http://schemas.microsoft.com/office/drawing/2014/main" id="{7D1F070B-C7DA-435F-83D8-FF985FCBD088}"/>
+              </a:ext>
+            </a:extLst>
+          </p:cNvPr>
+          <p:cNvCxnSpPr>
+            <a:cxnSpLocks/>
+          </p:cNvCxnSpPr>
+          <p:nvPr/>
+        </p:nvCxnSpPr>
+        <p:spPr>
+          <a:xfrm>
+            <a:off x="1774968" y="2393016"/>
+            <a:ext cx="7399092" cy="0"/>
+          </a:xfrm>
+          <a:prstGeom prst="line">
+            <a:avLst/>
+          </a:prstGeom>
+          <a:ln w="9525" cap="flat" cmpd="sng" algn="ctr">
+            <a:solidFill>
+              <a:schemeClr val="dk1"/>
+            </a:solidFill>
+            <a:prstDash val="dash"/>
+            <a:round/>
+            <a:headEnd type="none" w="med" len="med"/>
+            <a:tailEnd type="none" w="med" len="med"/>
+          </a:ln>
+        </p:spPr>
+        <p:style>
+          <a:lnRef idx="0">
+            <a:scrgbClr r="0" g="0" b="0"/>
+          </a:lnRef>
+          <a:fillRef idx="0">
+            <a:scrgbClr r="0" g="0" b="0"/>
+          </a:fillRef>
+          <a:effectRef idx="0">
+            <a:scrgbClr r="0" g="0" b="0"/>
+          </a:effectRef>
+          <a:fontRef idx="minor">
+            <a:schemeClr val="tx1"/>
+          </a:fontRef>
+        </p:style>
+      </p:cxnSp>
+      <p:cxnSp>
+        <p:nvCxnSpPr>
+          <p:cNvPr id="41" name="Straight Connector 40">
+            <a:extLst>
+              <a:ext uri="{FF2B5EF4-FFF2-40B4-BE49-F238E27FC236}">
+                <a16:creationId xmlns:a16="http://schemas.microsoft.com/office/drawing/2014/main" id="{D4F9F6FD-05D7-4DD5-B468-074BCACE5F13}"/>
+              </a:ext>
+            </a:extLst>
+          </p:cNvPr>
+          <p:cNvCxnSpPr>
+            <a:cxnSpLocks/>
+          </p:cNvCxnSpPr>
+          <p:nvPr/>
+        </p:nvCxnSpPr>
+        <p:spPr>
+          <a:xfrm>
+            <a:off x="1753297" y="3041241"/>
+            <a:ext cx="7399092" cy="0"/>
+          </a:xfrm>
+          <a:prstGeom prst="line">
+            <a:avLst/>
+          </a:prstGeom>
+          <a:ln w="9525" cap="flat" cmpd="sng" algn="ctr">
+            <a:solidFill>
+              <a:schemeClr val="dk1"/>
+            </a:solidFill>
+            <a:prstDash val="dash"/>
+            <a:round/>
+            <a:headEnd type="none" w="med" len="med"/>
+            <a:tailEnd type="none" w="med" len="med"/>
+          </a:ln>
+        </p:spPr>
+        <p:style>
+          <a:lnRef idx="0">
+            <a:scrgbClr r="0" g="0" b="0"/>
+          </a:lnRef>
+          <a:fillRef idx="0">
+            <a:scrgbClr r="0" g="0" b="0"/>
+          </a:fillRef>
+          <a:effectRef idx="0">
+            <a:scrgbClr r="0" g="0" b="0"/>
+          </a:effectRef>
+          <a:fontRef idx="minor">
+            <a:schemeClr val="tx1"/>
+          </a:fontRef>
+        </p:style>
+      </p:cxnSp>
+      <p:cxnSp>
+        <p:nvCxnSpPr>
+          <p:cNvPr id="42" name="Straight Connector 41">
+            <a:extLst>
+              <a:ext uri="{FF2B5EF4-FFF2-40B4-BE49-F238E27FC236}">
+                <a16:creationId xmlns:a16="http://schemas.microsoft.com/office/drawing/2014/main" id="{F519D69D-E501-4279-8A07-1DB6990EB09D}"/>
+              </a:ext>
+            </a:extLst>
+          </p:cNvPr>
+          <p:cNvCxnSpPr>
+            <a:cxnSpLocks/>
+          </p:cNvCxnSpPr>
+          <p:nvPr/>
+        </p:nvCxnSpPr>
+        <p:spPr>
+          <a:xfrm>
+            <a:off x="1753297" y="3693252"/>
+            <a:ext cx="7399092" cy="0"/>
+          </a:xfrm>
+          <a:prstGeom prst="line">
+            <a:avLst/>
+          </a:prstGeom>
+          <a:ln w="9525" cap="flat" cmpd="sng" algn="ctr">
+            <a:solidFill>
+              <a:schemeClr val="dk1"/>
+            </a:solidFill>
+            <a:prstDash val="dash"/>
+            <a:round/>
+            <a:headEnd type="none" w="med" len="med"/>
+            <a:tailEnd type="none" w="med" len="med"/>
+          </a:ln>
+        </p:spPr>
+        <p:style>
+          <a:lnRef idx="0">
+            <a:scrgbClr r="0" g="0" b="0"/>
+          </a:lnRef>
+          <a:fillRef idx="0">
+            <a:scrgbClr r="0" g="0" b="0"/>
+          </a:fillRef>
+          <a:effectRef idx="0">
+            <a:scrgbClr r="0" g="0" b="0"/>
+          </a:effectRef>
+          <a:fontRef idx="minor">
+            <a:schemeClr val="tx1"/>
+          </a:fontRef>
+        </p:style>
+      </p:cxnSp>
+      <p:cxnSp>
+        <p:nvCxnSpPr>
+          <p:cNvPr id="43" name="Straight Connector 42">
+            <a:extLst>
+              <a:ext uri="{FF2B5EF4-FFF2-40B4-BE49-F238E27FC236}">
+                <a16:creationId xmlns:a16="http://schemas.microsoft.com/office/drawing/2014/main" id="{EFE6F800-3C77-47C7-82C3-977B52DD04EB}"/>
+              </a:ext>
+            </a:extLst>
+          </p:cNvPr>
+          <p:cNvCxnSpPr>
+            <a:cxnSpLocks/>
+          </p:cNvCxnSpPr>
+          <p:nvPr/>
+        </p:nvCxnSpPr>
+        <p:spPr>
+          <a:xfrm>
+            <a:off x="1733720" y="4344320"/>
+            <a:ext cx="7399092" cy="0"/>
+          </a:xfrm>
+          <a:prstGeom prst="line">
+            <a:avLst/>
+          </a:prstGeom>
+          <a:ln w="9525" cap="flat" cmpd="sng" algn="ctr">
+            <a:solidFill>
+              <a:schemeClr val="dk1"/>
+            </a:solidFill>
+            <a:prstDash val="dash"/>
+            <a:round/>
+            <a:headEnd type="none" w="med" len="med"/>
+            <a:tailEnd type="none" w="med" len="med"/>
+          </a:ln>
+        </p:spPr>
+        <p:style>
+          <a:lnRef idx="0">
+            <a:scrgbClr r="0" g="0" b="0"/>
+          </a:lnRef>
+          <a:fillRef idx="0">
+            <a:scrgbClr r="0" g="0" b="0"/>
+          </a:fillRef>
+          <a:effectRef idx="0">
+            <a:scrgbClr r="0" g="0" b="0"/>
+          </a:effectRef>
+          <a:fontRef idx="minor">
+            <a:schemeClr val="tx1"/>
+          </a:fontRef>
+        </p:style>
+      </p:cxnSp>
+      <p:cxnSp>
+        <p:nvCxnSpPr>
+          <p:cNvPr id="44" name="Straight Connector 43">
+            <a:extLst>
+              <a:ext uri="{FF2B5EF4-FFF2-40B4-BE49-F238E27FC236}">
+                <a16:creationId xmlns:a16="http://schemas.microsoft.com/office/drawing/2014/main" id="{56276C34-1FE8-48B1-8296-DC4E013B88BA}"/>
+              </a:ext>
+            </a:extLst>
+          </p:cNvPr>
+          <p:cNvCxnSpPr>
+            <a:cxnSpLocks/>
+          </p:cNvCxnSpPr>
+          <p:nvPr/>
+        </p:nvCxnSpPr>
+        <p:spPr>
+          <a:xfrm>
+            <a:off x="1753297" y="4999372"/>
+            <a:ext cx="7399092" cy="0"/>
+          </a:xfrm>
+          <a:prstGeom prst="line">
+            <a:avLst/>
+          </a:prstGeom>
+          <a:ln w="9525" cap="flat" cmpd="sng" algn="ctr">
+            <a:solidFill>
+              <a:schemeClr val="dk1"/>
+            </a:solidFill>
+            <a:prstDash val="dash"/>
+            <a:round/>
+            <a:headEnd type="none" w="med" len="med"/>
+            <a:tailEnd type="none" w="med" len="med"/>
+          </a:ln>
+        </p:spPr>
+        <p:style>
+          <a:lnRef idx="0">
+            <a:scrgbClr r="0" g="0" b="0"/>
+          </a:lnRef>
+          <a:fillRef idx="0">
+            <a:scrgbClr r="0" g="0" b="0"/>
+          </a:fillRef>
+          <a:effectRef idx="0">
+            <a:scrgbClr r="0" g="0" b="0"/>
+          </a:effectRef>
+          <a:fontRef idx="minor">
+            <a:schemeClr val="tx1"/>
+          </a:fontRef>
+        </p:style>
+      </p:cxnSp>
+      <p:sp>
+        <p:nvSpPr>
+          <p:cNvPr id="2" name="Title 1">
+            <a:extLst>
+              <a:ext uri="{FF2B5EF4-FFF2-40B4-BE49-F238E27FC236}">
+                <a16:creationId xmlns:a16="http://schemas.microsoft.com/office/drawing/2014/main" id="{D1E7F00A-E909-4AB6-AF55-C4B1AB037EC3}"/>
+              </a:ext>
+            </a:extLst>
+          </p:cNvPr>
+          <p:cNvSpPr>
+            <a:spLocks noGrp="1"/>
+          </p:cNvSpPr>
+          <p:nvPr>
+            <p:ph type="title"/>
+          </p:nvPr>
+        </p:nvSpPr>
+        <p:spPr/>
+        <p:txBody>
+          <a:bodyPr/>
+          <a:lstStyle/>
+          <a:p>
+            <a:r>
+              <a:rPr lang="en-GB" dirty="0"/>
+              <a:t>How we use branches at Kobalt</a:t>
+            </a:r>
+          </a:p>
+        </p:txBody>
+      </p:sp>
+      <p:sp>
+        <p:nvSpPr>
+          <p:cNvPr id="10" name="Flowchart: Connector 9">
+            <a:extLst>
+              <a:ext uri="{FF2B5EF4-FFF2-40B4-BE49-F238E27FC236}">
+                <a16:creationId xmlns:a16="http://schemas.microsoft.com/office/drawing/2014/main" id="{AF4B126A-603A-4D2A-9B94-3E16052AA149}"/>
+              </a:ext>
+            </a:extLst>
+          </p:cNvPr>
+          <p:cNvSpPr/>
+          <p:nvPr/>
+        </p:nvSpPr>
+        <p:spPr>
+          <a:xfrm>
+            <a:off x="2055303" y="2889190"/>
+            <a:ext cx="302004" cy="302004"/>
+          </a:xfrm>
+          <a:prstGeom prst="flowChartConnector">
+            <a:avLst/>
+          </a:prstGeom>
+          <a:solidFill>
+            <a:srgbClr val="7030A0"/>
+          </a:solidFill>
+          <a:ln>
+            <a:solidFill>
+              <a:schemeClr val="tx1"/>
+            </a:solidFill>
+          </a:ln>
+        </p:spPr>
+        <p:style>
+          <a:lnRef idx="2">
+            <a:schemeClr val="accent1">
+              <a:shade val="50000"/>
+            </a:schemeClr>
+          </a:lnRef>
+          <a:fillRef idx="1">
+            <a:schemeClr val="accent1"/>
+          </a:fillRef>
+          <a:effectRef idx="0">
+            <a:schemeClr val="accent1"/>
+          </a:effectRef>
+          <a:fontRef idx="minor">
+            <a:schemeClr val="lt1"/>
+          </a:fontRef>
+        </p:style>
+        <p:txBody>
+          <a:bodyPr rtlCol="0" anchor="ctr"/>
+          <a:lstStyle/>
+          <a:p>
+            <a:pPr algn="ctr"/>
+            <a:endParaRPr lang="en-GB"/>
+          </a:p>
+        </p:txBody>
+      </p:sp>
+      <p:sp>
+        <p:nvSpPr>
+          <p:cNvPr id="11" name="Flowchart: Connector 10">
+            <a:extLst>
+              <a:ext uri="{FF2B5EF4-FFF2-40B4-BE49-F238E27FC236}">
+                <a16:creationId xmlns:a16="http://schemas.microsoft.com/office/drawing/2014/main" id="{C744FB40-D144-4E1E-AA48-AE1BF1B554E0}"/>
+              </a:ext>
+            </a:extLst>
+          </p:cNvPr>
+          <p:cNvSpPr/>
+          <p:nvPr/>
+        </p:nvSpPr>
+        <p:spPr>
+          <a:xfrm>
+            <a:off x="2453080" y="4196125"/>
+            <a:ext cx="302004" cy="302004"/>
+          </a:xfrm>
+          <a:prstGeom prst="flowChartConnector">
+            <a:avLst/>
+          </a:prstGeom>
+          <a:solidFill>
+            <a:srgbClr val="92D050"/>
+          </a:solidFill>
+          <a:ln>
+            <a:solidFill>
+              <a:schemeClr val="accent4"/>
+            </a:solidFill>
+          </a:ln>
+        </p:spPr>
+        <p:style>
+          <a:lnRef idx="2">
+            <a:schemeClr val="accent1">
+              <a:shade val="50000"/>
+            </a:schemeClr>
+          </a:lnRef>
+          <a:fillRef idx="1">
+            <a:schemeClr val="accent1"/>
+          </a:fillRef>
+          <a:effectRef idx="0">
+            <a:schemeClr val="accent1"/>
+          </a:effectRef>
+          <a:fontRef idx="minor">
+            <a:schemeClr val="lt1"/>
+          </a:fontRef>
+        </p:style>
+        <p:txBody>
+          <a:bodyPr rtlCol="0" anchor="ctr"/>
+          <a:lstStyle/>
+          <a:p>
+            <a:pPr algn="ctr"/>
+            <a:endParaRPr lang="en-GB"/>
+          </a:p>
+        </p:txBody>
+      </p:sp>
+      <p:sp>
+        <p:nvSpPr>
+          <p:cNvPr id="12" name="Flowchart: Connector 11">
+            <a:extLst>
+              <a:ext uri="{FF2B5EF4-FFF2-40B4-BE49-F238E27FC236}">
+                <a16:creationId xmlns:a16="http://schemas.microsoft.com/office/drawing/2014/main" id="{BDFE9D7B-B80F-41A1-9558-56C8C055EBFB}"/>
+              </a:ext>
+            </a:extLst>
+          </p:cNvPr>
+          <p:cNvSpPr/>
+          <p:nvPr/>
+        </p:nvSpPr>
+        <p:spPr>
+          <a:xfrm>
+            <a:off x="3075963" y="4848370"/>
+            <a:ext cx="302004" cy="302004"/>
+          </a:xfrm>
+          <a:prstGeom prst="flowChartConnector">
+            <a:avLst/>
+          </a:prstGeom>
+        </p:spPr>
+        <p:style>
+          <a:lnRef idx="2">
+            <a:schemeClr val="accent1">
+              <a:shade val="50000"/>
+            </a:schemeClr>
+          </a:lnRef>
+          <a:fillRef idx="1">
+            <a:schemeClr val="accent1"/>
+          </a:fillRef>
+          <a:effectRef idx="0">
+            <a:schemeClr val="accent1"/>
+          </a:effectRef>
+          <a:fontRef idx="minor">
+            <a:schemeClr val="lt1"/>
+          </a:fontRef>
+        </p:style>
+        <p:txBody>
+          <a:bodyPr rtlCol="0" anchor="ctr"/>
+          <a:lstStyle/>
+          <a:p>
+            <a:pPr algn="ctr"/>
+            <a:endParaRPr lang="en-GB"/>
+          </a:p>
+        </p:txBody>
+      </p:sp>
+      <p:sp>
+        <p:nvSpPr>
+          <p:cNvPr id="13" name="Flowchart: Connector 12">
+            <a:extLst>
+              <a:ext uri="{FF2B5EF4-FFF2-40B4-BE49-F238E27FC236}">
+                <a16:creationId xmlns:a16="http://schemas.microsoft.com/office/drawing/2014/main" id="{512102AC-07C6-4787-848B-2C9E9DDD2FA4}"/>
+              </a:ext>
+            </a:extLst>
+          </p:cNvPr>
+          <p:cNvSpPr/>
+          <p:nvPr/>
+        </p:nvSpPr>
+        <p:spPr>
+          <a:xfrm>
+            <a:off x="3900883" y="4848370"/>
+            <a:ext cx="302004" cy="302004"/>
+          </a:xfrm>
+          <a:prstGeom prst="flowChartConnector">
+            <a:avLst/>
+          </a:prstGeom>
+        </p:spPr>
+        <p:style>
+          <a:lnRef idx="2">
+            <a:schemeClr val="accent1">
+              <a:shade val="50000"/>
+            </a:schemeClr>
+          </a:lnRef>
+          <a:fillRef idx="1">
+            <a:schemeClr val="accent1"/>
+          </a:fillRef>
+          <a:effectRef idx="0">
+            <a:schemeClr val="accent1"/>
+          </a:effectRef>
+          <a:fontRef idx="minor">
+            <a:schemeClr val="lt1"/>
+          </a:fontRef>
+        </p:style>
+        <p:txBody>
+          <a:bodyPr rtlCol="0" anchor="ctr"/>
+          <a:lstStyle/>
+          <a:p>
+            <a:pPr algn="ctr"/>
+            <a:endParaRPr lang="en-GB"/>
+          </a:p>
+        </p:txBody>
+      </p:sp>
+      <p:sp>
+        <p:nvSpPr>
+          <p:cNvPr id="15" name="Flowchart: Connector 14">
+            <a:extLst>
+              <a:ext uri="{FF2B5EF4-FFF2-40B4-BE49-F238E27FC236}">
+                <a16:creationId xmlns:a16="http://schemas.microsoft.com/office/drawing/2014/main" id="{9C408343-CF9E-4C4C-B918-5662E1E2344B}"/>
+              </a:ext>
+            </a:extLst>
+          </p:cNvPr>
+          <p:cNvSpPr/>
+          <p:nvPr/>
+        </p:nvSpPr>
+        <p:spPr>
+          <a:xfrm>
+            <a:off x="2771163" y="5501430"/>
+            <a:ext cx="302004" cy="302004"/>
+          </a:xfrm>
+          <a:prstGeom prst="flowChartConnector">
+            <a:avLst/>
+          </a:prstGeom>
+        </p:spPr>
+        <p:style>
+          <a:lnRef idx="2">
+            <a:schemeClr val="accent1">
+              <a:shade val="50000"/>
+            </a:schemeClr>
+          </a:lnRef>
+          <a:fillRef idx="1">
+            <a:schemeClr val="accent1"/>
+          </a:fillRef>
+          <a:effectRef idx="0">
+            <a:schemeClr val="accent1"/>
+          </a:effectRef>
+          <a:fontRef idx="minor">
+            <a:schemeClr val="lt1"/>
+          </a:fontRef>
+        </p:style>
+        <p:txBody>
+          <a:bodyPr rtlCol="0" anchor="ctr"/>
+          <a:lstStyle/>
+          <a:p>
+            <a:pPr algn="ctr"/>
+            <a:endParaRPr lang="en-GB"/>
+          </a:p>
+        </p:txBody>
+      </p:sp>
+      <p:sp>
+        <p:nvSpPr>
+          <p:cNvPr id="16" name="Flowchart: Connector 15">
+            <a:extLst>
+              <a:ext uri="{FF2B5EF4-FFF2-40B4-BE49-F238E27FC236}">
+                <a16:creationId xmlns:a16="http://schemas.microsoft.com/office/drawing/2014/main" id="{B466D327-F319-4F50-B2BB-6F1766407D67}"/>
+              </a:ext>
+            </a:extLst>
+          </p:cNvPr>
+          <p:cNvSpPr/>
+          <p:nvPr/>
+        </p:nvSpPr>
+        <p:spPr>
+          <a:xfrm>
+            <a:off x="3808604" y="5501430"/>
+            <a:ext cx="302004" cy="302004"/>
+          </a:xfrm>
+          <a:prstGeom prst="flowChartConnector">
+            <a:avLst/>
+          </a:prstGeom>
+        </p:spPr>
+        <p:style>
+          <a:lnRef idx="2">
+            <a:schemeClr val="accent1">
+              <a:shade val="50000"/>
+            </a:schemeClr>
+          </a:lnRef>
+          <a:fillRef idx="1">
+            <a:schemeClr val="accent1"/>
+          </a:fillRef>
+          <a:effectRef idx="0">
+            <a:schemeClr val="accent1"/>
+          </a:effectRef>
+          <a:fontRef idx="minor">
+            <a:schemeClr val="lt1"/>
+          </a:fontRef>
+        </p:style>
+        <p:txBody>
+          <a:bodyPr rtlCol="0" anchor="ctr"/>
+          <a:lstStyle/>
+          <a:p>
+            <a:pPr algn="ctr"/>
+            <a:endParaRPr lang="en-GB"/>
+          </a:p>
+        </p:txBody>
+      </p:sp>
+      <p:sp>
+        <p:nvSpPr>
+          <p:cNvPr id="17" name="Flowchart: Connector 16">
+            <a:extLst>
+              <a:ext uri="{FF2B5EF4-FFF2-40B4-BE49-F238E27FC236}">
+                <a16:creationId xmlns:a16="http://schemas.microsoft.com/office/drawing/2014/main" id="{450079D6-AA2C-4842-ACFB-7925F237DFFF}"/>
+              </a:ext>
+            </a:extLst>
+          </p:cNvPr>
+          <p:cNvSpPr/>
+          <p:nvPr/>
+        </p:nvSpPr>
+        <p:spPr>
+          <a:xfrm>
+            <a:off x="4846045" y="5501430"/>
+            <a:ext cx="302004" cy="302004"/>
+          </a:xfrm>
+          <a:prstGeom prst="flowChartConnector">
+            <a:avLst/>
+          </a:prstGeom>
+        </p:spPr>
+        <p:style>
+          <a:lnRef idx="2">
+            <a:schemeClr val="accent1">
+              <a:shade val="50000"/>
+            </a:schemeClr>
+          </a:lnRef>
+          <a:fillRef idx="1">
+            <a:schemeClr val="accent1"/>
+          </a:fillRef>
+          <a:effectRef idx="0">
+            <a:schemeClr val="accent1"/>
+          </a:effectRef>
+          <a:fontRef idx="minor">
+            <a:schemeClr val="lt1"/>
+          </a:fontRef>
+        </p:style>
+        <p:txBody>
+          <a:bodyPr rtlCol="0" anchor="ctr"/>
+          <a:lstStyle/>
+          <a:p>
+            <a:pPr algn="ctr"/>
+            <a:endParaRPr lang="en-GB"/>
+          </a:p>
+        </p:txBody>
+      </p:sp>
+      <p:sp>
+        <p:nvSpPr>
+          <p:cNvPr id="18" name="Flowchart: Connector 17">
+            <a:extLst>
+              <a:ext uri="{FF2B5EF4-FFF2-40B4-BE49-F238E27FC236}">
+                <a16:creationId xmlns:a16="http://schemas.microsoft.com/office/drawing/2014/main" id="{8F9EE415-0D84-49B1-83EE-0EAD63185139}"/>
+              </a:ext>
+            </a:extLst>
+          </p:cNvPr>
+          <p:cNvSpPr/>
+          <p:nvPr/>
+        </p:nvSpPr>
+        <p:spPr>
+          <a:xfrm>
+            <a:off x="4349684" y="4195310"/>
+            <a:ext cx="302004" cy="302004"/>
+          </a:xfrm>
+          <a:prstGeom prst="flowChartConnector">
+            <a:avLst/>
+          </a:prstGeom>
+          <a:solidFill>
+            <a:srgbClr val="92D050"/>
+          </a:solidFill>
+          <a:ln>
+            <a:solidFill>
+              <a:schemeClr val="accent4"/>
+            </a:solidFill>
+          </a:ln>
+        </p:spPr>
+        <p:style>
+          <a:lnRef idx="2">
+            <a:schemeClr val="accent1">
+              <a:shade val="50000"/>
+            </a:schemeClr>
+          </a:lnRef>
+          <a:fillRef idx="1">
+            <a:schemeClr val="accent1"/>
+          </a:fillRef>
+          <a:effectRef idx="0">
+            <a:schemeClr val="accent1"/>
+          </a:effectRef>
+          <a:fontRef idx="minor">
+            <a:schemeClr val="lt1"/>
+          </a:fontRef>
+        </p:style>
+        <p:txBody>
+          <a:bodyPr rtlCol="0" anchor="ctr"/>
+          <a:lstStyle/>
+          <a:p>
+            <a:pPr algn="ctr"/>
+            <a:endParaRPr lang="en-GB"/>
+          </a:p>
+        </p:txBody>
+      </p:sp>
+      <p:sp>
+        <p:nvSpPr>
+          <p:cNvPr id="19" name="Flowchart: Connector 18">
+            <a:extLst>
+              <a:ext uri="{FF2B5EF4-FFF2-40B4-BE49-F238E27FC236}">
+                <a16:creationId xmlns:a16="http://schemas.microsoft.com/office/drawing/2014/main" id="{8C4EE23E-EE26-47F4-A046-D6D4AC419D72}"/>
+              </a:ext>
+            </a:extLst>
+          </p:cNvPr>
+          <p:cNvSpPr/>
+          <p:nvPr/>
+        </p:nvSpPr>
+        <p:spPr>
+          <a:xfrm>
+            <a:off x="6262382" y="2889190"/>
+            <a:ext cx="302004" cy="302004"/>
+          </a:xfrm>
+          <a:prstGeom prst="flowChartConnector">
+            <a:avLst/>
+          </a:prstGeom>
+          <a:solidFill>
+            <a:srgbClr val="7030A0"/>
+          </a:solidFill>
+          <a:ln>
+            <a:solidFill>
+              <a:schemeClr val="tx1"/>
+            </a:solidFill>
+          </a:ln>
+        </p:spPr>
+        <p:style>
+          <a:lnRef idx="2">
+            <a:schemeClr val="accent1">
+              <a:shade val="50000"/>
+            </a:schemeClr>
+          </a:lnRef>
+          <a:fillRef idx="1">
+            <a:schemeClr val="accent1"/>
+          </a:fillRef>
+          <a:effectRef idx="0">
+            <a:schemeClr val="accent1"/>
+          </a:effectRef>
+          <a:fontRef idx="minor">
+            <a:schemeClr val="lt1"/>
+          </a:fontRef>
+        </p:style>
+        <p:txBody>
+          <a:bodyPr rtlCol="0" anchor="ctr"/>
+          <a:lstStyle/>
+          <a:p>
+            <a:pPr algn="ctr"/>
+            <a:endParaRPr lang="en-GB"/>
+          </a:p>
+        </p:txBody>
+      </p:sp>
+      <p:sp>
+        <p:nvSpPr>
+          <p:cNvPr id="20" name="Flowchart: Connector 19">
+            <a:extLst>
+              <a:ext uri="{FF2B5EF4-FFF2-40B4-BE49-F238E27FC236}">
+                <a16:creationId xmlns:a16="http://schemas.microsoft.com/office/drawing/2014/main" id="{8D655F8A-D4A6-422F-B770-159D1413BC4A}"/>
+              </a:ext>
+            </a:extLst>
+          </p:cNvPr>
+          <p:cNvSpPr/>
+          <p:nvPr/>
+        </p:nvSpPr>
+        <p:spPr>
+          <a:xfrm>
+            <a:off x="2534174" y="2242014"/>
+            <a:ext cx="302004" cy="302004"/>
+          </a:xfrm>
+          <a:prstGeom prst="flowChartConnector">
+            <a:avLst/>
+          </a:prstGeom>
+          <a:solidFill>
+            <a:srgbClr val="FF5050"/>
+          </a:solidFill>
+          <a:ln>
+            <a:solidFill>
+              <a:srgbClr val="C00000"/>
+            </a:solidFill>
+          </a:ln>
+        </p:spPr>
+        <p:style>
+          <a:lnRef idx="2">
+            <a:schemeClr val="accent1">
+              <a:shade val="50000"/>
+            </a:schemeClr>
+          </a:lnRef>
+          <a:fillRef idx="1">
+            <a:schemeClr val="accent1"/>
+          </a:fillRef>
+          <a:effectRef idx="0">
+            <a:schemeClr val="accent1"/>
+          </a:effectRef>
+          <a:fontRef idx="minor">
+            <a:schemeClr val="lt1"/>
+          </a:fontRef>
+        </p:style>
+        <p:txBody>
+          <a:bodyPr rtlCol="0" anchor="ctr"/>
+          <a:lstStyle/>
+          <a:p>
+            <a:pPr algn="ctr"/>
+            <a:endParaRPr lang="en-GB"/>
+          </a:p>
+        </p:txBody>
+      </p:sp>
+      <p:sp>
+        <p:nvSpPr>
+          <p:cNvPr id="21" name="Flowchart: Connector 20">
+            <a:extLst>
+              <a:ext uri="{FF2B5EF4-FFF2-40B4-BE49-F238E27FC236}">
+                <a16:creationId xmlns:a16="http://schemas.microsoft.com/office/drawing/2014/main" id="{0ABCD596-C9B9-44FE-B19B-7200702EF88D}"/>
+              </a:ext>
+            </a:extLst>
+          </p:cNvPr>
+          <p:cNvSpPr/>
+          <p:nvPr/>
+        </p:nvSpPr>
+        <p:spPr>
+          <a:xfrm>
+            <a:off x="5389933" y="4195310"/>
+            <a:ext cx="302004" cy="302004"/>
+          </a:xfrm>
+          <a:prstGeom prst="flowChartConnector">
+            <a:avLst/>
+          </a:prstGeom>
+          <a:solidFill>
+            <a:srgbClr val="92D050"/>
+          </a:solidFill>
+          <a:ln>
+            <a:solidFill>
+              <a:schemeClr val="accent4"/>
+            </a:solidFill>
+          </a:ln>
+        </p:spPr>
+        <p:style>
+          <a:lnRef idx="2">
+            <a:schemeClr val="accent1">
+              <a:shade val="50000"/>
+            </a:schemeClr>
+          </a:lnRef>
+          <a:fillRef idx="1">
+            <a:schemeClr val="accent1"/>
+          </a:fillRef>
+          <a:effectRef idx="0">
+            <a:schemeClr val="accent1"/>
+          </a:effectRef>
+          <a:fontRef idx="minor">
+            <a:schemeClr val="lt1"/>
+          </a:fontRef>
+        </p:style>
+        <p:txBody>
+          <a:bodyPr rtlCol="0" anchor="ctr"/>
+          <a:lstStyle/>
+          <a:p>
+            <a:pPr algn="ctr"/>
+            <a:endParaRPr lang="en-GB"/>
+          </a:p>
+        </p:txBody>
+      </p:sp>
+      <p:sp>
+        <p:nvSpPr>
+          <p:cNvPr id="22" name="Flowchart: Connector 21">
+            <a:extLst>
+              <a:ext uri="{FF2B5EF4-FFF2-40B4-BE49-F238E27FC236}">
+                <a16:creationId xmlns:a16="http://schemas.microsoft.com/office/drawing/2014/main" id="{158951F9-F11D-415E-8766-785E6AA4794C}"/>
+              </a:ext>
+            </a:extLst>
+          </p:cNvPr>
+          <p:cNvSpPr/>
+          <p:nvPr/>
+        </p:nvSpPr>
+        <p:spPr>
+          <a:xfrm>
+            <a:off x="2924961" y="2892567"/>
+            <a:ext cx="302004" cy="302004"/>
+          </a:xfrm>
+          <a:prstGeom prst="flowChartConnector">
+            <a:avLst/>
+          </a:prstGeom>
+          <a:solidFill>
+            <a:srgbClr val="7030A0"/>
+          </a:solidFill>
+          <a:ln>
+            <a:solidFill>
+              <a:schemeClr val="tx1"/>
+            </a:solidFill>
+          </a:ln>
+        </p:spPr>
+        <p:style>
+          <a:lnRef idx="2">
+            <a:schemeClr val="accent1">
+              <a:shade val="50000"/>
+            </a:schemeClr>
+          </a:lnRef>
+          <a:fillRef idx="1">
+            <a:schemeClr val="accent1"/>
+          </a:fillRef>
+          <a:effectRef idx="0">
+            <a:schemeClr val="accent1"/>
+          </a:effectRef>
+          <a:fontRef idx="minor">
+            <a:schemeClr val="lt1"/>
+          </a:fontRef>
+        </p:style>
+        <p:txBody>
+          <a:bodyPr rtlCol="0" anchor="ctr"/>
+          <a:lstStyle/>
+          <a:p>
+            <a:pPr algn="ctr"/>
+            <a:endParaRPr lang="en-GB"/>
+          </a:p>
+        </p:txBody>
+      </p:sp>
+      <p:sp>
+        <p:nvSpPr>
+          <p:cNvPr id="24" name="Rectangle: Rounded Corners 23">
+            <a:extLst>
+              <a:ext uri="{FF2B5EF4-FFF2-40B4-BE49-F238E27FC236}">
+                <a16:creationId xmlns:a16="http://schemas.microsoft.com/office/drawing/2014/main" id="{4BEBF7C7-C1D1-4B3A-A9A2-5201C0D32E6C}"/>
+              </a:ext>
+            </a:extLst>
+          </p:cNvPr>
+          <p:cNvSpPr/>
+          <p:nvPr/>
+        </p:nvSpPr>
+        <p:spPr>
+          <a:xfrm>
+            <a:off x="335555" y="2242014"/>
+            <a:ext cx="1398165" cy="302004"/>
+          </a:xfrm>
+          <a:prstGeom prst="roundRect">
+            <a:avLst/>
+          </a:prstGeom>
+          <a:solidFill>
+            <a:srgbClr val="FF5050"/>
+          </a:solidFill>
+          <a:ln>
+            <a:solidFill>
+              <a:srgbClr val="C00000"/>
+            </a:solidFill>
+          </a:ln>
+        </p:spPr>
+        <p:style>
+          <a:lnRef idx="2">
+            <a:schemeClr val="accent1">
+              <a:shade val="50000"/>
+            </a:schemeClr>
+          </a:lnRef>
+          <a:fillRef idx="1">
+            <a:schemeClr val="accent1"/>
+          </a:fillRef>
+          <a:effectRef idx="0">
+            <a:schemeClr val="accent1"/>
+          </a:effectRef>
+          <a:fontRef idx="minor">
+            <a:schemeClr val="lt1"/>
+          </a:fontRef>
+        </p:style>
+        <p:txBody>
+          <a:bodyPr rtlCol="0" anchor="ctr"/>
+          <a:lstStyle/>
+          <a:p>
+            <a:pPr algn="ctr"/>
+            <a:r>
+              <a:rPr lang="en-GB" dirty="0"/>
+              <a:t>Hotfix</a:t>
+            </a:r>
+          </a:p>
+        </p:txBody>
+      </p:sp>
+      <p:sp>
+        <p:nvSpPr>
+          <p:cNvPr id="25" name="Rectangle: Rounded Corners 24">
+            <a:extLst>
+              <a:ext uri="{FF2B5EF4-FFF2-40B4-BE49-F238E27FC236}">
+                <a16:creationId xmlns:a16="http://schemas.microsoft.com/office/drawing/2014/main" id="{D158399F-CD74-4F46-B6BB-8AFC013826FC}"/>
+              </a:ext>
+            </a:extLst>
+          </p:cNvPr>
+          <p:cNvSpPr/>
+          <p:nvPr/>
+        </p:nvSpPr>
+        <p:spPr>
+          <a:xfrm>
+            <a:off x="335557" y="5501430"/>
+            <a:ext cx="1398165" cy="302004"/>
+          </a:xfrm>
+          <a:prstGeom prst="roundRect">
+            <a:avLst/>
+          </a:prstGeom>
+        </p:spPr>
+        <p:style>
+          <a:lnRef idx="2">
+            <a:schemeClr val="accent1">
+              <a:shade val="50000"/>
+            </a:schemeClr>
+          </a:lnRef>
+          <a:fillRef idx="1">
+            <a:schemeClr val="accent1"/>
+          </a:fillRef>
+          <a:effectRef idx="0">
+            <a:schemeClr val="accent1"/>
+          </a:effectRef>
+          <a:fontRef idx="minor">
+            <a:schemeClr val="lt1"/>
+          </a:fontRef>
+        </p:style>
+        <p:txBody>
+          <a:bodyPr rtlCol="0" anchor="ctr"/>
+          <a:lstStyle/>
+          <a:p>
+            <a:pPr algn="ctr"/>
+            <a:r>
+              <a:rPr lang="en-GB" dirty="0"/>
+              <a:t>Feature</a:t>
+            </a:r>
+          </a:p>
+        </p:txBody>
+      </p:sp>
+      <p:sp>
+        <p:nvSpPr>
+          <p:cNvPr id="26" name="Rectangle: Rounded Corners 25">
+            <a:extLst>
+              <a:ext uri="{FF2B5EF4-FFF2-40B4-BE49-F238E27FC236}">
+                <a16:creationId xmlns:a16="http://schemas.microsoft.com/office/drawing/2014/main" id="{61A73BE2-7BF4-4BF0-B083-E53B58B2562A}"/>
+              </a:ext>
+            </a:extLst>
+          </p:cNvPr>
+          <p:cNvSpPr/>
+          <p:nvPr/>
+        </p:nvSpPr>
+        <p:spPr>
+          <a:xfrm>
+            <a:off x="335556" y="2889190"/>
+            <a:ext cx="1398165" cy="302004"/>
+          </a:xfrm>
+          <a:prstGeom prst="roundRect">
+            <a:avLst/>
+          </a:prstGeom>
+          <a:solidFill>
+            <a:srgbClr val="7030A0"/>
+          </a:solidFill>
+          <a:ln>
+            <a:solidFill>
+              <a:srgbClr val="6600CC"/>
+            </a:solidFill>
+          </a:ln>
+        </p:spPr>
+        <p:style>
+          <a:lnRef idx="2">
+            <a:schemeClr val="accent1">
+              <a:shade val="50000"/>
+            </a:schemeClr>
+          </a:lnRef>
+          <a:fillRef idx="1">
+            <a:schemeClr val="accent1"/>
+          </a:fillRef>
+          <a:effectRef idx="0">
+            <a:schemeClr val="accent1"/>
+          </a:effectRef>
+          <a:fontRef idx="minor">
+            <a:schemeClr val="lt1"/>
+          </a:fontRef>
+        </p:style>
+        <p:txBody>
+          <a:bodyPr rtlCol="0" anchor="ctr"/>
+          <a:lstStyle/>
+          <a:p>
+            <a:pPr algn="ctr"/>
+            <a:r>
+              <a:rPr lang="en-GB" dirty="0"/>
+              <a:t>Master</a:t>
+            </a:r>
+          </a:p>
+        </p:txBody>
+      </p:sp>
+      <p:sp>
+        <p:nvSpPr>
+          <p:cNvPr id="27" name="Rectangle: Rounded Corners 26">
+            <a:extLst>
+              <a:ext uri="{FF2B5EF4-FFF2-40B4-BE49-F238E27FC236}">
+                <a16:creationId xmlns:a16="http://schemas.microsoft.com/office/drawing/2014/main" id="{F3C434AA-3410-467D-A0E8-8C7CB3962EC6}"/>
+              </a:ext>
+            </a:extLst>
+          </p:cNvPr>
+          <p:cNvSpPr/>
+          <p:nvPr/>
+        </p:nvSpPr>
+        <p:spPr>
+          <a:xfrm>
+            <a:off x="335557" y="3542250"/>
+            <a:ext cx="1398165" cy="302004"/>
+          </a:xfrm>
+          <a:prstGeom prst="roundRect">
+            <a:avLst/>
+          </a:prstGeom>
+          <a:solidFill>
+            <a:srgbClr val="FFFF00"/>
+          </a:solidFill>
+          <a:ln>
+            <a:solidFill>
+              <a:srgbClr val="FFC000"/>
+            </a:solidFill>
+          </a:ln>
+        </p:spPr>
+        <p:style>
+          <a:lnRef idx="2">
+            <a:schemeClr val="accent1">
+              <a:shade val="50000"/>
+            </a:schemeClr>
+          </a:lnRef>
+          <a:fillRef idx="1">
+            <a:schemeClr val="accent1"/>
+          </a:fillRef>
+          <a:effectRef idx="0">
+            <a:schemeClr val="accent1"/>
+          </a:effectRef>
+          <a:fontRef idx="minor">
+            <a:schemeClr val="lt1"/>
+          </a:fontRef>
+        </p:style>
+        <p:txBody>
+          <a:bodyPr rtlCol="0" anchor="ctr"/>
+          <a:lstStyle/>
+          <a:p>
+            <a:pPr algn="ctr"/>
+            <a:r>
+              <a:rPr lang="en-GB" dirty="0">
+                <a:solidFill>
+                  <a:schemeClr val="tx1"/>
+                </a:solidFill>
+              </a:rPr>
+              <a:t>Release</a:t>
+            </a:r>
+          </a:p>
+        </p:txBody>
+      </p:sp>
+      <p:sp>
+        <p:nvSpPr>
+          <p:cNvPr id="28" name="Rectangle: Rounded Corners 27">
+            <a:extLst>
+              <a:ext uri="{FF2B5EF4-FFF2-40B4-BE49-F238E27FC236}">
+                <a16:creationId xmlns:a16="http://schemas.microsoft.com/office/drawing/2014/main" id="{62E6968E-B9D0-4E75-B159-EF1FD13A8152}"/>
+              </a:ext>
+            </a:extLst>
+          </p:cNvPr>
+          <p:cNvSpPr/>
+          <p:nvPr/>
+        </p:nvSpPr>
+        <p:spPr>
+          <a:xfrm>
+            <a:off x="335558" y="4195310"/>
+            <a:ext cx="1398165" cy="302004"/>
+          </a:xfrm>
+          <a:prstGeom prst="roundRect">
+            <a:avLst/>
+          </a:prstGeom>
+          <a:solidFill>
+            <a:srgbClr val="92D050"/>
+          </a:solidFill>
+          <a:ln>
+            <a:solidFill>
+              <a:schemeClr val="accent5">
+                <a:lumMod val="75000"/>
+              </a:schemeClr>
+            </a:solidFill>
+          </a:ln>
+        </p:spPr>
+        <p:style>
+          <a:lnRef idx="2">
+            <a:schemeClr val="accent1">
+              <a:shade val="50000"/>
+            </a:schemeClr>
+          </a:lnRef>
+          <a:fillRef idx="1">
+            <a:schemeClr val="accent1"/>
+          </a:fillRef>
+          <a:effectRef idx="0">
+            <a:schemeClr val="accent1"/>
+          </a:effectRef>
+          <a:fontRef idx="minor">
+            <a:schemeClr val="lt1"/>
+          </a:fontRef>
+        </p:style>
+        <p:txBody>
+          <a:bodyPr rtlCol="0" anchor="ctr"/>
+          <a:lstStyle/>
+          <a:p>
+            <a:pPr algn="ctr"/>
+            <a:r>
+              <a:rPr lang="en-GB" dirty="0"/>
+              <a:t>Develop</a:t>
+            </a:r>
+          </a:p>
+        </p:txBody>
+      </p:sp>
+      <p:sp>
+        <p:nvSpPr>
+          <p:cNvPr id="29" name="Rectangle: Rounded Corners 28">
+            <a:extLst>
+              <a:ext uri="{FF2B5EF4-FFF2-40B4-BE49-F238E27FC236}">
+                <a16:creationId xmlns:a16="http://schemas.microsoft.com/office/drawing/2014/main" id="{F1E86C3C-6FCA-4E8B-985D-2F8E6F11B767}"/>
+              </a:ext>
+            </a:extLst>
+          </p:cNvPr>
+          <p:cNvSpPr/>
+          <p:nvPr/>
+        </p:nvSpPr>
+        <p:spPr>
+          <a:xfrm>
+            <a:off x="335559" y="4848370"/>
+            <a:ext cx="1398165" cy="302004"/>
+          </a:xfrm>
+          <a:prstGeom prst="roundRect">
+            <a:avLst/>
+          </a:prstGeom>
+        </p:spPr>
+        <p:style>
+          <a:lnRef idx="2">
+            <a:schemeClr val="accent1">
+              <a:shade val="50000"/>
+            </a:schemeClr>
+          </a:lnRef>
+          <a:fillRef idx="1">
+            <a:schemeClr val="accent1"/>
+          </a:fillRef>
+          <a:effectRef idx="0">
+            <a:schemeClr val="accent1"/>
+          </a:effectRef>
+          <a:fontRef idx="minor">
+            <a:schemeClr val="lt1"/>
+          </a:fontRef>
+        </p:style>
+        <p:txBody>
+          <a:bodyPr rtlCol="0" anchor="ctr"/>
+          <a:lstStyle/>
+          <a:p>
+            <a:pPr algn="ctr"/>
+            <a:r>
+              <a:rPr lang="en-GB" dirty="0"/>
+              <a:t>Feature</a:t>
+            </a:r>
+          </a:p>
+        </p:txBody>
+      </p:sp>
+      <p:sp>
+        <p:nvSpPr>
+          <p:cNvPr id="45" name="Flowchart: Connector 44">
+            <a:extLst>
+              <a:ext uri="{FF2B5EF4-FFF2-40B4-BE49-F238E27FC236}">
+                <a16:creationId xmlns:a16="http://schemas.microsoft.com/office/drawing/2014/main" id="{3251459F-2D57-4072-9630-8B3AF87C723F}"/>
+              </a:ext>
+            </a:extLst>
+          </p:cNvPr>
+          <p:cNvSpPr/>
+          <p:nvPr/>
+        </p:nvSpPr>
+        <p:spPr>
+          <a:xfrm>
+            <a:off x="7362738" y="3536598"/>
+            <a:ext cx="302004" cy="302004"/>
+          </a:xfrm>
+          <a:prstGeom prst="flowChartConnector">
+            <a:avLst/>
+          </a:prstGeom>
+          <a:solidFill>
+            <a:srgbClr val="FFFF00"/>
+          </a:solidFill>
+          <a:ln>
+            <a:solidFill>
+              <a:srgbClr val="FFC000"/>
+            </a:solidFill>
+          </a:ln>
+        </p:spPr>
+        <p:style>
+          <a:lnRef idx="2">
+            <a:schemeClr val="accent1">
+              <a:shade val="50000"/>
+            </a:schemeClr>
+          </a:lnRef>
+          <a:fillRef idx="1">
+            <a:schemeClr val="accent1"/>
+          </a:fillRef>
+          <a:effectRef idx="0">
+            <a:schemeClr val="accent1"/>
+          </a:effectRef>
+          <a:fontRef idx="minor">
+            <a:schemeClr val="lt1"/>
+          </a:fontRef>
+        </p:style>
+        <p:txBody>
+          <a:bodyPr rtlCol="0" anchor="ctr"/>
+          <a:lstStyle/>
+          <a:p>
+            <a:pPr algn="ctr"/>
+            <a:endParaRPr lang="en-GB"/>
+          </a:p>
+        </p:txBody>
+      </p:sp>
+      <p:sp>
+        <p:nvSpPr>
+          <p:cNvPr id="46" name="Flowchart: Connector 45">
+            <a:extLst>
+              <a:ext uri="{FF2B5EF4-FFF2-40B4-BE49-F238E27FC236}">
+                <a16:creationId xmlns:a16="http://schemas.microsoft.com/office/drawing/2014/main" id="{DE4819A5-F523-45B8-9203-16EE6A3297C8}"/>
+              </a:ext>
+            </a:extLst>
+          </p:cNvPr>
+          <p:cNvSpPr/>
+          <p:nvPr/>
+        </p:nvSpPr>
+        <p:spPr>
+          <a:xfrm>
+            <a:off x="6564386" y="3536365"/>
+            <a:ext cx="302004" cy="302004"/>
+          </a:xfrm>
+          <a:prstGeom prst="flowChartConnector">
+            <a:avLst/>
+          </a:prstGeom>
+          <a:solidFill>
+            <a:srgbClr val="FFFF00"/>
+          </a:solidFill>
+          <a:ln>
+            <a:solidFill>
+              <a:srgbClr val="FFC000"/>
+            </a:solidFill>
+          </a:ln>
+        </p:spPr>
+        <p:style>
+          <a:lnRef idx="2">
+            <a:schemeClr val="accent1">
+              <a:shade val="50000"/>
+            </a:schemeClr>
+          </a:lnRef>
+          <a:fillRef idx="1">
+            <a:schemeClr val="accent1"/>
+          </a:fillRef>
+          <a:effectRef idx="0">
+            <a:schemeClr val="accent1"/>
+          </a:effectRef>
+          <a:fontRef idx="minor">
+            <a:schemeClr val="lt1"/>
+          </a:fontRef>
+        </p:style>
+        <p:txBody>
+          <a:bodyPr rtlCol="0" anchor="ctr"/>
+          <a:lstStyle/>
+          <a:p>
+            <a:pPr algn="ctr"/>
+            <a:endParaRPr lang="en-GB"/>
+          </a:p>
+        </p:txBody>
+      </p:sp>
+      <p:sp>
+        <p:nvSpPr>
+          <p:cNvPr id="47" name="Flowchart: Connector 46">
+            <a:extLst>
+              <a:ext uri="{FF2B5EF4-FFF2-40B4-BE49-F238E27FC236}">
+                <a16:creationId xmlns:a16="http://schemas.microsoft.com/office/drawing/2014/main" id="{13A6EAC3-2D57-4DC1-AEB1-D268C12CE7EC}"/>
+              </a:ext>
+            </a:extLst>
+          </p:cNvPr>
+          <p:cNvSpPr/>
+          <p:nvPr/>
+        </p:nvSpPr>
+        <p:spPr>
+          <a:xfrm>
+            <a:off x="7970940" y="2897812"/>
+            <a:ext cx="302004" cy="302004"/>
+          </a:xfrm>
+          <a:prstGeom prst="flowChartConnector">
+            <a:avLst/>
+          </a:prstGeom>
+          <a:solidFill>
+            <a:srgbClr val="7030A0"/>
+          </a:solidFill>
+          <a:ln>
+            <a:solidFill>
+              <a:schemeClr val="tx1"/>
+            </a:solidFill>
+          </a:ln>
+        </p:spPr>
+        <p:style>
+          <a:lnRef idx="2">
+            <a:schemeClr val="accent1">
+              <a:shade val="50000"/>
+            </a:schemeClr>
+          </a:lnRef>
+          <a:fillRef idx="1">
+            <a:schemeClr val="accent1"/>
+          </a:fillRef>
+          <a:effectRef idx="0">
+            <a:schemeClr val="accent1"/>
+          </a:effectRef>
+          <a:fontRef idx="minor">
+            <a:schemeClr val="lt1"/>
+          </a:fontRef>
+        </p:style>
+        <p:txBody>
+          <a:bodyPr rtlCol="0" anchor="ctr"/>
+          <a:lstStyle/>
+          <a:p>
+            <a:pPr algn="ctr"/>
+            <a:endParaRPr lang="en-GB"/>
+          </a:p>
+        </p:txBody>
+      </p:sp>
+      <p:cxnSp>
+        <p:nvCxnSpPr>
+          <p:cNvPr id="50" name="Straight Arrow Connector 49">
+            <a:extLst>
+              <a:ext uri="{FF2B5EF4-FFF2-40B4-BE49-F238E27FC236}">
+                <a16:creationId xmlns:a16="http://schemas.microsoft.com/office/drawing/2014/main" id="{596A833B-DFCA-4A8A-BDA1-2D8A7516E9C5}"/>
+              </a:ext>
+            </a:extLst>
+          </p:cNvPr>
+          <p:cNvCxnSpPr>
+            <a:cxnSpLocks/>
+          </p:cNvCxnSpPr>
+          <p:nvPr/>
+        </p:nvCxnSpPr>
+        <p:spPr>
+          <a:xfrm flipV="1">
+            <a:off x="2313079" y="2549671"/>
+            <a:ext cx="265322" cy="305962"/>
+          </a:xfrm>
+          <a:prstGeom prst="straightConnector1">
+            <a:avLst/>
+          </a:prstGeom>
+          <a:ln>
+            <a:tailEnd type="triangle"/>
+          </a:ln>
+        </p:spPr>
+        <p:style>
+          <a:lnRef idx="3">
+            <a:schemeClr val="dk1"/>
+          </a:lnRef>
+          <a:fillRef idx="0">
+            <a:schemeClr val="dk1"/>
+          </a:fillRef>
+          <a:effectRef idx="2">
+            <a:schemeClr val="dk1"/>
+          </a:effectRef>
+          <a:fontRef idx="minor">
+            <a:schemeClr val="tx1"/>
+          </a:fontRef>
+        </p:style>
+      </p:cxnSp>
+      <p:cxnSp>
+        <p:nvCxnSpPr>
+          <p:cNvPr id="56" name="Straight Arrow Connector 55">
+            <a:extLst>
+              <a:ext uri="{FF2B5EF4-FFF2-40B4-BE49-F238E27FC236}">
+                <a16:creationId xmlns:a16="http://schemas.microsoft.com/office/drawing/2014/main" id="{DD18FB0F-478C-4DBE-84EF-C11EB1A45153}"/>
+              </a:ext>
+            </a:extLst>
+          </p:cNvPr>
+          <p:cNvCxnSpPr>
+            <a:cxnSpLocks/>
+          </p:cNvCxnSpPr>
+          <p:nvPr/>
+        </p:nvCxnSpPr>
+        <p:spPr>
+          <a:xfrm>
+            <a:off x="2271739" y="3236052"/>
+            <a:ext cx="279810" cy="910598"/>
+          </a:xfrm>
+          <a:prstGeom prst="straightConnector1">
+            <a:avLst/>
+          </a:prstGeom>
+          <a:ln>
+            <a:tailEnd type="triangle"/>
+          </a:ln>
+        </p:spPr>
+        <p:style>
+          <a:lnRef idx="3">
+            <a:schemeClr val="dk1"/>
+          </a:lnRef>
+          <a:fillRef idx="0">
+            <a:schemeClr val="dk1"/>
+          </a:fillRef>
+          <a:effectRef idx="2">
+            <a:schemeClr val="dk1"/>
+          </a:effectRef>
+          <a:fontRef idx="minor">
+            <a:schemeClr val="tx1"/>
+          </a:fontRef>
+        </p:style>
+      </p:cxnSp>
+      <p:cxnSp>
+        <p:nvCxnSpPr>
+          <p:cNvPr id="57" name="Straight Arrow Connector 56">
+            <a:extLst>
+              <a:ext uri="{FF2B5EF4-FFF2-40B4-BE49-F238E27FC236}">
+                <a16:creationId xmlns:a16="http://schemas.microsoft.com/office/drawing/2014/main" id="{FD1C7F00-C937-479D-9245-0C771C3848D6}"/>
+              </a:ext>
+            </a:extLst>
+          </p:cNvPr>
+          <p:cNvCxnSpPr>
+            <a:cxnSpLocks/>
+          </p:cNvCxnSpPr>
+          <p:nvPr/>
+        </p:nvCxnSpPr>
+        <p:spPr>
+          <a:xfrm>
+            <a:off x="2819743" y="2570155"/>
+            <a:ext cx="150563" cy="301920"/>
+          </a:xfrm>
+          <a:prstGeom prst="straightConnector1">
+            <a:avLst/>
+          </a:prstGeom>
+          <a:ln>
+            <a:tailEnd type="triangle"/>
+          </a:ln>
+        </p:spPr>
+        <p:style>
+          <a:lnRef idx="3">
+            <a:schemeClr val="dk1"/>
+          </a:lnRef>
+          <a:fillRef idx="0">
+            <a:schemeClr val="dk1"/>
+          </a:fillRef>
+          <a:effectRef idx="2">
+            <a:schemeClr val="dk1"/>
+          </a:effectRef>
+          <a:fontRef idx="minor">
+            <a:schemeClr val="tx1"/>
+          </a:fontRef>
+        </p:style>
+      </p:cxnSp>
+      <p:cxnSp>
+        <p:nvCxnSpPr>
+          <p:cNvPr id="58" name="Straight Arrow Connector 57">
+            <a:extLst>
+              <a:ext uri="{FF2B5EF4-FFF2-40B4-BE49-F238E27FC236}">
+                <a16:creationId xmlns:a16="http://schemas.microsoft.com/office/drawing/2014/main" id="{8F15A212-750C-40C0-8EB6-58CD96DA360F}"/>
+              </a:ext>
+            </a:extLst>
+          </p:cNvPr>
+          <p:cNvCxnSpPr>
+            <a:cxnSpLocks/>
+          </p:cNvCxnSpPr>
+          <p:nvPr/>
+        </p:nvCxnSpPr>
+        <p:spPr>
+          <a:xfrm>
+            <a:off x="2445740" y="3033441"/>
+            <a:ext cx="390438" cy="0"/>
+          </a:xfrm>
+          <a:prstGeom prst="straightConnector1">
+            <a:avLst/>
+          </a:prstGeom>
+          <a:ln>
+            <a:tailEnd type="triangle"/>
+          </a:ln>
+        </p:spPr>
+        <p:style>
+          <a:lnRef idx="3">
+            <a:schemeClr val="dk1"/>
+          </a:lnRef>
+          <a:fillRef idx="0">
+            <a:schemeClr val="dk1"/>
+          </a:fillRef>
+          <a:effectRef idx="2">
+            <a:schemeClr val="dk1"/>
+          </a:effectRef>
+          <a:fontRef idx="minor">
+            <a:schemeClr val="tx1"/>
+          </a:fontRef>
+        </p:style>
+      </p:cxnSp>
+      <p:cxnSp>
+        <p:nvCxnSpPr>
+          <p:cNvPr id="59" name="Straight Arrow Connector 58">
+            <a:extLst>
+              <a:ext uri="{FF2B5EF4-FFF2-40B4-BE49-F238E27FC236}">
+                <a16:creationId xmlns:a16="http://schemas.microsoft.com/office/drawing/2014/main" id="{D2EAA008-A674-42FC-86E0-7B743D2E4580}"/>
+              </a:ext>
+            </a:extLst>
+          </p:cNvPr>
+          <p:cNvCxnSpPr>
+            <a:cxnSpLocks/>
+          </p:cNvCxnSpPr>
+          <p:nvPr/>
+        </p:nvCxnSpPr>
+        <p:spPr>
+          <a:xfrm flipV="1">
+            <a:off x="3340401" y="3040193"/>
+            <a:ext cx="2809387" cy="5883"/>
+          </a:xfrm>
+          <a:prstGeom prst="straightConnector1">
+            <a:avLst/>
+          </a:prstGeom>
+          <a:ln>
+            <a:tailEnd type="triangle"/>
+          </a:ln>
+        </p:spPr>
+        <p:style>
+          <a:lnRef idx="3">
+            <a:schemeClr val="dk1"/>
+          </a:lnRef>
+          <a:fillRef idx="0">
+            <a:schemeClr val="dk1"/>
+          </a:fillRef>
+          <a:effectRef idx="2">
+            <a:schemeClr val="dk1"/>
+          </a:effectRef>
+          <a:fontRef idx="minor">
+            <a:schemeClr val="tx1"/>
+          </a:fontRef>
+        </p:style>
+      </p:cxnSp>
+      <p:cxnSp>
+        <p:nvCxnSpPr>
+          <p:cNvPr id="60" name="Straight Arrow Connector 59">
+            <a:extLst>
+              <a:ext uri="{FF2B5EF4-FFF2-40B4-BE49-F238E27FC236}">
+                <a16:creationId xmlns:a16="http://schemas.microsoft.com/office/drawing/2014/main" id="{3A094CD9-C3BC-48B5-AD7D-B1D81324F202}"/>
+              </a:ext>
+            </a:extLst>
+          </p:cNvPr>
+          <p:cNvCxnSpPr>
+            <a:cxnSpLocks/>
+          </p:cNvCxnSpPr>
+          <p:nvPr/>
+        </p:nvCxnSpPr>
+        <p:spPr>
+          <a:xfrm>
+            <a:off x="2640959" y="4545975"/>
+            <a:ext cx="229333" cy="904566"/>
+          </a:xfrm>
+          <a:prstGeom prst="straightConnector1">
+            <a:avLst/>
+          </a:prstGeom>
+          <a:ln>
+            <a:tailEnd type="triangle"/>
+          </a:ln>
+        </p:spPr>
+        <p:style>
+          <a:lnRef idx="3">
+            <a:schemeClr val="dk1"/>
+          </a:lnRef>
+          <a:fillRef idx="0">
+            <a:schemeClr val="dk1"/>
+          </a:fillRef>
+          <a:effectRef idx="2">
+            <a:schemeClr val="dk1"/>
+          </a:effectRef>
+          <a:fontRef idx="minor">
+            <a:schemeClr val="tx1"/>
+          </a:fontRef>
+        </p:style>
+      </p:cxnSp>
+      <p:cxnSp>
+        <p:nvCxnSpPr>
+          <p:cNvPr id="61" name="Straight Arrow Connector 60">
+            <a:extLst>
+              <a:ext uri="{FF2B5EF4-FFF2-40B4-BE49-F238E27FC236}">
+                <a16:creationId xmlns:a16="http://schemas.microsoft.com/office/drawing/2014/main" id="{D007CBF0-9109-4950-A2D0-02A64A72630A}"/>
+              </a:ext>
+            </a:extLst>
+          </p:cNvPr>
+          <p:cNvCxnSpPr>
+            <a:cxnSpLocks/>
+          </p:cNvCxnSpPr>
+          <p:nvPr/>
+        </p:nvCxnSpPr>
+        <p:spPr>
+          <a:xfrm>
+            <a:off x="2755625" y="4536112"/>
+            <a:ext cx="314366" cy="311444"/>
+          </a:xfrm>
+          <a:prstGeom prst="straightConnector1">
+            <a:avLst/>
+          </a:prstGeom>
+          <a:ln>
+            <a:tailEnd type="triangle"/>
+          </a:ln>
+        </p:spPr>
+        <p:style>
+          <a:lnRef idx="3">
+            <a:schemeClr val="dk1"/>
+          </a:lnRef>
+          <a:fillRef idx="0">
+            <a:schemeClr val="dk1"/>
+          </a:fillRef>
+          <a:effectRef idx="2">
+            <a:schemeClr val="dk1"/>
+          </a:effectRef>
+          <a:fontRef idx="minor">
+            <a:schemeClr val="tx1"/>
+          </a:fontRef>
+        </p:style>
+      </p:cxnSp>
+      <p:cxnSp>
+        <p:nvCxnSpPr>
+          <p:cNvPr id="62" name="Straight Arrow Connector 61">
+            <a:extLst>
+              <a:ext uri="{FF2B5EF4-FFF2-40B4-BE49-F238E27FC236}">
+                <a16:creationId xmlns:a16="http://schemas.microsoft.com/office/drawing/2014/main" id="{99E15EE4-EBB7-4FE4-9F33-80078D2F7F10}"/>
+              </a:ext>
+            </a:extLst>
+          </p:cNvPr>
+          <p:cNvCxnSpPr>
+            <a:cxnSpLocks/>
+          </p:cNvCxnSpPr>
+          <p:nvPr/>
+        </p:nvCxnSpPr>
+        <p:spPr>
+          <a:xfrm>
+            <a:off x="3452889" y="4998257"/>
+            <a:ext cx="373072" cy="1"/>
+          </a:xfrm>
+          <a:prstGeom prst="straightConnector1">
+            <a:avLst/>
+          </a:prstGeom>
+          <a:ln>
+            <a:tailEnd type="triangle"/>
+          </a:ln>
+        </p:spPr>
+        <p:style>
+          <a:lnRef idx="3">
+            <a:schemeClr val="dk1"/>
+          </a:lnRef>
+          <a:fillRef idx="0">
+            <a:schemeClr val="dk1"/>
+          </a:fillRef>
+          <a:effectRef idx="2">
+            <a:schemeClr val="dk1"/>
+          </a:effectRef>
+          <a:fontRef idx="minor">
+            <a:schemeClr val="tx1"/>
+          </a:fontRef>
+        </p:style>
+      </p:cxnSp>
+      <p:cxnSp>
+        <p:nvCxnSpPr>
+          <p:cNvPr id="63" name="Straight Arrow Connector 62">
+            <a:extLst>
+              <a:ext uri="{FF2B5EF4-FFF2-40B4-BE49-F238E27FC236}">
+                <a16:creationId xmlns:a16="http://schemas.microsoft.com/office/drawing/2014/main" id="{EA808748-604B-435B-8116-2B168158BCFB}"/>
+              </a:ext>
+            </a:extLst>
+          </p:cNvPr>
+          <p:cNvCxnSpPr>
+            <a:cxnSpLocks/>
+          </p:cNvCxnSpPr>
+          <p:nvPr/>
+        </p:nvCxnSpPr>
+        <p:spPr>
+          <a:xfrm>
+            <a:off x="3179170" y="5652432"/>
+            <a:ext cx="583622" cy="0"/>
+          </a:xfrm>
+          <a:prstGeom prst="straightConnector1">
+            <a:avLst/>
+          </a:prstGeom>
+          <a:ln>
+            <a:tailEnd type="triangle"/>
+          </a:ln>
+        </p:spPr>
+        <p:style>
+          <a:lnRef idx="3">
+            <a:schemeClr val="dk1"/>
+          </a:lnRef>
+          <a:fillRef idx="0">
+            <a:schemeClr val="dk1"/>
+          </a:fillRef>
+          <a:effectRef idx="2">
+            <a:schemeClr val="dk1"/>
+          </a:effectRef>
+          <a:fontRef idx="minor">
+            <a:schemeClr val="tx1"/>
+          </a:fontRef>
+        </p:style>
+      </p:cxnSp>
+      <p:cxnSp>
+        <p:nvCxnSpPr>
+          <p:cNvPr id="64" name="Straight Arrow Connector 63">
+            <a:extLst>
+              <a:ext uri="{FF2B5EF4-FFF2-40B4-BE49-F238E27FC236}">
+                <a16:creationId xmlns:a16="http://schemas.microsoft.com/office/drawing/2014/main" id="{3EF9C4D7-12F8-4A8F-8BE9-F6D8A297D76F}"/>
+              </a:ext>
+            </a:extLst>
+          </p:cNvPr>
+          <p:cNvCxnSpPr>
+            <a:cxnSpLocks/>
+          </p:cNvCxnSpPr>
+          <p:nvPr/>
+        </p:nvCxnSpPr>
+        <p:spPr>
+          <a:xfrm flipV="1">
+            <a:off x="4192526" y="4515049"/>
+            <a:ext cx="210141" cy="313601"/>
+          </a:xfrm>
+          <a:prstGeom prst="straightConnector1">
+            <a:avLst/>
+          </a:prstGeom>
+          <a:ln>
+            <a:tailEnd type="triangle"/>
+          </a:ln>
+        </p:spPr>
+        <p:style>
+          <a:lnRef idx="3">
+            <a:schemeClr val="dk1"/>
+          </a:lnRef>
+          <a:fillRef idx="0">
+            <a:schemeClr val="dk1"/>
+          </a:fillRef>
+          <a:effectRef idx="2">
+            <a:schemeClr val="dk1"/>
+          </a:effectRef>
+          <a:fontRef idx="minor">
+            <a:schemeClr val="tx1"/>
+          </a:fontRef>
+        </p:style>
+      </p:cxnSp>
+      <p:cxnSp>
+        <p:nvCxnSpPr>
+          <p:cNvPr id="84" name="Straight Arrow Connector 83">
+            <a:extLst>
+              <a:ext uri="{FF2B5EF4-FFF2-40B4-BE49-F238E27FC236}">
+                <a16:creationId xmlns:a16="http://schemas.microsoft.com/office/drawing/2014/main" id="{AF37BAA4-E5B0-4202-9253-8A300FC78046}"/>
+              </a:ext>
+            </a:extLst>
+          </p:cNvPr>
+          <p:cNvCxnSpPr>
+            <a:cxnSpLocks/>
+          </p:cNvCxnSpPr>
+          <p:nvPr/>
+        </p:nvCxnSpPr>
+        <p:spPr>
+          <a:xfrm>
+            <a:off x="4202887" y="5652432"/>
+            <a:ext cx="583622" cy="0"/>
+          </a:xfrm>
+          <a:prstGeom prst="straightConnector1">
+            <a:avLst/>
+          </a:prstGeom>
+          <a:ln>
+            <a:tailEnd type="triangle"/>
+          </a:ln>
+        </p:spPr>
+        <p:style>
+          <a:lnRef idx="3">
+            <a:schemeClr val="dk1"/>
+          </a:lnRef>
+          <a:fillRef idx="0">
+            <a:schemeClr val="dk1"/>
+          </a:fillRef>
+          <a:effectRef idx="2">
+            <a:schemeClr val="dk1"/>
+          </a:effectRef>
+          <a:fontRef idx="minor">
+            <a:schemeClr val="tx1"/>
+          </a:fontRef>
+        </p:style>
+      </p:cxnSp>
+      <p:cxnSp>
+        <p:nvCxnSpPr>
+          <p:cNvPr id="87" name="Straight Arrow Connector 86">
+            <a:extLst>
+              <a:ext uri="{FF2B5EF4-FFF2-40B4-BE49-F238E27FC236}">
+                <a16:creationId xmlns:a16="http://schemas.microsoft.com/office/drawing/2014/main" id="{17B9CB0A-FBB3-4DA6-88EB-3FE557B39E4A}"/>
+              </a:ext>
+            </a:extLst>
+          </p:cNvPr>
+          <p:cNvCxnSpPr>
+            <a:cxnSpLocks/>
+          </p:cNvCxnSpPr>
+          <p:nvPr/>
+        </p:nvCxnSpPr>
+        <p:spPr>
+          <a:xfrm flipV="1">
+            <a:off x="2819743" y="4345263"/>
+            <a:ext cx="520658" cy="4575"/>
+          </a:xfrm>
+          <a:prstGeom prst="straightConnector1">
+            <a:avLst/>
+          </a:prstGeom>
+          <a:ln>
+            <a:tailEnd type="triangle"/>
+          </a:ln>
+        </p:spPr>
+        <p:style>
+          <a:lnRef idx="3">
+            <a:schemeClr val="dk1"/>
+          </a:lnRef>
+          <a:fillRef idx="0">
+            <a:schemeClr val="dk1"/>
+          </a:fillRef>
+          <a:effectRef idx="2">
+            <a:schemeClr val="dk1"/>
+          </a:effectRef>
+          <a:fontRef idx="minor">
+            <a:schemeClr val="tx1"/>
+          </a:fontRef>
+        </p:style>
+      </p:cxnSp>
+      <p:cxnSp>
+        <p:nvCxnSpPr>
+          <p:cNvPr id="88" name="Straight Arrow Connector 87">
+            <a:extLst>
+              <a:ext uri="{FF2B5EF4-FFF2-40B4-BE49-F238E27FC236}">
+                <a16:creationId xmlns:a16="http://schemas.microsoft.com/office/drawing/2014/main" id="{2ECF3262-D2BF-48A5-B7B0-6A7051F5FEE9}"/>
+              </a:ext>
+            </a:extLst>
+          </p:cNvPr>
+          <p:cNvCxnSpPr>
+            <a:cxnSpLocks/>
+          </p:cNvCxnSpPr>
+          <p:nvPr/>
+        </p:nvCxnSpPr>
+        <p:spPr>
+          <a:xfrm>
+            <a:off x="4718211" y="4347127"/>
+            <a:ext cx="579305" cy="0"/>
+          </a:xfrm>
+          <a:prstGeom prst="straightConnector1">
+            <a:avLst/>
+          </a:prstGeom>
+          <a:ln>
+            <a:tailEnd type="triangle"/>
+          </a:ln>
+        </p:spPr>
+        <p:style>
+          <a:lnRef idx="3">
+            <a:schemeClr val="dk1"/>
+          </a:lnRef>
+          <a:fillRef idx="0">
+            <a:schemeClr val="dk1"/>
+          </a:fillRef>
+          <a:effectRef idx="2">
+            <a:schemeClr val="dk1"/>
+          </a:effectRef>
+          <a:fontRef idx="minor">
+            <a:schemeClr val="tx1"/>
+          </a:fontRef>
+        </p:style>
+      </p:cxnSp>
+      <p:cxnSp>
+        <p:nvCxnSpPr>
+          <p:cNvPr id="89" name="Straight Arrow Connector 88">
+            <a:extLst>
+              <a:ext uri="{FF2B5EF4-FFF2-40B4-BE49-F238E27FC236}">
+                <a16:creationId xmlns:a16="http://schemas.microsoft.com/office/drawing/2014/main" id="{3897F689-A81F-4527-93E9-3BC24E54D00E}"/>
+              </a:ext>
+            </a:extLst>
+          </p:cNvPr>
+          <p:cNvCxnSpPr>
+            <a:cxnSpLocks/>
+          </p:cNvCxnSpPr>
+          <p:nvPr/>
+        </p:nvCxnSpPr>
+        <p:spPr>
+          <a:xfrm flipV="1">
+            <a:off x="5089490" y="4536112"/>
+            <a:ext cx="363353" cy="910637"/>
+          </a:xfrm>
+          <a:prstGeom prst="straightConnector1">
+            <a:avLst/>
+          </a:prstGeom>
+          <a:ln>
+            <a:tailEnd type="triangle"/>
+          </a:ln>
+        </p:spPr>
+        <p:style>
+          <a:lnRef idx="3">
+            <a:schemeClr val="dk1"/>
+          </a:lnRef>
+          <a:fillRef idx="0">
+            <a:schemeClr val="dk1"/>
+          </a:fillRef>
+          <a:effectRef idx="2">
+            <a:schemeClr val="dk1"/>
+          </a:effectRef>
+          <a:fontRef idx="minor">
+            <a:schemeClr val="tx1"/>
+          </a:fontRef>
+        </p:style>
+      </p:cxnSp>
+      <p:cxnSp>
+        <p:nvCxnSpPr>
+          <p:cNvPr id="90" name="Straight Arrow Connector 89">
+            <a:extLst>
+              <a:ext uri="{FF2B5EF4-FFF2-40B4-BE49-F238E27FC236}">
+                <a16:creationId xmlns:a16="http://schemas.microsoft.com/office/drawing/2014/main" id="{A3ADB4DF-7160-4F21-9558-2B841E0326EA}"/>
+              </a:ext>
+            </a:extLst>
+          </p:cNvPr>
+          <p:cNvCxnSpPr>
+            <a:cxnSpLocks/>
+          </p:cNvCxnSpPr>
+          <p:nvPr/>
+        </p:nvCxnSpPr>
+        <p:spPr>
+          <a:xfrm flipV="1">
+            <a:off x="5803656" y="4345263"/>
+            <a:ext cx="2094105" cy="1864"/>
+          </a:xfrm>
+          <a:prstGeom prst="straightConnector1">
+            <a:avLst/>
+          </a:prstGeom>
+          <a:ln>
+            <a:tailEnd type="triangle"/>
+          </a:ln>
+        </p:spPr>
+        <p:style>
+          <a:lnRef idx="3">
+            <a:schemeClr val="dk1"/>
+          </a:lnRef>
+          <a:fillRef idx="0">
+            <a:schemeClr val="dk1"/>
+          </a:fillRef>
+          <a:effectRef idx="2">
+            <a:schemeClr val="dk1"/>
+          </a:effectRef>
+          <a:fontRef idx="minor">
+            <a:schemeClr val="tx1"/>
+          </a:fontRef>
+        </p:style>
+      </p:cxnSp>
+      <p:cxnSp>
+        <p:nvCxnSpPr>
+          <p:cNvPr id="95" name="Straight Arrow Connector 94">
+            <a:extLst>
+              <a:ext uri="{FF2B5EF4-FFF2-40B4-BE49-F238E27FC236}">
+                <a16:creationId xmlns:a16="http://schemas.microsoft.com/office/drawing/2014/main" id="{F2904971-23EC-4388-B98D-3D8C12839372}"/>
+              </a:ext>
+            </a:extLst>
+          </p:cNvPr>
+          <p:cNvCxnSpPr>
+            <a:cxnSpLocks/>
+          </p:cNvCxnSpPr>
+          <p:nvPr/>
+        </p:nvCxnSpPr>
+        <p:spPr>
+          <a:xfrm flipV="1">
+            <a:off x="5691937" y="3236052"/>
+            <a:ext cx="570445" cy="910598"/>
+          </a:xfrm>
+          <a:prstGeom prst="straightConnector1">
+            <a:avLst/>
+          </a:prstGeom>
+          <a:ln>
+            <a:tailEnd type="triangle"/>
+          </a:ln>
+        </p:spPr>
+        <p:style>
+          <a:lnRef idx="3">
+            <a:schemeClr val="dk1"/>
+          </a:lnRef>
+          <a:fillRef idx="0">
+            <a:schemeClr val="dk1"/>
+          </a:fillRef>
+          <a:effectRef idx="2">
+            <a:schemeClr val="dk1"/>
+          </a:effectRef>
+          <a:fontRef idx="minor">
+            <a:schemeClr val="tx1"/>
+          </a:fontRef>
+        </p:style>
+      </p:cxnSp>
+      <p:sp>
+        <p:nvSpPr>
+          <p:cNvPr id="99" name="Flowchart: Connector 98">
+            <a:extLst>
+              <a:ext uri="{FF2B5EF4-FFF2-40B4-BE49-F238E27FC236}">
+                <a16:creationId xmlns:a16="http://schemas.microsoft.com/office/drawing/2014/main" id="{402E2110-BB40-46BA-802F-023AAAADA2FE}"/>
+              </a:ext>
+            </a:extLst>
+          </p:cNvPr>
+          <p:cNvSpPr/>
+          <p:nvPr/>
+        </p:nvSpPr>
+        <p:spPr>
+          <a:xfrm>
+            <a:off x="7988643" y="4196125"/>
+            <a:ext cx="302004" cy="302004"/>
+          </a:xfrm>
+          <a:prstGeom prst="flowChartConnector">
+            <a:avLst/>
+          </a:prstGeom>
+          <a:solidFill>
+            <a:srgbClr val="92D050"/>
+          </a:solidFill>
+          <a:ln>
+            <a:solidFill>
+              <a:schemeClr val="accent4"/>
+            </a:solidFill>
+          </a:ln>
+        </p:spPr>
+        <p:style>
+          <a:lnRef idx="2">
+            <a:schemeClr val="accent1">
+              <a:shade val="50000"/>
+            </a:schemeClr>
+          </a:lnRef>
+          <a:fillRef idx="1">
+            <a:schemeClr val="accent1"/>
+          </a:fillRef>
+          <a:effectRef idx="0">
+            <a:schemeClr val="accent1"/>
+          </a:effectRef>
+          <a:fontRef idx="minor">
+            <a:schemeClr val="lt1"/>
+          </a:fontRef>
+        </p:style>
+        <p:txBody>
+          <a:bodyPr rtlCol="0" anchor="ctr"/>
+          <a:lstStyle/>
+          <a:p>
+            <a:pPr algn="ctr"/>
+            <a:endParaRPr lang="en-GB"/>
+          </a:p>
+        </p:txBody>
+      </p:sp>
+      <p:cxnSp>
+        <p:nvCxnSpPr>
+          <p:cNvPr id="101" name="Straight Arrow Connector 100">
+            <a:extLst>
+              <a:ext uri="{FF2B5EF4-FFF2-40B4-BE49-F238E27FC236}">
+                <a16:creationId xmlns:a16="http://schemas.microsoft.com/office/drawing/2014/main" id="{E103E197-66FD-48D4-AB93-C81B0E9A34C5}"/>
+              </a:ext>
+            </a:extLst>
+          </p:cNvPr>
+          <p:cNvCxnSpPr>
+            <a:cxnSpLocks/>
+          </p:cNvCxnSpPr>
+          <p:nvPr/>
+        </p:nvCxnSpPr>
+        <p:spPr>
+          <a:xfrm flipV="1">
+            <a:off x="5752044" y="3791479"/>
+            <a:ext cx="812342" cy="429883"/>
+          </a:xfrm>
+          <a:prstGeom prst="straightConnector1">
+            <a:avLst/>
+          </a:prstGeom>
+          <a:ln>
+            <a:tailEnd type="triangle"/>
+          </a:ln>
+        </p:spPr>
+        <p:style>
+          <a:lnRef idx="3">
+            <a:schemeClr val="dk1"/>
+          </a:lnRef>
+          <a:fillRef idx="0">
+            <a:schemeClr val="dk1"/>
+          </a:fillRef>
+          <a:effectRef idx="2">
+            <a:schemeClr val="dk1"/>
+          </a:effectRef>
+          <a:fontRef idx="minor">
+            <a:schemeClr val="tx1"/>
+          </a:fontRef>
+        </p:style>
+      </p:cxnSp>
+      <p:cxnSp>
+        <p:nvCxnSpPr>
+          <p:cNvPr id="106" name="Straight Arrow Connector 105">
+            <a:extLst>
+              <a:ext uri="{FF2B5EF4-FFF2-40B4-BE49-F238E27FC236}">
+                <a16:creationId xmlns:a16="http://schemas.microsoft.com/office/drawing/2014/main" id="{DDC486DC-24BA-4E02-B7C1-318C8286062C}"/>
+              </a:ext>
+            </a:extLst>
+          </p:cNvPr>
+          <p:cNvCxnSpPr>
+            <a:cxnSpLocks/>
+          </p:cNvCxnSpPr>
+          <p:nvPr/>
+        </p:nvCxnSpPr>
+        <p:spPr>
+          <a:xfrm flipV="1">
+            <a:off x="6922753" y="3694301"/>
+            <a:ext cx="367509" cy="2"/>
+          </a:xfrm>
+          <a:prstGeom prst="straightConnector1">
+            <a:avLst/>
+          </a:prstGeom>
+          <a:ln>
+            <a:tailEnd type="triangle"/>
+          </a:ln>
+        </p:spPr>
+        <p:style>
+          <a:lnRef idx="3">
+            <a:schemeClr val="dk1"/>
+          </a:lnRef>
+          <a:fillRef idx="0">
+            <a:schemeClr val="dk1"/>
+          </a:fillRef>
+          <a:effectRef idx="2">
+            <a:schemeClr val="dk1"/>
+          </a:effectRef>
+          <a:fontRef idx="minor">
+            <a:schemeClr val="tx1"/>
+          </a:fontRef>
+        </p:style>
+      </p:cxnSp>
+      <p:cxnSp>
+        <p:nvCxnSpPr>
+          <p:cNvPr id="107" name="Straight Arrow Connector 106">
+            <a:extLst>
+              <a:ext uri="{FF2B5EF4-FFF2-40B4-BE49-F238E27FC236}">
+                <a16:creationId xmlns:a16="http://schemas.microsoft.com/office/drawing/2014/main" id="{415FBBB7-DD11-40CD-A69B-EFD313A8C7EE}"/>
+              </a:ext>
+            </a:extLst>
+          </p:cNvPr>
+          <p:cNvCxnSpPr>
+            <a:cxnSpLocks/>
+          </p:cNvCxnSpPr>
+          <p:nvPr/>
+        </p:nvCxnSpPr>
+        <p:spPr>
+          <a:xfrm flipV="1">
+            <a:off x="7664742" y="3211574"/>
+            <a:ext cx="359913" cy="336329"/>
+          </a:xfrm>
+          <a:prstGeom prst="straightConnector1">
+            <a:avLst/>
+          </a:prstGeom>
+          <a:ln>
+            <a:tailEnd type="triangle"/>
+          </a:ln>
+        </p:spPr>
+        <p:style>
+          <a:lnRef idx="3">
+            <a:schemeClr val="dk1"/>
+          </a:lnRef>
+          <a:fillRef idx="0">
+            <a:schemeClr val="dk1"/>
+          </a:fillRef>
+          <a:effectRef idx="2">
+            <a:schemeClr val="dk1"/>
+          </a:effectRef>
+          <a:fontRef idx="minor">
+            <a:schemeClr val="tx1"/>
+          </a:fontRef>
+        </p:style>
+      </p:cxnSp>
+      <p:cxnSp>
+        <p:nvCxnSpPr>
+          <p:cNvPr id="108" name="Straight Arrow Connector 107">
+            <a:extLst>
+              <a:ext uri="{FF2B5EF4-FFF2-40B4-BE49-F238E27FC236}">
+                <a16:creationId xmlns:a16="http://schemas.microsoft.com/office/drawing/2014/main" id="{0FA4BB65-69AD-464C-8F39-1E719B362460}"/>
+              </a:ext>
+            </a:extLst>
+          </p:cNvPr>
+          <p:cNvCxnSpPr>
+            <a:cxnSpLocks/>
+          </p:cNvCxnSpPr>
+          <p:nvPr/>
+        </p:nvCxnSpPr>
+        <p:spPr>
+          <a:xfrm>
+            <a:off x="7672041" y="3860390"/>
+            <a:ext cx="316602" cy="360973"/>
+          </a:xfrm>
+          <a:prstGeom prst="straightConnector1">
+            <a:avLst/>
+          </a:prstGeom>
+          <a:ln>
+            <a:tailEnd type="triangle"/>
+          </a:ln>
+        </p:spPr>
+        <p:style>
+          <a:lnRef idx="3">
+            <a:schemeClr val="dk1"/>
+          </a:lnRef>
+          <a:fillRef idx="0">
+            <a:schemeClr val="dk1"/>
+          </a:fillRef>
+          <a:effectRef idx="2">
+            <a:schemeClr val="dk1"/>
+          </a:effectRef>
+          <a:fontRef idx="minor">
+            <a:schemeClr val="tx1"/>
+          </a:fontRef>
+        </p:style>
+      </p:cxnSp>
+      <p:cxnSp>
+        <p:nvCxnSpPr>
+          <p:cNvPr id="114" name="Straight Arrow Connector 113">
+            <a:extLst>
+              <a:ext uri="{FF2B5EF4-FFF2-40B4-BE49-F238E27FC236}">
+                <a16:creationId xmlns:a16="http://schemas.microsoft.com/office/drawing/2014/main" id="{EE022ABA-BDF5-4F33-A8DA-E7A4510DE369}"/>
+              </a:ext>
+            </a:extLst>
+          </p:cNvPr>
+          <p:cNvCxnSpPr>
+            <a:cxnSpLocks/>
+          </p:cNvCxnSpPr>
+          <p:nvPr/>
+        </p:nvCxnSpPr>
+        <p:spPr>
+          <a:xfrm flipV="1">
+            <a:off x="6636599" y="3043003"/>
+            <a:ext cx="1261162" cy="2"/>
+          </a:xfrm>
+          <a:prstGeom prst="straightConnector1">
+            <a:avLst/>
+          </a:prstGeom>
+          <a:ln>
+            <a:tailEnd type="triangle"/>
+          </a:ln>
+        </p:spPr>
+        <p:style>
+          <a:lnRef idx="3">
+            <a:schemeClr val="dk1"/>
+          </a:lnRef>
+          <a:fillRef idx="0">
+            <a:schemeClr val="dk1"/>
+          </a:fillRef>
+          <a:effectRef idx="2">
+            <a:schemeClr val="dk1"/>
+          </a:effectRef>
+          <a:fontRef idx="minor">
+            <a:schemeClr val="tx1"/>
+          </a:fontRef>
+        </p:style>
+      </p:cxnSp>
+      <p:sp>
+        <p:nvSpPr>
+          <p:cNvPr id="116" name="Flowchart: Connector 115">
+            <a:extLst>
+              <a:ext uri="{FF2B5EF4-FFF2-40B4-BE49-F238E27FC236}">
+                <a16:creationId xmlns:a16="http://schemas.microsoft.com/office/drawing/2014/main" id="{2FE8145E-4EBF-4B25-B711-AE3FFAD3ECF6}"/>
+              </a:ext>
+            </a:extLst>
+          </p:cNvPr>
+          <p:cNvSpPr/>
+          <p:nvPr/>
+        </p:nvSpPr>
+        <p:spPr>
+          <a:xfrm>
+            <a:off x="3438447" y="4196125"/>
+            <a:ext cx="302004" cy="302004"/>
+          </a:xfrm>
+          <a:prstGeom prst="flowChartConnector">
+            <a:avLst/>
+          </a:prstGeom>
+          <a:solidFill>
+            <a:srgbClr val="92D050"/>
+          </a:solidFill>
+          <a:ln>
+            <a:solidFill>
+              <a:schemeClr val="accent4"/>
+            </a:solidFill>
+          </a:ln>
+        </p:spPr>
+        <p:style>
+          <a:lnRef idx="2">
+            <a:schemeClr val="accent1">
+              <a:shade val="50000"/>
+            </a:schemeClr>
+          </a:lnRef>
+          <a:fillRef idx="1">
+            <a:schemeClr val="accent1"/>
+          </a:fillRef>
+          <a:effectRef idx="0">
+            <a:schemeClr val="accent1"/>
+          </a:effectRef>
+          <a:fontRef idx="minor">
+            <a:schemeClr val="lt1"/>
+          </a:fontRef>
+        </p:style>
+        <p:txBody>
+          <a:bodyPr rtlCol="0" anchor="ctr"/>
+          <a:lstStyle/>
+          <a:p>
+            <a:pPr algn="ctr"/>
+            <a:endParaRPr lang="en-GB"/>
+          </a:p>
+        </p:txBody>
+      </p:sp>
+      <p:cxnSp>
+        <p:nvCxnSpPr>
+          <p:cNvPr id="118" name="Straight Arrow Connector 117">
+            <a:extLst>
+              <a:ext uri="{FF2B5EF4-FFF2-40B4-BE49-F238E27FC236}">
+                <a16:creationId xmlns:a16="http://schemas.microsoft.com/office/drawing/2014/main" id="{ECC34585-6341-481E-BDA9-CB0732807D33}"/>
+              </a:ext>
+            </a:extLst>
+          </p:cNvPr>
+          <p:cNvCxnSpPr>
+            <a:cxnSpLocks/>
+          </p:cNvCxnSpPr>
+          <p:nvPr/>
+        </p:nvCxnSpPr>
+        <p:spPr>
+          <a:xfrm flipV="1">
+            <a:off x="3791556" y="4344320"/>
+            <a:ext cx="520658" cy="4575"/>
+          </a:xfrm>
+          <a:prstGeom prst="straightConnector1">
+            <a:avLst/>
+          </a:prstGeom>
+          <a:ln>
+            <a:tailEnd type="triangle"/>
+          </a:ln>
+        </p:spPr>
+        <p:style>
+          <a:lnRef idx="3">
+            <a:schemeClr val="dk1"/>
+          </a:lnRef>
+          <a:fillRef idx="0">
+            <a:schemeClr val="dk1"/>
+          </a:fillRef>
+          <a:effectRef idx="2">
+            <a:schemeClr val="dk1"/>
+          </a:effectRef>
+          <a:fontRef idx="minor">
+            <a:schemeClr val="tx1"/>
+          </a:fontRef>
+        </p:style>
+      </p:cxnSp>
+      <p:cxnSp>
+        <p:nvCxnSpPr>
+          <p:cNvPr id="119" name="Straight Arrow Connector 118">
+            <a:extLst>
+              <a:ext uri="{FF2B5EF4-FFF2-40B4-BE49-F238E27FC236}">
+                <a16:creationId xmlns:a16="http://schemas.microsoft.com/office/drawing/2014/main" id="{AEAA753A-A81C-4194-9BE5-2E4E9F421829}"/>
+              </a:ext>
+            </a:extLst>
+          </p:cNvPr>
+          <p:cNvCxnSpPr>
+            <a:cxnSpLocks/>
+          </p:cNvCxnSpPr>
+          <p:nvPr/>
+        </p:nvCxnSpPr>
+        <p:spPr>
+          <a:xfrm>
+            <a:off x="3168037" y="3236052"/>
+            <a:ext cx="337666" cy="909549"/>
+          </a:xfrm>
+          <a:prstGeom prst="straightConnector1">
+            <a:avLst/>
+          </a:prstGeom>
+          <a:ln>
+            <a:tailEnd type="triangle"/>
+          </a:ln>
+        </p:spPr>
+        <p:style>
+          <a:lnRef idx="3">
+            <a:schemeClr val="dk1"/>
+          </a:lnRef>
+          <a:fillRef idx="0">
+            <a:schemeClr val="dk1"/>
+          </a:fillRef>
+          <a:effectRef idx="2">
+            <a:schemeClr val="dk1"/>
+          </a:effectRef>
+          <a:fontRef idx="minor">
+            <a:schemeClr val="tx1"/>
+          </a:fontRef>
+        </p:style>
+      </p:cxnSp>
+    </p:spTree>
+    <p:extLst>
+      <p:ext uri="{BB962C8B-B14F-4D97-AF65-F5344CB8AC3E}">
+        <p14:creationId xmlns:p14="http://schemas.microsoft.com/office/powerpoint/2010/main" val="69283907"/>
+      </p:ext>
+    </p:extLst>
+  </p:cSld>
+  <p:clrMapOvr>
+    <a:masterClrMapping/>
+  </p:clrMapOvr>
+  <p:timing>
+    <p:tnLst>
+      <p:par>
+        <p:cTn id="1" dur="indefinite" restart="never" nodeType="tmRoot">
+          <p:childTnLst>
+            <p:seq concurrent="1" nextAc="seek">
+              <p:cTn id="2" dur="indefinite" nodeType="mainSeq">
+                <p:childTnLst>
+                  <p:par>
+                    <p:cTn id="3" fill="hold">
+                      <p:stCondLst>
+                        <p:cond delay="indefinite"/>
+                      </p:stCondLst>
+                      <p:childTnLst>
+                        <p:par>
+                          <p:cTn id="4" fill="hold">
+                            <p:stCondLst>
+                              <p:cond delay="0"/>
+                            </p:stCondLst>
+                            <p:childTnLst>
+                              <p:par>
+                                <p:cTn id="5" presetID="1" presetClass="entr" presetSubtype="0" fill="hold" grpId="0" nodeType="clickEffect">
+                                  <p:stCondLst>
+                                    <p:cond delay="0"/>
+                                  </p:stCondLst>
+                                  <p:childTnLst>
+                                    <p:set>
+                                      <p:cBhvr>
+                                        <p:cTn id="6" dur="1" fill="hold">
+                                          <p:stCondLst>
+                                            <p:cond delay="0"/>
+                                          </p:stCondLst>
+                                        </p:cTn>
+                                        <p:tgtEl>
+                                          <p:spTgt spid="26"/>
+                                        </p:tgtEl>
+                                        <p:attrNameLst>
+                                          <p:attrName>style.visibility</p:attrName>
+                                        </p:attrNameLst>
+                                      </p:cBhvr>
+                                      <p:to>
+                                        <p:strVal val="visible"/>
+                                      </p:to>
+                                    </p:set>
+                                  </p:childTnLst>
+                                </p:cTn>
+                              </p:par>
+                              <p:par>
+                                <p:cTn id="7" presetID="1" presetClass="entr" presetSubtype="0" fill="hold" nodeType="withEffect">
+                                  <p:stCondLst>
+                                    <p:cond delay="0"/>
+                                  </p:stCondLst>
+                                  <p:childTnLst>
+                                    <p:set>
+                                      <p:cBhvr>
+                                        <p:cTn id="8" dur="1" fill="hold">
+                                          <p:stCondLst>
+                                            <p:cond delay="0"/>
+                                          </p:stCondLst>
+                                        </p:cTn>
+                                        <p:tgtEl>
+                                          <p:spTgt spid="41"/>
+                                        </p:tgtEl>
+                                        <p:attrNameLst>
+                                          <p:attrName>style.visibility</p:attrName>
+                                        </p:attrNameLst>
+                                      </p:cBhvr>
+                                      <p:to>
+                                        <p:strVal val="visible"/>
+                                      </p:to>
+                                    </p:set>
+                                  </p:childTnLst>
+                                </p:cTn>
+                              </p:par>
+                            </p:childTnLst>
+                          </p:cTn>
+                        </p:par>
+                      </p:childTnLst>
+                    </p:cTn>
+                  </p:par>
+                  <p:par>
+                    <p:cTn id="9" fill="hold">
+                      <p:stCondLst>
+                        <p:cond delay="indefinite"/>
+                      </p:stCondLst>
+                      <p:childTnLst>
+                        <p:par>
+                          <p:cTn id="10" fill="hold">
+                            <p:stCondLst>
+                              <p:cond delay="0"/>
+                            </p:stCondLst>
+                            <p:childTnLst>
+                              <p:par>
+                                <p:cTn id="11" presetID="1" presetClass="entr" presetSubtype="0" fill="hold" grpId="0" nodeType="clickEffect">
+                                  <p:stCondLst>
+                                    <p:cond delay="0"/>
+                                  </p:stCondLst>
+                                  <p:childTnLst>
+                                    <p:set>
+                                      <p:cBhvr>
+                                        <p:cTn id="12" dur="1" fill="hold">
+                                          <p:stCondLst>
+                                            <p:cond delay="0"/>
+                                          </p:stCondLst>
+                                        </p:cTn>
+                                        <p:tgtEl>
+                                          <p:spTgt spid="28"/>
+                                        </p:tgtEl>
+                                        <p:attrNameLst>
+                                          <p:attrName>style.visibility</p:attrName>
+                                        </p:attrNameLst>
+                                      </p:cBhvr>
+                                      <p:to>
+                                        <p:strVal val="visible"/>
+                                      </p:to>
+                                    </p:set>
+                                  </p:childTnLst>
+                                </p:cTn>
+                              </p:par>
+                              <p:par>
+                                <p:cTn id="13" presetID="1" presetClass="entr" presetSubtype="0" fill="hold" nodeType="withEffect">
+                                  <p:stCondLst>
+                                    <p:cond delay="0"/>
+                                  </p:stCondLst>
+                                  <p:childTnLst>
+                                    <p:set>
+                                      <p:cBhvr>
+                                        <p:cTn id="14" dur="1" fill="hold">
+                                          <p:stCondLst>
+                                            <p:cond delay="0"/>
+                                          </p:stCondLst>
+                                        </p:cTn>
+                                        <p:tgtEl>
+                                          <p:spTgt spid="43"/>
+                                        </p:tgtEl>
+                                        <p:attrNameLst>
+                                          <p:attrName>style.visibility</p:attrName>
+                                        </p:attrNameLst>
+                                      </p:cBhvr>
+                                      <p:to>
+                                        <p:strVal val="visible"/>
+                                      </p:to>
+                                    </p:set>
+                                  </p:childTnLst>
+                                </p:cTn>
+                              </p:par>
+                            </p:childTnLst>
+                          </p:cTn>
+                        </p:par>
+                      </p:childTnLst>
+                    </p:cTn>
+                  </p:par>
+                  <p:par>
+                    <p:cTn id="15" fill="hold">
+                      <p:stCondLst>
+                        <p:cond delay="indefinite"/>
+                      </p:stCondLst>
+                      <p:childTnLst>
+                        <p:par>
+                          <p:cTn id="16" fill="hold">
+                            <p:stCondLst>
+                              <p:cond delay="0"/>
+                            </p:stCondLst>
+                            <p:childTnLst>
+                              <p:par>
+                                <p:cTn id="17" presetID="1" presetClass="entr" presetSubtype="0" fill="hold" grpId="0" nodeType="clickEffect">
+                                  <p:stCondLst>
+                                    <p:cond delay="0"/>
+                                  </p:stCondLst>
+                                  <p:childTnLst>
+                                    <p:set>
+                                      <p:cBhvr>
+                                        <p:cTn id="18" dur="1" fill="hold">
+                                          <p:stCondLst>
+                                            <p:cond delay="0"/>
+                                          </p:stCondLst>
+                                        </p:cTn>
+                                        <p:tgtEl>
+                                          <p:spTgt spid="10"/>
+                                        </p:tgtEl>
+                                        <p:attrNameLst>
+                                          <p:attrName>style.visibility</p:attrName>
+                                        </p:attrNameLst>
+                                      </p:cBhvr>
+                                      <p:to>
+                                        <p:strVal val="visible"/>
+                                      </p:to>
+                                    </p:set>
+                                  </p:childTnLst>
+                                </p:cTn>
+                              </p:par>
+                              <p:par>
+                                <p:cTn id="19" presetID="1" presetClass="entr" presetSubtype="0" fill="hold" nodeType="withEffect">
+                                  <p:stCondLst>
+                                    <p:cond delay="0"/>
+                                  </p:stCondLst>
+                                  <p:childTnLst>
+                                    <p:set>
+                                      <p:cBhvr>
+                                        <p:cTn id="20" dur="1" fill="hold">
+                                          <p:stCondLst>
+                                            <p:cond delay="0"/>
+                                          </p:stCondLst>
+                                        </p:cTn>
+                                        <p:tgtEl>
+                                          <p:spTgt spid="56"/>
+                                        </p:tgtEl>
+                                        <p:attrNameLst>
+                                          <p:attrName>style.visibility</p:attrName>
+                                        </p:attrNameLst>
+                                      </p:cBhvr>
+                                      <p:to>
+                                        <p:strVal val="visible"/>
+                                      </p:to>
+                                    </p:set>
+                                  </p:childTnLst>
+                                </p:cTn>
+                              </p:par>
+                              <p:par>
+                                <p:cTn id="21" presetID="1" presetClass="entr" presetSubtype="0" fill="hold" grpId="0" nodeType="withEffect">
+                                  <p:stCondLst>
+                                    <p:cond delay="0"/>
+                                  </p:stCondLst>
+                                  <p:childTnLst>
+                                    <p:set>
+                                      <p:cBhvr>
+                                        <p:cTn id="22" dur="1" fill="hold">
+                                          <p:stCondLst>
+                                            <p:cond delay="0"/>
+                                          </p:stCondLst>
+                                        </p:cTn>
+                                        <p:tgtEl>
+                                          <p:spTgt spid="11"/>
+                                        </p:tgtEl>
+                                        <p:attrNameLst>
+                                          <p:attrName>style.visibility</p:attrName>
+                                        </p:attrNameLst>
+                                      </p:cBhvr>
+                                      <p:to>
+                                        <p:strVal val="visible"/>
+                                      </p:to>
+                                    </p:set>
+                                  </p:childTnLst>
+                                </p:cTn>
+                              </p:par>
+                            </p:childTnLst>
+                          </p:cTn>
+                        </p:par>
+                      </p:childTnLst>
+                    </p:cTn>
+                  </p:par>
+                  <p:par>
+                    <p:cTn id="23" fill="hold">
+                      <p:stCondLst>
+                        <p:cond delay="indefinite"/>
+                      </p:stCondLst>
+                      <p:childTnLst>
+                        <p:par>
+                          <p:cTn id="24" fill="hold">
+                            <p:stCondLst>
+                              <p:cond delay="0"/>
+                            </p:stCondLst>
+                            <p:childTnLst>
+                              <p:par>
+                                <p:cTn id="25" presetID="1" presetClass="entr" presetSubtype="0" fill="hold" grpId="0" nodeType="clickEffect">
+                                  <p:stCondLst>
+                                    <p:cond delay="0"/>
+                                  </p:stCondLst>
+                                  <p:childTnLst>
+                                    <p:set>
+                                      <p:cBhvr>
+                                        <p:cTn id="26" dur="1" fill="hold">
+                                          <p:stCondLst>
+                                            <p:cond delay="0"/>
+                                          </p:stCondLst>
+                                        </p:cTn>
+                                        <p:tgtEl>
+                                          <p:spTgt spid="29"/>
+                                        </p:tgtEl>
+                                        <p:attrNameLst>
+                                          <p:attrName>style.visibility</p:attrName>
+                                        </p:attrNameLst>
+                                      </p:cBhvr>
+                                      <p:to>
+                                        <p:strVal val="visible"/>
+                                      </p:to>
+                                    </p:set>
+                                  </p:childTnLst>
+                                </p:cTn>
+                              </p:par>
+                              <p:par>
+                                <p:cTn id="27" presetID="1" presetClass="entr" presetSubtype="0" fill="hold" nodeType="withEffect">
+                                  <p:stCondLst>
+                                    <p:cond delay="0"/>
+                                  </p:stCondLst>
+                                  <p:childTnLst>
+                                    <p:set>
+                                      <p:cBhvr>
+                                        <p:cTn id="28" dur="1" fill="hold">
+                                          <p:stCondLst>
+                                            <p:cond delay="0"/>
+                                          </p:stCondLst>
+                                        </p:cTn>
+                                        <p:tgtEl>
+                                          <p:spTgt spid="44"/>
+                                        </p:tgtEl>
+                                        <p:attrNameLst>
+                                          <p:attrName>style.visibility</p:attrName>
+                                        </p:attrNameLst>
+                                      </p:cBhvr>
+                                      <p:to>
+                                        <p:strVal val="visible"/>
+                                      </p:to>
+                                    </p:set>
+                                  </p:childTnLst>
+                                </p:cTn>
+                              </p:par>
+                            </p:childTnLst>
+                          </p:cTn>
+                        </p:par>
+                      </p:childTnLst>
+                    </p:cTn>
+                  </p:par>
+                  <p:par>
+                    <p:cTn id="29" fill="hold">
+                      <p:stCondLst>
+                        <p:cond delay="indefinite"/>
+                      </p:stCondLst>
+                      <p:childTnLst>
+                        <p:par>
+                          <p:cTn id="30" fill="hold">
+                            <p:stCondLst>
+                              <p:cond delay="0"/>
+                            </p:stCondLst>
+                            <p:childTnLst>
+                              <p:par>
+                                <p:cTn id="31" presetID="1" presetClass="entr" presetSubtype="0" fill="hold" grpId="0" nodeType="clickEffect">
+                                  <p:stCondLst>
+                                    <p:cond delay="0"/>
+                                  </p:stCondLst>
+                                  <p:childTnLst>
+                                    <p:set>
+                                      <p:cBhvr>
+                                        <p:cTn id="32" dur="1" fill="hold">
+                                          <p:stCondLst>
+                                            <p:cond delay="0"/>
+                                          </p:stCondLst>
+                                        </p:cTn>
+                                        <p:tgtEl>
+                                          <p:spTgt spid="12"/>
+                                        </p:tgtEl>
+                                        <p:attrNameLst>
+                                          <p:attrName>style.visibility</p:attrName>
+                                        </p:attrNameLst>
+                                      </p:cBhvr>
+                                      <p:to>
+                                        <p:strVal val="visible"/>
+                                      </p:to>
+                                    </p:set>
+                                  </p:childTnLst>
+                                </p:cTn>
+                              </p:par>
+                              <p:par>
+                                <p:cTn id="33" presetID="1" presetClass="entr" presetSubtype="0" fill="hold" nodeType="withEffect">
+                                  <p:stCondLst>
+                                    <p:cond delay="0"/>
+                                  </p:stCondLst>
+                                  <p:childTnLst>
+                                    <p:set>
+                                      <p:cBhvr>
+                                        <p:cTn id="34" dur="1" fill="hold">
+                                          <p:stCondLst>
+                                            <p:cond delay="0"/>
+                                          </p:stCondLst>
+                                        </p:cTn>
+                                        <p:tgtEl>
+                                          <p:spTgt spid="61"/>
+                                        </p:tgtEl>
+                                        <p:attrNameLst>
+                                          <p:attrName>style.visibility</p:attrName>
+                                        </p:attrNameLst>
+                                      </p:cBhvr>
+                                      <p:to>
+                                        <p:strVal val="visible"/>
+                                      </p:to>
+                                    </p:set>
+                                  </p:childTnLst>
+                                </p:cTn>
+                              </p:par>
+                            </p:childTnLst>
+                          </p:cTn>
+                        </p:par>
+                      </p:childTnLst>
+                    </p:cTn>
+                  </p:par>
+                  <p:par>
+                    <p:cTn id="35" fill="hold">
+                      <p:stCondLst>
+                        <p:cond delay="indefinite"/>
+                      </p:stCondLst>
+                      <p:childTnLst>
+                        <p:par>
+                          <p:cTn id="36" fill="hold">
+                            <p:stCondLst>
+                              <p:cond delay="0"/>
+                            </p:stCondLst>
+                            <p:childTnLst>
+                              <p:par>
+                                <p:cTn id="37" presetID="1" presetClass="entr" presetSubtype="0" fill="hold" grpId="0" nodeType="clickEffect">
+                                  <p:stCondLst>
+                                    <p:cond delay="0"/>
+                                  </p:stCondLst>
+                                  <p:childTnLst>
+                                    <p:set>
+                                      <p:cBhvr>
+                                        <p:cTn id="38" dur="1" fill="hold">
+                                          <p:stCondLst>
+                                            <p:cond delay="0"/>
+                                          </p:stCondLst>
+                                        </p:cTn>
+                                        <p:tgtEl>
+                                          <p:spTgt spid="25"/>
+                                        </p:tgtEl>
+                                        <p:attrNameLst>
+                                          <p:attrName>style.visibility</p:attrName>
+                                        </p:attrNameLst>
+                                      </p:cBhvr>
+                                      <p:to>
+                                        <p:strVal val="visible"/>
+                                      </p:to>
+                                    </p:set>
+                                  </p:childTnLst>
+                                </p:cTn>
+                              </p:par>
+                              <p:par>
+                                <p:cTn id="39" presetID="1" presetClass="entr" presetSubtype="0" fill="hold" nodeType="withEffect">
+                                  <p:stCondLst>
+                                    <p:cond delay="0"/>
+                                  </p:stCondLst>
+                                  <p:childTnLst>
+                                    <p:set>
+                                      <p:cBhvr>
+                                        <p:cTn id="40" dur="1" fill="hold">
+                                          <p:stCondLst>
+                                            <p:cond delay="0"/>
+                                          </p:stCondLst>
+                                        </p:cTn>
+                                        <p:tgtEl>
+                                          <p:spTgt spid="36"/>
+                                        </p:tgtEl>
+                                        <p:attrNameLst>
+                                          <p:attrName>style.visibility</p:attrName>
+                                        </p:attrNameLst>
+                                      </p:cBhvr>
+                                      <p:to>
+                                        <p:strVal val="visible"/>
+                                      </p:to>
+                                    </p:set>
+                                  </p:childTnLst>
+                                </p:cTn>
+                              </p:par>
+                            </p:childTnLst>
+                          </p:cTn>
+                        </p:par>
+                      </p:childTnLst>
+                    </p:cTn>
+                  </p:par>
+                  <p:par>
+                    <p:cTn id="41" fill="hold">
+                      <p:stCondLst>
+                        <p:cond delay="indefinite"/>
+                      </p:stCondLst>
+                      <p:childTnLst>
+                        <p:par>
+                          <p:cTn id="42" fill="hold">
+                            <p:stCondLst>
+                              <p:cond delay="0"/>
+                            </p:stCondLst>
+                            <p:childTnLst>
+                              <p:par>
+                                <p:cTn id="43" presetID="1" presetClass="entr" presetSubtype="0" fill="hold" nodeType="clickEffect">
+                                  <p:stCondLst>
+                                    <p:cond delay="0"/>
+                                  </p:stCondLst>
+                                  <p:childTnLst>
+                                    <p:set>
+                                      <p:cBhvr>
+                                        <p:cTn id="44" dur="1" fill="hold">
+                                          <p:stCondLst>
+                                            <p:cond delay="0"/>
+                                          </p:stCondLst>
+                                        </p:cTn>
+                                        <p:tgtEl>
+                                          <p:spTgt spid="60"/>
+                                        </p:tgtEl>
+                                        <p:attrNameLst>
+                                          <p:attrName>style.visibility</p:attrName>
+                                        </p:attrNameLst>
+                                      </p:cBhvr>
+                                      <p:to>
+                                        <p:strVal val="visible"/>
+                                      </p:to>
+                                    </p:set>
+                                  </p:childTnLst>
+                                </p:cTn>
+                              </p:par>
+                              <p:par>
+                                <p:cTn id="45" presetID="1" presetClass="entr" presetSubtype="0" fill="hold" grpId="0" nodeType="withEffect">
+                                  <p:stCondLst>
+                                    <p:cond delay="0"/>
+                                  </p:stCondLst>
+                                  <p:childTnLst>
+                                    <p:set>
+                                      <p:cBhvr>
+                                        <p:cTn id="46" dur="1" fill="hold">
+                                          <p:stCondLst>
+                                            <p:cond delay="0"/>
+                                          </p:stCondLst>
+                                        </p:cTn>
+                                        <p:tgtEl>
+                                          <p:spTgt spid="15"/>
+                                        </p:tgtEl>
+                                        <p:attrNameLst>
+                                          <p:attrName>style.visibility</p:attrName>
+                                        </p:attrNameLst>
+                                      </p:cBhvr>
+                                      <p:to>
+                                        <p:strVal val="visible"/>
+                                      </p:to>
+                                    </p:set>
+                                  </p:childTnLst>
+                                </p:cTn>
+                              </p:par>
+                            </p:childTnLst>
+                          </p:cTn>
+                        </p:par>
+                      </p:childTnLst>
+                    </p:cTn>
+                  </p:par>
+                  <p:par>
+                    <p:cTn id="47" fill="hold">
+                      <p:stCondLst>
+                        <p:cond delay="indefinite"/>
+                      </p:stCondLst>
+                      <p:childTnLst>
+                        <p:par>
+                          <p:cTn id="48" fill="hold">
+                            <p:stCondLst>
+                              <p:cond delay="0"/>
+                            </p:stCondLst>
+                            <p:childTnLst>
+                              <p:par>
+                                <p:cTn id="49" presetID="1" presetClass="entr" presetSubtype="0" fill="hold" nodeType="clickEffect">
+                                  <p:stCondLst>
+                                    <p:cond delay="0"/>
+                                  </p:stCondLst>
+                                  <p:childTnLst>
+                                    <p:set>
+                                      <p:cBhvr>
+                                        <p:cTn id="50" dur="1" fill="hold">
+                                          <p:stCondLst>
+                                            <p:cond delay="0"/>
+                                          </p:stCondLst>
+                                        </p:cTn>
+                                        <p:tgtEl>
+                                          <p:spTgt spid="62"/>
+                                        </p:tgtEl>
+                                        <p:attrNameLst>
+                                          <p:attrName>style.visibility</p:attrName>
+                                        </p:attrNameLst>
+                                      </p:cBhvr>
+                                      <p:to>
+                                        <p:strVal val="visible"/>
+                                      </p:to>
+                                    </p:set>
+                                  </p:childTnLst>
+                                </p:cTn>
+                              </p:par>
+                              <p:par>
+                                <p:cTn id="51" presetID="1" presetClass="entr" presetSubtype="0" fill="hold" nodeType="withEffect">
+                                  <p:stCondLst>
+                                    <p:cond delay="0"/>
+                                  </p:stCondLst>
+                                  <p:childTnLst>
+                                    <p:set>
+                                      <p:cBhvr>
+                                        <p:cTn id="52" dur="1" fill="hold">
+                                          <p:stCondLst>
+                                            <p:cond delay="0"/>
+                                          </p:stCondLst>
+                                        </p:cTn>
+                                        <p:tgtEl>
+                                          <p:spTgt spid="63"/>
+                                        </p:tgtEl>
+                                        <p:attrNameLst>
+                                          <p:attrName>style.visibility</p:attrName>
+                                        </p:attrNameLst>
+                                      </p:cBhvr>
+                                      <p:to>
+                                        <p:strVal val="visible"/>
+                                      </p:to>
+                                    </p:set>
+                                  </p:childTnLst>
+                                </p:cTn>
+                              </p:par>
+                              <p:par>
+                                <p:cTn id="53" presetID="1" presetClass="entr" presetSubtype="0" fill="hold" grpId="0" nodeType="withEffect">
+                                  <p:stCondLst>
+                                    <p:cond delay="0"/>
+                                  </p:stCondLst>
+                                  <p:childTnLst>
+                                    <p:set>
+                                      <p:cBhvr>
+                                        <p:cTn id="54" dur="1" fill="hold">
+                                          <p:stCondLst>
+                                            <p:cond delay="0"/>
+                                          </p:stCondLst>
+                                        </p:cTn>
+                                        <p:tgtEl>
+                                          <p:spTgt spid="16"/>
+                                        </p:tgtEl>
+                                        <p:attrNameLst>
+                                          <p:attrName>style.visibility</p:attrName>
+                                        </p:attrNameLst>
+                                      </p:cBhvr>
+                                      <p:to>
+                                        <p:strVal val="visible"/>
+                                      </p:to>
+                                    </p:set>
+                                  </p:childTnLst>
+                                </p:cTn>
+                              </p:par>
+                              <p:par>
+                                <p:cTn id="55" presetID="1" presetClass="entr" presetSubtype="0" fill="hold" grpId="0" nodeType="withEffect">
+                                  <p:stCondLst>
+                                    <p:cond delay="0"/>
+                                  </p:stCondLst>
+                                  <p:childTnLst>
+                                    <p:set>
+                                      <p:cBhvr>
+                                        <p:cTn id="56" dur="1" fill="hold">
+                                          <p:stCondLst>
+                                            <p:cond delay="0"/>
+                                          </p:stCondLst>
+                                        </p:cTn>
+                                        <p:tgtEl>
+                                          <p:spTgt spid="13"/>
+                                        </p:tgtEl>
+                                        <p:attrNameLst>
+                                          <p:attrName>style.visibility</p:attrName>
+                                        </p:attrNameLst>
+                                      </p:cBhvr>
+                                      <p:to>
+                                        <p:strVal val="visible"/>
+                                      </p:to>
+                                    </p:set>
+                                  </p:childTnLst>
+                                </p:cTn>
+                              </p:par>
+                            </p:childTnLst>
+                          </p:cTn>
+                        </p:par>
+                      </p:childTnLst>
+                    </p:cTn>
+                  </p:par>
+                  <p:par>
+                    <p:cTn id="57" fill="hold">
+                      <p:stCondLst>
+                        <p:cond delay="indefinite"/>
+                      </p:stCondLst>
+                      <p:childTnLst>
+                        <p:par>
+                          <p:cTn id="58" fill="hold">
+                            <p:stCondLst>
+                              <p:cond delay="0"/>
+                            </p:stCondLst>
+                            <p:childTnLst>
+                              <p:par>
+                                <p:cTn id="59" presetID="1" presetClass="entr" presetSubtype="0" fill="hold" grpId="0" nodeType="clickEffect">
+                                  <p:stCondLst>
+                                    <p:cond delay="0"/>
+                                  </p:stCondLst>
+                                  <p:childTnLst>
+                                    <p:set>
+                                      <p:cBhvr>
+                                        <p:cTn id="60" dur="1" fill="hold">
+                                          <p:stCondLst>
+                                            <p:cond delay="0"/>
+                                          </p:stCondLst>
+                                        </p:cTn>
+                                        <p:tgtEl>
+                                          <p:spTgt spid="24"/>
+                                        </p:tgtEl>
+                                        <p:attrNameLst>
+                                          <p:attrName>style.visibility</p:attrName>
+                                        </p:attrNameLst>
+                                      </p:cBhvr>
+                                      <p:to>
+                                        <p:strVal val="visible"/>
+                                      </p:to>
+                                    </p:set>
+                                  </p:childTnLst>
+                                </p:cTn>
+                              </p:par>
+                              <p:par>
+                                <p:cTn id="61" presetID="1" presetClass="entr" presetSubtype="0" fill="hold" nodeType="withEffect">
+                                  <p:stCondLst>
+                                    <p:cond delay="0"/>
+                                  </p:stCondLst>
+                                  <p:childTnLst>
+                                    <p:set>
+                                      <p:cBhvr>
+                                        <p:cTn id="62" dur="1" fill="hold">
+                                          <p:stCondLst>
+                                            <p:cond delay="0"/>
+                                          </p:stCondLst>
+                                        </p:cTn>
+                                        <p:tgtEl>
+                                          <p:spTgt spid="40"/>
+                                        </p:tgtEl>
+                                        <p:attrNameLst>
+                                          <p:attrName>style.visibility</p:attrName>
+                                        </p:attrNameLst>
+                                      </p:cBhvr>
+                                      <p:to>
+                                        <p:strVal val="visible"/>
+                                      </p:to>
+                                    </p:set>
+                                  </p:childTnLst>
+                                </p:cTn>
+                              </p:par>
+                              <p:par>
+                                <p:cTn id="63" presetID="1" presetClass="entr" presetSubtype="0" fill="hold" nodeType="withEffect">
+                                  <p:stCondLst>
+                                    <p:cond delay="0"/>
+                                  </p:stCondLst>
+                                  <p:childTnLst>
+                                    <p:set>
+                                      <p:cBhvr>
+                                        <p:cTn id="64" dur="1" fill="hold">
+                                          <p:stCondLst>
+                                            <p:cond delay="0"/>
+                                          </p:stCondLst>
+                                        </p:cTn>
+                                        <p:tgtEl>
+                                          <p:spTgt spid="50"/>
+                                        </p:tgtEl>
+                                        <p:attrNameLst>
+                                          <p:attrName>style.visibility</p:attrName>
+                                        </p:attrNameLst>
+                                      </p:cBhvr>
+                                      <p:to>
+                                        <p:strVal val="visible"/>
+                                      </p:to>
+                                    </p:set>
+                                  </p:childTnLst>
+                                </p:cTn>
+                              </p:par>
+                              <p:par>
+                                <p:cTn id="65" presetID="1" presetClass="entr" presetSubtype="0" fill="hold" grpId="0" nodeType="withEffect">
+                                  <p:stCondLst>
+                                    <p:cond delay="0"/>
+                                  </p:stCondLst>
+                                  <p:childTnLst>
+                                    <p:set>
+                                      <p:cBhvr>
+                                        <p:cTn id="66" dur="1" fill="hold">
+                                          <p:stCondLst>
+                                            <p:cond delay="0"/>
+                                          </p:stCondLst>
+                                        </p:cTn>
+                                        <p:tgtEl>
+                                          <p:spTgt spid="20"/>
+                                        </p:tgtEl>
+                                        <p:attrNameLst>
+                                          <p:attrName>style.visibility</p:attrName>
+                                        </p:attrNameLst>
+                                      </p:cBhvr>
+                                      <p:to>
+                                        <p:strVal val="visible"/>
+                                      </p:to>
+                                    </p:set>
+                                  </p:childTnLst>
+                                </p:cTn>
+                              </p:par>
+                            </p:childTnLst>
+                          </p:cTn>
+                        </p:par>
+                      </p:childTnLst>
+                    </p:cTn>
+                  </p:par>
+                  <p:par>
+                    <p:cTn id="67" fill="hold">
+                      <p:stCondLst>
+                        <p:cond delay="indefinite"/>
+                      </p:stCondLst>
+                      <p:childTnLst>
+                        <p:par>
+                          <p:cTn id="68" fill="hold">
+                            <p:stCondLst>
+                              <p:cond delay="0"/>
+                            </p:stCondLst>
+                            <p:childTnLst>
+                              <p:par>
+                                <p:cTn id="69" presetID="1" presetClass="entr" presetSubtype="0" fill="hold" nodeType="clickEffect">
+                                  <p:stCondLst>
+                                    <p:cond delay="0"/>
+                                  </p:stCondLst>
+                                  <p:childTnLst>
+                                    <p:set>
+                                      <p:cBhvr>
+                                        <p:cTn id="70" dur="1" fill="hold">
+                                          <p:stCondLst>
+                                            <p:cond delay="0"/>
+                                          </p:stCondLst>
+                                        </p:cTn>
+                                        <p:tgtEl>
+                                          <p:spTgt spid="57"/>
+                                        </p:tgtEl>
+                                        <p:attrNameLst>
+                                          <p:attrName>style.visibility</p:attrName>
+                                        </p:attrNameLst>
+                                      </p:cBhvr>
+                                      <p:to>
+                                        <p:strVal val="visible"/>
+                                      </p:to>
+                                    </p:set>
+                                  </p:childTnLst>
+                                </p:cTn>
+                              </p:par>
+                              <p:par>
+                                <p:cTn id="71" presetID="1" presetClass="entr" presetSubtype="0" fill="hold" nodeType="withEffect">
+                                  <p:stCondLst>
+                                    <p:cond delay="0"/>
+                                  </p:stCondLst>
+                                  <p:childTnLst>
+                                    <p:set>
+                                      <p:cBhvr>
+                                        <p:cTn id="72" dur="1" fill="hold">
+                                          <p:stCondLst>
+                                            <p:cond delay="0"/>
+                                          </p:stCondLst>
+                                        </p:cTn>
+                                        <p:tgtEl>
+                                          <p:spTgt spid="58"/>
+                                        </p:tgtEl>
+                                        <p:attrNameLst>
+                                          <p:attrName>style.visibility</p:attrName>
+                                        </p:attrNameLst>
+                                      </p:cBhvr>
+                                      <p:to>
+                                        <p:strVal val="visible"/>
+                                      </p:to>
+                                    </p:set>
+                                  </p:childTnLst>
+                                </p:cTn>
+                              </p:par>
+                              <p:par>
+                                <p:cTn id="73" presetID="1" presetClass="entr" presetSubtype="0" fill="hold" grpId="0" nodeType="withEffect">
+                                  <p:stCondLst>
+                                    <p:cond delay="0"/>
+                                  </p:stCondLst>
+                                  <p:childTnLst>
+                                    <p:set>
+                                      <p:cBhvr>
+                                        <p:cTn id="74" dur="1" fill="hold">
+                                          <p:stCondLst>
+                                            <p:cond delay="0"/>
+                                          </p:stCondLst>
+                                        </p:cTn>
+                                        <p:tgtEl>
+                                          <p:spTgt spid="22"/>
+                                        </p:tgtEl>
+                                        <p:attrNameLst>
+                                          <p:attrName>style.visibility</p:attrName>
+                                        </p:attrNameLst>
+                                      </p:cBhvr>
+                                      <p:to>
+                                        <p:strVal val="visible"/>
+                                      </p:to>
+                                    </p:set>
+                                  </p:childTnLst>
+                                </p:cTn>
+                              </p:par>
+                            </p:childTnLst>
+                          </p:cTn>
+                        </p:par>
+                      </p:childTnLst>
+                    </p:cTn>
+                  </p:par>
+                  <p:par>
+                    <p:cTn id="75" fill="hold">
+                      <p:stCondLst>
+                        <p:cond delay="indefinite"/>
+                      </p:stCondLst>
+                      <p:childTnLst>
+                        <p:par>
+                          <p:cTn id="76" fill="hold">
+                            <p:stCondLst>
+                              <p:cond delay="0"/>
+                            </p:stCondLst>
+                            <p:childTnLst>
+                              <p:par>
+                                <p:cTn id="77" presetID="1" presetClass="entr" presetSubtype="0" fill="hold" nodeType="clickEffect">
+                                  <p:stCondLst>
+                                    <p:cond delay="0"/>
+                                  </p:stCondLst>
+                                  <p:childTnLst>
+                                    <p:set>
+                                      <p:cBhvr>
+                                        <p:cTn id="78" dur="1" fill="hold">
+                                          <p:stCondLst>
+                                            <p:cond delay="0"/>
+                                          </p:stCondLst>
+                                        </p:cTn>
+                                        <p:tgtEl>
+                                          <p:spTgt spid="119"/>
+                                        </p:tgtEl>
+                                        <p:attrNameLst>
+                                          <p:attrName>style.visibility</p:attrName>
+                                        </p:attrNameLst>
+                                      </p:cBhvr>
+                                      <p:to>
+                                        <p:strVal val="visible"/>
+                                      </p:to>
+                                    </p:set>
+                                  </p:childTnLst>
+                                </p:cTn>
+                              </p:par>
+                              <p:par>
+                                <p:cTn id="79" presetID="1" presetClass="entr" presetSubtype="0" fill="hold" nodeType="withEffect">
+                                  <p:stCondLst>
+                                    <p:cond delay="0"/>
+                                  </p:stCondLst>
+                                  <p:childTnLst>
+                                    <p:set>
+                                      <p:cBhvr>
+                                        <p:cTn id="80" dur="1" fill="hold">
+                                          <p:stCondLst>
+                                            <p:cond delay="0"/>
+                                          </p:stCondLst>
+                                        </p:cTn>
+                                        <p:tgtEl>
+                                          <p:spTgt spid="87"/>
+                                        </p:tgtEl>
+                                        <p:attrNameLst>
+                                          <p:attrName>style.visibility</p:attrName>
+                                        </p:attrNameLst>
+                                      </p:cBhvr>
+                                      <p:to>
+                                        <p:strVal val="visible"/>
+                                      </p:to>
+                                    </p:set>
+                                  </p:childTnLst>
+                                </p:cTn>
+                              </p:par>
+                              <p:par>
+                                <p:cTn id="81" presetID="1" presetClass="entr" presetSubtype="0" fill="hold" grpId="0" nodeType="withEffect">
+                                  <p:stCondLst>
+                                    <p:cond delay="0"/>
+                                  </p:stCondLst>
+                                  <p:childTnLst>
+                                    <p:set>
+                                      <p:cBhvr>
+                                        <p:cTn id="82" dur="1" fill="hold">
+                                          <p:stCondLst>
+                                            <p:cond delay="0"/>
+                                          </p:stCondLst>
+                                        </p:cTn>
+                                        <p:tgtEl>
+                                          <p:spTgt spid="116"/>
+                                        </p:tgtEl>
+                                        <p:attrNameLst>
+                                          <p:attrName>style.visibility</p:attrName>
+                                        </p:attrNameLst>
+                                      </p:cBhvr>
+                                      <p:to>
+                                        <p:strVal val="visible"/>
+                                      </p:to>
+                                    </p:set>
+                                  </p:childTnLst>
+                                </p:cTn>
+                              </p:par>
+                            </p:childTnLst>
+                          </p:cTn>
+                        </p:par>
+                      </p:childTnLst>
+                    </p:cTn>
+                  </p:par>
+                  <p:par>
+                    <p:cTn id="83" fill="hold">
+                      <p:stCondLst>
+                        <p:cond delay="indefinite"/>
+                      </p:stCondLst>
+                      <p:childTnLst>
+                        <p:par>
+                          <p:cTn id="84" fill="hold">
+                            <p:stCondLst>
+                              <p:cond delay="0"/>
+                            </p:stCondLst>
+                            <p:childTnLst>
+                              <p:par>
+                                <p:cTn id="85" presetID="1" presetClass="entr" presetSubtype="0" fill="hold" nodeType="clickEffect">
+                                  <p:stCondLst>
+                                    <p:cond delay="0"/>
+                                  </p:stCondLst>
+                                  <p:childTnLst>
+                                    <p:set>
+                                      <p:cBhvr>
+                                        <p:cTn id="86" dur="1" fill="hold">
+                                          <p:stCondLst>
+                                            <p:cond delay="0"/>
+                                          </p:stCondLst>
+                                        </p:cTn>
+                                        <p:tgtEl>
+                                          <p:spTgt spid="118"/>
+                                        </p:tgtEl>
+                                        <p:attrNameLst>
+                                          <p:attrName>style.visibility</p:attrName>
+                                        </p:attrNameLst>
+                                      </p:cBhvr>
+                                      <p:to>
+                                        <p:strVal val="visible"/>
+                                      </p:to>
+                                    </p:set>
+                                  </p:childTnLst>
+                                </p:cTn>
+                              </p:par>
+                              <p:par>
+                                <p:cTn id="87" presetID="1" presetClass="entr" presetSubtype="0" fill="hold" nodeType="withEffect">
+                                  <p:stCondLst>
+                                    <p:cond delay="0"/>
+                                  </p:stCondLst>
+                                  <p:childTnLst>
+                                    <p:set>
+                                      <p:cBhvr>
+                                        <p:cTn id="88" dur="1" fill="hold">
+                                          <p:stCondLst>
+                                            <p:cond delay="0"/>
+                                          </p:stCondLst>
+                                        </p:cTn>
+                                        <p:tgtEl>
+                                          <p:spTgt spid="64"/>
+                                        </p:tgtEl>
+                                        <p:attrNameLst>
+                                          <p:attrName>style.visibility</p:attrName>
+                                        </p:attrNameLst>
+                                      </p:cBhvr>
+                                      <p:to>
+                                        <p:strVal val="visible"/>
+                                      </p:to>
+                                    </p:set>
+                                  </p:childTnLst>
+                                </p:cTn>
+                              </p:par>
+                              <p:par>
+                                <p:cTn id="89" presetID="1" presetClass="entr" presetSubtype="0" fill="hold" grpId="0" nodeType="withEffect">
+                                  <p:stCondLst>
+                                    <p:cond delay="0"/>
+                                  </p:stCondLst>
+                                  <p:childTnLst>
+                                    <p:set>
+                                      <p:cBhvr>
+                                        <p:cTn id="90" dur="1" fill="hold">
+                                          <p:stCondLst>
+                                            <p:cond delay="0"/>
+                                          </p:stCondLst>
+                                        </p:cTn>
+                                        <p:tgtEl>
+                                          <p:spTgt spid="18"/>
+                                        </p:tgtEl>
+                                        <p:attrNameLst>
+                                          <p:attrName>style.visibility</p:attrName>
+                                        </p:attrNameLst>
+                                      </p:cBhvr>
+                                      <p:to>
+                                        <p:strVal val="visible"/>
+                                      </p:to>
+                                    </p:set>
+                                  </p:childTnLst>
+                                </p:cTn>
+                              </p:par>
+                            </p:childTnLst>
+                          </p:cTn>
+                        </p:par>
+                      </p:childTnLst>
+                    </p:cTn>
+                  </p:par>
+                  <p:par>
+                    <p:cTn id="91" fill="hold">
+                      <p:stCondLst>
+                        <p:cond delay="indefinite"/>
+                      </p:stCondLst>
+                      <p:childTnLst>
+                        <p:par>
+                          <p:cTn id="92" fill="hold">
+                            <p:stCondLst>
+                              <p:cond delay="0"/>
+                            </p:stCondLst>
+                            <p:childTnLst>
+                              <p:par>
+                                <p:cTn id="93" presetID="1" presetClass="entr" presetSubtype="0" fill="hold" nodeType="clickEffect">
+                                  <p:stCondLst>
+                                    <p:cond delay="0"/>
+                                  </p:stCondLst>
+                                  <p:childTnLst>
+                                    <p:set>
+                                      <p:cBhvr>
+                                        <p:cTn id="94" dur="1" fill="hold">
+                                          <p:stCondLst>
+                                            <p:cond delay="0"/>
+                                          </p:stCondLst>
+                                        </p:cTn>
+                                        <p:tgtEl>
+                                          <p:spTgt spid="84"/>
+                                        </p:tgtEl>
+                                        <p:attrNameLst>
+                                          <p:attrName>style.visibility</p:attrName>
+                                        </p:attrNameLst>
+                                      </p:cBhvr>
+                                      <p:to>
+                                        <p:strVal val="visible"/>
+                                      </p:to>
+                                    </p:set>
+                                  </p:childTnLst>
+                                </p:cTn>
+                              </p:par>
+                              <p:par>
+                                <p:cTn id="95" presetID="1" presetClass="entr" presetSubtype="0" fill="hold" grpId="0" nodeType="withEffect">
+                                  <p:stCondLst>
+                                    <p:cond delay="0"/>
+                                  </p:stCondLst>
+                                  <p:childTnLst>
+                                    <p:set>
+                                      <p:cBhvr>
+                                        <p:cTn id="96" dur="1" fill="hold">
+                                          <p:stCondLst>
+                                            <p:cond delay="0"/>
+                                          </p:stCondLst>
+                                        </p:cTn>
+                                        <p:tgtEl>
+                                          <p:spTgt spid="17"/>
+                                        </p:tgtEl>
+                                        <p:attrNameLst>
+                                          <p:attrName>style.visibility</p:attrName>
+                                        </p:attrNameLst>
+                                      </p:cBhvr>
+                                      <p:to>
+                                        <p:strVal val="visible"/>
+                                      </p:to>
+                                    </p:set>
+                                  </p:childTnLst>
+                                </p:cTn>
+                              </p:par>
+                              <p:par>
+                                <p:cTn id="97" presetID="1" presetClass="entr" presetSubtype="0" fill="hold" nodeType="withEffect">
+                                  <p:stCondLst>
+                                    <p:cond delay="0"/>
+                                  </p:stCondLst>
+                                  <p:childTnLst>
+                                    <p:set>
+                                      <p:cBhvr>
+                                        <p:cTn id="98" dur="1" fill="hold">
+                                          <p:stCondLst>
+                                            <p:cond delay="0"/>
+                                          </p:stCondLst>
+                                        </p:cTn>
+                                        <p:tgtEl>
+                                          <p:spTgt spid="89"/>
+                                        </p:tgtEl>
+                                        <p:attrNameLst>
+                                          <p:attrName>style.visibility</p:attrName>
+                                        </p:attrNameLst>
+                                      </p:cBhvr>
+                                      <p:to>
+                                        <p:strVal val="visible"/>
+                                      </p:to>
+                                    </p:set>
+                                  </p:childTnLst>
+                                </p:cTn>
+                              </p:par>
+                              <p:par>
+                                <p:cTn id="99" presetID="1" presetClass="entr" presetSubtype="0" fill="hold" nodeType="withEffect">
+                                  <p:stCondLst>
+                                    <p:cond delay="0"/>
+                                  </p:stCondLst>
+                                  <p:childTnLst>
+                                    <p:set>
+                                      <p:cBhvr>
+                                        <p:cTn id="100" dur="1" fill="hold">
+                                          <p:stCondLst>
+                                            <p:cond delay="0"/>
+                                          </p:stCondLst>
+                                        </p:cTn>
+                                        <p:tgtEl>
+                                          <p:spTgt spid="88"/>
+                                        </p:tgtEl>
+                                        <p:attrNameLst>
+                                          <p:attrName>style.visibility</p:attrName>
+                                        </p:attrNameLst>
+                                      </p:cBhvr>
+                                      <p:to>
+                                        <p:strVal val="visible"/>
+                                      </p:to>
+                                    </p:set>
+                                  </p:childTnLst>
+                                </p:cTn>
+                              </p:par>
+                              <p:par>
+                                <p:cTn id="101" presetID="1" presetClass="entr" presetSubtype="0" fill="hold" grpId="0" nodeType="withEffect">
+                                  <p:stCondLst>
+                                    <p:cond delay="0"/>
+                                  </p:stCondLst>
+                                  <p:childTnLst>
+                                    <p:set>
+                                      <p:cBhvr>
+                                        <p:cTn id="102" dur="1" fill="hold">
+                                          <p:stCondLst>
+                                            <p:cond delay="0"/>
+                                          </p:stCondLst>
+                                        </p:cTn>
+                                        <p:tgtEl>
+                                          <p:spTgt spid="21"/>
+                                        </p:tgtEl>
+                                        <p:attrNameLst>
+                                          <p:attrName>style.visibility</p:attrName>
+                                        </p:attrNameLst>
+                                      </p:cBhvr>
+                                      <p:to>
+                                        <p:strVal val="visible"/>
+                                      </p:to>
+                                    </p:set>
+                                  </p:childTnLst>
+                                </p:cTn>
+                              </p:par>
+                            </p:childTnLst>
+                          </p:cTn>
+                        </p:par>
+                      </p:childTnLst>
+                    </p:cTn>
+                  </p:par>
+                  <p:par>
+                    <p:cTn id="103" fill="hold">
+                      <p:stCondLst>
+                        <p:cond delay="indefinite"/>
+                      </p:stCondLst>
+                      <p:childTnLst>
+                        <p:par>
+                          <p:cTn id="104" fill="hold">
+                            <p:stCondLst>
+                              <p:cond delay="0"/>
+                            </p:stCondLst>
+                            <p:childTnLst>
+                              <p:par>
+                                <p:cTn id="105" presetID="1" presetClass="entr" presetSubtype="0" fill="hold" nodeType="clickEffect">
+                                  <p:stCondLst>
+                                    <p:cond delay="0"/>
+                                  </p:stCondLst>
+                                  <p:childTnLst>
+                                    <p:set>
+                                      <p:cBhvr>
+                                        <p:cTn id="106" dur="1" fill="hold">
+                                          <p:stCondLst>
+                                            <p:cond delay="0"/>
+                                          </p:stCondLst>
+                                        </p:cTn>
+                                        <p:tgtEl>
+                                          <p:spTgt spid="95"/>
+                                        </p:tgtEl>
+                                        <p:attrNameLst>
+                                          <p:attrName>style.visibility</p:attrName>
+                                        </p:attrNameLst>
+                                      </p:cBhvr>
+                                      <p:to>
+                                        <p:strVal val="visible"/>
+                                      </p:to>
+                                    </p:set>
+                                  </p:childTnLst>
+                                </p:cTn>
+                              </p:par>
+                              <p:par>
+                                <p:cTn id="107" presetID="1" presetClass="entr" presetSubtype="0" fill="hold" grpId="0" nodeType="withEffect">
+                                  <p:stCondLst>
+                                    <p:cond delay="0"/>
+                                  </p:stCondLst>
+                                  <p:childTnLst>
+                                    <p:set>
+                                      <p:cBhvr>
+                                        <p:cTn id="108" dur="1" fill="hold">
+                                          <p:stCondLst>
+                                            <p:cond delay="0"/>
+                                          </p:stCondLst>
+                                        </p:cTn>
+                                        <p:tgtEl>
+                                          <p:spTgt spid="19"/>
+                                        </p:tgtEl>
+                                        <p:attrNameLst>
+                                          <p:attrName>style.visibility</p:attrName>
+                                        </p:attrNameLst>
+                                      </p:cBhvr>
+                                      <p:to>
+                                        <p:strVal val="visible"/>
+                                      </p:to>
+                                    </p:set>
+                                  </p:childTnLst>
+                                </p:cTn>
+                              </p:par>
+                              <p:par>
+                                <p:cTn id="109" presetID="1" presetClass="entr" presetSubtype="0" fill="hold" nodeType="withEffect">
+                                  <p:stCondLst>
+                                    <p:cond delay="0"/>
+                                  </p:stCondLst>
+                                  <p:childTnLst>
+                                    <p:set>
+                                      <p:cBhvr>
+                                        <p:cTn id="110" dur="1" fill="hold">
+                                          <p:stCondLst>
+                                            <p:cond delay="0"/>
+                                          </p:stCondLst>
+                                        </p:cTn>
+                                        <p:tgtEl>
+                                          <p:spTgt spid="59"/>
+                                        </p:tgtEl>
+                                        <p:attrNameLst>
+                                          <p:attrName>style.visibility</p:attrName>
+                                        </p:attrNameLst>
+                                      </p:cBhvr>
+                                      <p:to>
+                                        <p:strVal val="visible"/>
+                                      </p:to>
+                                    </p:set>
+                                  </p:childTnLst>
+                                </p:cTn>
+                              </p:par>
+                            </p:childTnLst>
+                          </p:cTn>
+                        </p:par>
+                      </p:childTnLst>
+                    </p:cTn>
+                  </p:par>
+                  <p:par>
+                    <p:cTn id="111" fill="hold">
+                      <p:stCondLst>
+                        <p:cond delay="indefinite"/>
+                      </p:stCondLst>
+                      <p:childTnLst>
+                        <p:par>
+                          <p:cTn id="112" fill="hold">
+                            <p:stCondLst>
+                              <p:cond delay="0"/>
+                            </p:stCondLst>
+                            <p:childTnLst>
+                              <p:par>
+                                <p:cTn id="113" presetID="1" presetClass="entr" presetSubtype="0" fill="hold" grpId="0" nodeType="clickEffect">
+                                  <p:stCondLst>
+                                    <p:cond delay="0"/>
+                                  </p:stCondLst>
+                                  <p:childTnLst>
+                                    <p:set>
+                                      <p:cBhvr>
+                                        <p:cTn id="114" dur="1" fill="hold">
+                                          <p:stCondLst>
+                                            <p:cond delay="0"/>
+                                          </p:stCondLst>
+                                        </p:cTn>
+                                        <p:tgtEl>
+                                          <p:spTgt spid="27"/>
+                                        </p:tgtEl>
+                                        <p:attrNameLst>
+                                          <p:attrName>style.visibility</p:attrName>
+                                        </p:attrNameLst>
+                                      </p:cBhvr>
+                                      <p:to>
+                                        <p:strVal val="visible"/>
+                                      </p:to>
+                                    </p:set>
+                                  </p:childTnLst>
+                                </p:cTn>
+                              </p:par>
+                              <p:par>
+                                <p:cTn id="115" presetID="1" presetClass="entr" presetSubtype="0" fill="hold" nodeType="withEffect">
+                                  <p:stCondLst>
+                                    <p:cond delay="0"/>
+                                  </p:stCondLst>
+                                  <p:childTnLst>
+                                    <p:set>
+                                      <p:cBhvr>
+                                        <p:cTn id="116" dur="1" fill="hold">
+                                          <p:stCondLst>
+                                            <p:cond delay="0"/>
+                                          </p:stCondLst>
+                                        </p:cTn>
+                                        <p:tgtEl>
+                                          <p:spTgt spid="42"/>
+                                        </p:tgtEl>
+                                        <p:attrNameLst>
+                                          <p:attrName>style.visibility</p:attrName>
+                                        </p:attrNameLst>
+                                      </p:cBhvr>
+                                      <p:to>
+                                        <p:strVal val="visible"/>
+                                      </p:to>
+                                    </p:set>
+                                  </p:childTnLst>
+                                </p:cTn>
+                              </p:par>
+                            </p:childTnLst>
+                          </p:cTn>
+                        </p:par>
+                      </p:childTnLst>
+                    </p:cTn>
+                  </p:par>
+                  <p:par>
+                    <p:cTn id="117" fill="hold">
+                      <p:stCondLst>
+                        <p:cond delay="indefinite"/>
+                      </p:stCondLst>
+                      <p:childTnLst>
+                        <p:par>
+                          <p:cTn id="118" fill="hold">
+                            <p:stCondLst>
+                              <p:cond delay="0"/>
+                            </p:stCondLst>
+                            <p:childTnLst>
+                              <p:par>
+                                <p:cTn id="119" presetID="1" presetClass="entr" presetSubtype="0" fill="hold" nodeType="clickEffect">
+                                  <p:stCondLst>
+                                    <p:cond delay="0"/>
+                                  </p:stCondLst>
+                                  <p:childTnLst>
+                                    <p:set>
+                                      <p:cBhvr>
+                                        <p:cTn id="120" dur="1" fill="hold">
+                                          <p:stCondLst>
+                                            <p:cond delay="0"/>
+                                          </p:stCondLst>
+                                        </p:cTn>
+                                        <p:tgtEl>
+                                          <p:spTgt spid="101"/>
+                                        </p:tgtEl>
+                                        <p:attrNameLst>
+                                          <p:attrName>style.visibility</p:attrName>
+                                        </p:attrNameLst>
+                                      </p:cBhvr>
+                                      <p:to>
+                                        <p:strVal val="visible"/>
+                                      </p:to>
+                                    </p:set>
+                                  </p:childTnLst>
+                                </p:cTn>
+                              </p:par>
+                              <p:par>
+                                <p:cTn id="121" presetID="1" presetClass="entr" presetSubtype="0" fill="hold" grpId="0" nodeType="withEffect">
+                                  <p:stCondLst>
+                                    <p:cond delay="0"/>
+                                  </p:stCondLst>
+                                  <p:childTnLst>
+                                    <p:set>
+                                      <p:cBhvr>
+                                        <p:cTn id="122" dur="1" fill="hold">
+                                          <p:stCondLst>
+                                            <p:cond delay="0"/>
+                                          </p:stCondLst>
+                                        </p:cTn>
+                                        <p:tgtEl>
+                                          <p:spTgt spid="46"/>
+                                        </p:tgtEl>
+                                        <p:attrNameLst>
+                                          <p:attrName>style.visibility</p:attrName>
+                                        </p:attrNameLst>
+                                      </p:cBhvr>
+                                      <p:to>
+                                        <p:strVal val="visible"/>
+                                      </p:to>
+                                    </p:set>
+                                  </p:childTnLst>
+                                </p:cTn>
+                              </p:par>
+                              <p:par>
+                                <p:cTn id="123" presetID="1" presetClass="entr" presetSubtype="0" fill="hold" nodeType="withEffect">
+                                  <p:stCondLst>
+                                    <p:cond delay="0"/>
+                                  </p:stCondLst>
+                                  <p:childTnLst>
+                                    <p:set>
+                                      <p:cBhvr>
+                                        <p:cTn id="124" dur="1" fill="hold">
+                                          <p:stCondLst>
+                                            <p:cond delay="0"/>
+                                          </p:stCondLst>
+                                        </p:cTn>
+                                        <p:tgtEl>
+                                          <p:spTgt spid="106"/>
+                                        </p:tgtEl>
+                                        <p:attrNameLst>
+                                          <p:attrName>style.visibility</p:attrName>
+                                        </p:attrNameLst>
+                                      </p:cBhvr>
+                                      <p:to>
+                                        <p:strVal val="visible"/>
+                                      </p:to>
+                                    </p:set>
+                                  </p:childTnLst>
+                                </p:cTn>
+                              </p:par>
+                              <p:par>
+                                <p:cTn id="125" presetID="1" presetClass="entr" presetSubtype="0" fill="hold" grpId="0" nodeType="withEffect">
+                                  <p:stCondLst>
+                                    <p:cond delay="0"/>
+                                  </p:stCondLst>
+                                  <p:childTnLst>
+                                    <p:set>
+                                      <p:cBhvr>
+                                        <p:cTn id="126" dur="1" fill="hold">
+                                          <p:stCondLst>
+                                            <p:cond delay="0"/>
+                                          </p:stCondLst>
+                                        </p:cTn>
+                                        <p:tgtEl>
+                                          <p:spTgt spid="45"/>
+                                        </p:tgtEl>
+                                        <p:attrNameLst>
+                                          <p:attrName>style.visibility</p:attrName>
+                                        </p:attrNameLst>
+                                      </p:cBhvr>
+                                      <p:to>
+                                        <p:strVal val="visible"/>
+                                      </p:to>
+                                    </p:set>
+                                  </p:childTnLst>
+                                </p:cTn>
+                              </p:par>
+                            </p:childTnLst>
+                          </p:cTn>
+                        </p:par>
+                      </p:childTnLst>
+                    </p:cTn>
+                  </p:par>
+                  <p:par>
+                    <p:cTn id="127" fill="hold">
+                      <p:stCondLst>
+                        <p:cond delay="indefinite"/>
+                      </p:stCondLst>
+                      <p:childTnLst>
+                        <p:par>
+                          <p:cTn id="128" fill="hold">
+                            <p:stCondLst>
+                              <p:cond delay="0"/>
+                            </p:stCondLst>
+                            <p:childTnLst>
+                              <p:par>
+                                <p:cTn id="129" presetID="1" presetClass="entr" presetSubtype="0" fill="hold" nodeType="clickEffect">
+                                  <p:stCondLst>
+                                    <p:cond delay="0"/>
+                                  </p:stCondLst>
+                                  <p:childTnLst>
+                                    <p:set>
+                                      <p:cBhvr>
+                                        <p:cTn id="130" dur="1" fill="hold">
+                                          <p:stCondLst>
+                                            <p:cond delay="0"/>
+                                          </p:stCondLst>
+                                        </p:cTn>
+                                        <p:tgtEl>
+                                          <p:spTgt spid="90"/>
+                                        </p:tgtEl>
+                                        <p:attrNameLst>
+                                          <p:attrName>style.visibility</p:attrName>
+                                        </p:attrNameLst>
+                                      </p:cBhvr>
+                                      <p:to>
+                                        <p:strVal val="visible"/>
+                                      </p:to>
+                                    </p:set>
+                                  </p:childTnLst>
+                                </p:cTn>
+                              </p:par>
+                              <p:par>
+                                <p:cTn id="131" presetID="1" presetClass="entr" presetSubtype="0" fill="hold" nodeType="withEffect">
+                                  <p:stCondLst>
+                                    <p:cond delay="0"/>
+                                  </p:stCondLst>
+                                  <p:childTnLst>
+                                    <p:set>
+                                      <p:cBhvr>
+                                        <p:cTn id="132" dur="1" fill="hold">
+                                          <p:stCondLst>
+                                            <p:cond delay="0"/>
+                                          </p:stCondLst>
+                                        </p:cTn>
+                                        <p:tgtEl>
+                                          <p:spTgt spid="114"/>
+                                        </p:tgtEl>
+                                        <p:attrNameLst>
+                                          <p:attrName>style.visibility</p:attrName>
+                                        </p:attrNameLst>
+                                      </p:cBhvr>
+                                      <p:to>
+                                        <p:strVal val="visible"/>
+                                      </p:to>
+                                    </p:set>
+                                  </p:childTnLst>
+                                </p:cTn>
+                              </p:par>
+                              <p:par>
+                                <p:cTn id="133" presetID="1" presetClass="entr" presetSubtype="0" fill="hold" nodeType="withEffect">
+                                  <p:stCondLst>
+                                    <p:cond delay="0"/>
+                                  </p:stCondLst>
+                                  <p:childTnLst>
+                                    <p:set>
+                                      <p:cBhvr>
+                                        <p:cTn id="134" dur="1" fill="hold">
+                                          <p:stCondLst>
+                                            <p:cond delay="0"/>
+                                          </p:stCondLst>
+                                        </p:cTn>
+                                        <p:tgtEl>
+                                          <p:spTgt spid="107"/>
+                                        </p:tgtEl>
+                                        <p:attrNameLst>
+                                          <p:attrName>style.visibility</p:attrName>
+                                        </p:attrNameLst>
+                                      </p:cBhvr>
+                                      <p:to>
+                                        <p:strVal val="visible"/>
+                                      </p:to>
+                                    </p:set>
+                                  </p:childTnLst>
+                                </p:cTn>
+                              </p:par>
+                              <p:par>
+                                <p:cTn id="135" presetID="1" presetClass="entr" presetSubtype="0" fill="hold" nodeType="withEffect">
+                                  <p:stCondLst>
+                                    <p:cond delay="0"/>
+                                  </p:stCondLst>
+                                  <p:childTnLst>
+                                    <p:set>
+                                      <p:cBhvr>
+                                        <p:cTn id="136" dur="1" fill="hold">
+                                          <p:stCondLst>
+                                            <p:cond delay="0"/>
+                                          </p:stCondLst>
+                                        </p:cTn>
+                                        <p:tgtEl>
+                                          <p:spTgt spid="108"/>
+                                        </p:tgtEl>
+                                        <p:attrNameLst>
+                                          <p:attrName>style.visibility</p:attrName>
+                                        </p:attrNameLst>
+                                      </p:cBhvr>
+                                      <p:to>
+                                        <p:strVal val="visible"/>
+                                      </p:to>
+                                    </p:set>
+                                  </p:childTnLst>
+                                </p:cTn>
+                              </p:par>
+                              <p:par>
+                                <p:cTn id="137" presetID="1" presetClass="entr" presetSubtype="0" fill="hold" grpId="0" nodeType="withEffect">
+                                  <p:stCondLst>
+                                    <p:cond delay="0"/>
+                                  </p:stCondLst>
+                                  <p:childTnLst>
+                                    <p:set>
+                                      <p:cBhvr>
+                                        <p:cTn id="138" dur="1" fill="hold">
+                                          <p:stCondLst>
+                                            <p:cond delay="0"/>
+                                          </p:stCondLst>
+                                        </p:cTn>
+                                        <p:tgtEl>
+                                          <p:spTgt spid="99"/>
+                                        </p:tgtEl>
+                                        <p:attrNameLst>
+                                          <p:attrName>style.visibility</p:attrName>
+                                        </p:attrNameLst>
+                                      </p:cBhvr>
+                                      <p:to>
+                                        <p:strVal val="visible"/>
+                                      </p:to>
+                                    </p:set>
+                                  </p:childTnLst>
+                                </p:cTn>
+                              </p:par>
+                              <p:par>
+                                <p:cTn id="139" presetID="1" presetClass="entr" presetSubtype="0" fill="hold" grpId="0" nodeType="withEffect">
+                                  <p:stCondLst>
+                                    <p:cond delay="0"/>
+                                  </p:stCondLst>
+                                  <p:childTnLst>
+                                    <p:set>
+                                      <p:cBhvr>
+                                        <p:cTn id="140" dur="1" fill="hold">
+                                          <p:stCondLst>
+                                            <p:cond delay="0"/>
+                                          </p:stCondLst>
+                                        </p:cTn>
+                                        <p:tgtEl>
+                                          <p:spTgt spid="47"/>
+                                        </p:tgtEl>
+                                        <p:attrNameLst>
+                                          <p:attrName>style.visibility</p:attrName>
+                                        </p:attrNameLst>
+                                      </p:cBhvr>
+                                      <p:to>
+                                        <p:strVal val="visible"/>
+                                      </p:to>
+                                    </p:set>
+                                  </p:childTnLst>
+                                </p:cTn>
+                              </p:par>
+                            </p:childTnLst>
+                          </p:cTn>
+                        </p:par>
+                      </p:childTnLst>
+                    </p:cTn>
+                  </p:par>
+                </p:childTnLst>
+              </p:cTn>
+              <p:prevCondLst>
+                <p:cond evt="onPrev" delay="0">
+                  <p:tgtEl>
+                    <p:sldTgt/>
+                  </p:tgtEl>
+                </p:cond>
+              </p:prevCondLst>
+              <p:nextCondLst>
+                <p:cond evt="onNext" delay="0">
+                  <p:tgtEl>
+                    <p:sldTgt/>
+                  </p:tgtEl>
+                </p:cond>
+              </p:nextCondLst>
+            </p:seq>
+          </p:childTnLst>
+        </p:cTn>
+      </p:par>
+    </p:tnLst>
+    <p:bldLst>
+      <p:bldP spid="10" grpId="0" animBg="1"/>
+      <p:bldP spid="11" grpId="0" animBg="1"/>
+      <p:bldP spid="12" grpId="0" animBg="1"/>
+      <p:bldP spid="13" grpId="0" animBg="1"/>
+      <p:bldP spid="15" grpId="0" animBg="1"/>
+      <p:bldP spid="16" grpId="0" animBg="1"/>
+      <p:bldP spid="17" grpId="0" animBg="1"/>
+      <p:bldP spid="18" grpId="0" animBg="1"/>
+      <p:bldP spid="19" grpId="0" animBg="1"/>
+      <p:bldP spid="20" grpId="0" animBg="1"/>
+      <p:bldP spid="21" grpId="0" animBg="1"/>
+      <p:bldP spid="22" grpId="0" animBg="1"/>
+      <p:bldP spid="24" grpId="0" animBg="1"/>
+      <p:bldP spid="25" grpId="0" animBg="1"/>
+      <p:bldP spid="26" grpId="0" animBg="1"/>
+      <p:bldP spid="27" grpId="0" animBg="1"/>
+      <p:bldP spid="28" grpId="0" animBg="1"/>
+      <p:bldP spid="29" grpId="0" animBg="1"/>
+      <p:bldP spid="45" grpId="0" animBg="1"/>
+      <p:bldP spid="46" grpId="0" animBg="1"/>
+      <p:bldP spid="47" grpId="0" animBg="1"/>
+      <p:bldP spid="99" grpId="0" animBg="1"/>
+      <p:bldP spid="116" grpId="0" animBg="1"/>
+    </p:bldLst>
+  </p:timing>
+</p:sld>
+</file>
+
+<file path=ppt/slides/slide7.xml><?xml version="1.0" encoding="utf-8"?>
+<p:sld xmlns:a="http://schemas.openxmlformats.org/drawingml/2006/main" xmlns:r="http://schemas.openxmlformats.org/officeDocument/2006/relationships" xmlns:p="http://schemas.openxmlformats.org/presentationml/2006/main">
+  <p:cSld>
     <p:bg>
       <p:bgPr>
         <a:solidFill>
@@ -6024,1038 +11863,6 @@
 </p:sld>
 </file>
 
-<file path=ppt/slides/slide11.xml><?xml version="1.0" encoding="utf-8"?>
-<p:sld xmlns:a="http://schemas.openxmlformats.org/drawingml/2006/main" xmlns:r="http://schemas.openxmlformats.org/officeDocument/2006/relationships" xmlns:p="http://schemas.openxmlformats.org/presentationml/2006/main">
-  <p:cSld>
-    <p:spTree>
-      <p:nvGrpSpPr>
-        <p:cNvPr id="1" name=""/>
-        <p:cNvGrpSpPr/>
-        <p:nvPr/>
-      </p:nvGrpSpPr>
-      <p:grpSpPr>
-        <a:xfrm>
-          <a:off x="0" y="0"/>
-          <a:ext cx="0" cy="0"/>
-          <a:chOff x="0" y="0"/>
-          <a:chExt cx="0" cy="0"/>
-        </a:xfrm>
-      </p:grpSpPr>
-      <p:sp>
-        <p:nvSpPr>
-          <p:cNvPr id="2" name="Title 1">
-            <a:extLst>
-              <a:ext uri="{FF2B5EF4-FFF2-40B4-BE49-F238E27FC236}">
-                <a16:creationId xmlns:a16="http://schemas.microsoft.com/office/drawing/2014/main" id="{7792E03E-2E33-4B4B-B68F-4DD0F22D1AA6}"/>
-              </a:ext>
-            </a:extLst>
-          </p:cNvPr>
-          <p:cNvSpPr>
-            <a:spLocks noGrp="1"/>
-          </p:cNvSpPr>
-          <p:nvPr>
-            <p:ph type="title"/>
-          </p:nvPr>
-        </p:nvSpPr>
-        <p:spPr/>
-        <p:txBody>
-          <a:bodyPr/>
-          <a:lstStyle/>
-          <a:p>
-            <a:r>
-              <a:rPr lang="en-GB" dirty="0"/>
-              <a:t>Pull Requests</a:t>
-            </a:r>
-          </a:p>
-        </p:txBody>
-      </p:sp>
-      <p:sp>
-        <p:nvSpPr>
-          <p:cNvPr id="3" name="Content Placeholder 2">
-            <a:extLst>
-              <a:ext uri="{FF2B5EF4-FFF2-40B4-BE49-F238E27FC236}">
-                <a16:creationId xmlns:a16="http://schemas.microsoft.com/office/drawing/2014/main" id="{9115DC5C-C03A-4172-B552-F8923020301E}"/>
-              </a:ext>
-            </a:extLst>
-          </p:cNvPr>
-          <p:cNvSpPr>
-            <a:spLocks noGrp="1"/>
-          </p:cNvSpPr>
-          <p:nvPr>
-            <p:ph idx="1"/>
-          </p:nvPr>
-        </p:nvSpPr>
-        <p:spPr/>
-        <p:txBody>
-          <a:bodyPr/>
-          <a:lstStyle/>
-          <a:p>
-            <a:r>
-              <a:rPr lang="en-GB" dirty="0"/>
-              <a:t>Pull Requests are a mechanism for allowing a developer to notify team member that they have completed a feature</a:t>
-            </a:r>
-          </a:p>
-          <a:p>
-            <a:r>
-              <a:rPr lang="en-GB" dirty="0"/>
-              <a:t>Once a developer has completed a feature they will create a pull request between their feature branch and the develop branch</a:t>
-            </a:r>
-          </a:p>
-          <a:p>
-            <a:r>
-              <a:rPr lang="en-GB" dirty="0"/>
-              <a:t>This allows the team to discuss, review and provide feedback on the proposed new feature before it is committed</a:t>
-            </a:r>
-          </a:p>
-          <a:p>
-            <a:r>
-              <a:rPr lang="en-GB" dirty="0"/>
-              <a:t>Depending on the outcome of the review and discussion on the pull requests the pull request may be merged into the develop branch or the original developer will make additional changes to the feature to and update their pull request</a:t>
-            </a:r>
-          </a:p>
-          <a:p>
-            <a:endParaRPr lang="en-GB" dirty="0"/>
-          </a:p>
-        </p:txBody>
-      </p:sp>
-    </p:spTree>
-    <p:extLst>
-      <p:ext uri="{BB962C8B-B14F-4D97-AF65-F5344CB8AC3E}">
-        <p14:creationId xmlns:p14="http://schemas.microsoft.com/office/powerpoint/2010/main" val="3041563480"/>
-      </p:ext>
-    </p:extLst>
-  </p:cSld>
-  <p:clrMapOvr>
-    <a:masterClrMapping/>
-  </p:clrMapOvr>
-</p:sld>
-</file>
-
-<file path=ppt/slides/slide12.xml><?xml version="1.0" encoding="utf-8"?>
-<p:sld xmlns:a="http://schemas.openxmlformats.org/drawingml/2006/main" xmlns:r="http://schemas.openxmlformats.org/officeDocument/2006/relationships" xmlns:p="http://schemas.openxmlformats.org/presentationml/2006/main">
-  <p:cSld>
-    <p:spTree>
-      <p:nvGrpSpPr>
-        <p:cNvPr id="1" name=""/>
-        <p:cNvGrpSpPr/>
-        <p:nvPr/>
-      </p:nvGrpSpPr>
-      <p:grpSpPr>
-        <a:xfrm>
-          <a:off x="0" y="0"/>
-          <a:ext cx="0" cy="0"/>
-          <a:chOff x="0" y="0"/>
-          <a:chExt cx="0" cy="0"/>
-        </a:xfrm>
-      </p:grpSpPr>
-      <p:sp>
-        <p:nvSpPr>
-          <p:cNvPr id="2" name="Title 1">
-            <a:extLst>
-              <a:ext uri="{FF2B5EF4-FFF2-40B4-BE49-F238E27FC236}">
-                <a16:creationId xmlns:a16="http://schemas.microsoft.com/office/drawing/2014/main" id="{F033133B-27FA-48DE-B8D3-5C9C0883F359}"/>
-              </a:ext>
-            </a:extLst>
-          </p:cNvPr>
-          <p:cNvSpPr>
-            <a:spLocks noGrp="1"/>
-          </p:cNvSpPr>
-          <p:nvPr>
-            <p:ph type="ctrTitle"/>
-          </p:nvPr>
-        </p:nvSpPr>
-        <p:spPr/>
-        <p:txBody>
-          <a:bodyPr/>
-          <a:lstStyle/>
-          <a:p>
-            <a:r>
-              <a:rPr lang="en-GB" dirty="0"/>
-              <a:t>Questions?</a:t>
-            </a:r>
-          </a:p>
-        </p:txBody>
-      </p:sp>
-    </p:spTree>
-    <p:extLst>
-      <p:ext uri="{BB962C8B-B14F-4D97-AF65-F5344CB8AC3E}">
-        <p14:creationId xmlns:p14="http://schemas.microsoft.com/office/powerpoint/2010/main" val="2423895279"/>
-      </p:ext>
-    </p:extLst>
-  </p:cSld>
-  <p:clrMapOvr>
-    <a:masterClrMapping/>
-  </p:clrMapOvr>
-</p:sld>
-</file>
-
-<file path=ppt/slides/slide13.xml><?xml version="1.0" encoding="utf-8"?>
-<p:sld xmlns:a="http://schemas.openxmlformats.org/drawingml/2006/main" xmlns:r="http://schemas.openxmlformats.org/officeDocument/2006/relationships" xmlns:p="http://schemas.openxmlformats.org/presentationml/2006/main">
-  <p:cSld>
-    <p:spTree>
-      <p:nvGrpSpPr>
-        <p:cNvPr id="1" name=""/>
-        <p:cNvGrpSpPr/>
-        <p:nvPr/>
-      </p:nvGrpSpPr>
-      <p:grpSpPr>
-        <a:xfrm>
-          <a:off x="0" y="0"/>
-          <a:ext cx="0" cy="0"/>
-          <a:chOff x="0" y="0"/>
-          <a:chExt cx="0" cy="0"/>
-        </a:xfrm>
-      </p:grpSpPr>
-      <p:sp>
-        <p:nvSpPr>
-          <p:cNvPr id="2" name="Title 1">
-            <a:extLst>
-              <a:ext uri="{FF2B5EF4-FFF2-40B4-BE49-F238E27FC236}">
-                <a16:creationId xmlns:a16="http://schemas.microsoft.com/office/drawing/2014/main" id="{8841617B-75E6-44FE-A9B7-9B8C9F292876}"/>
-              </a:ext>
-            </a:extLst>
-          </p:cNvPr>
-          <p:cNvSpPr>
-            <a:spLocks noGrp="1"/>
-          </p:cNvSpPr>
-          <p:nvPr>
-            <p:ph type="title"/>
-          </p:nvPr>
-        </p:nvSpPr>
-        <p:spPr/>
-        <p:txBody>
-          <a:bodyPr/>
-          <a:lstStyle/>
-          <a:p>
-            <a:r>
-              <a:rPr lang="en-GB" dirty="0"/>
-              <a:t>Workshop</a:t>
-            </a:r>
-          </a:p>
-        </p:txBody>
-      </p:sp>
-      <p:sp>
-        <p:nvSpPr>
-          <p:cNvPr id="3" name="Content Placeholder 2">
-            <a:extLst>
-              <a:ext uri="{FF2B5EF4-FFF2-40B4-BE49-F238E27FC236}">
-                <a16:creationId xmlns:a16="http://schemas.microsoft.com/office/drawing/2014/main" id="{25DBF651-E35E-4460-8ACB-33005248FB0F}"/>
-              </a:ext>
-            </a:extLst>
-          </p:cNvPr>
-          <p:cNvSpPr>
-            <a:spLocks noGrp="1"/>
-          </p:cNvSpPr>
-          <p:nvPr>
-            <p:ph idx="1"/>
-          </p:nvPr>
-        </p:nvSpPr>
-        <p:spPr/>
-        <p:txBody>
-          <a:bodyPr/>
-          <a:lstStyle/>
-          <a:p>
-            <a:r>
-              <a:rPr lang="en-US" dirty="0"/>
-              <a:t>Go to </a:t>
-            </a:r>
-            <a:r>
-              <a:rPr lang="en-US" dirty="0">
-                <a:hlinkClick r:id="rId2"/>
-              </a:rPr>
-              <a:t>https://github.com/jameswhale/git-introduction/</a:t>
-            </a:r>
-            <a:endParaRPr lang="en-US" dirty="0"/>
-          </a:p>
-          <a:p>
-            <a:r>
-              <a:rPr lang="en-US" dirty="0"/>
-              <a:t>Work through </a:t>
-            </a:r>
-            <a:r>
-              <a:rPr lang="en-US" dirty="0">
-                <a:hlinkClick r:id="rId3" tooltip="meetup-api-workshop.md"/>
-              </a:rPr>
-              <a:t>meetup-git-workshop.md</a:t>
-            </a:r>
-            <a:endParaRPr lang="en-US" dirty="0"/>
-          </a:p>
-          <a:p>
-            <a:r>
-              <a:rPr lang="en-US" dirty="0"/>
-              <a:t>Ask myself or Alison questions about it or anything else</a:t>
-            </a:r>
-          </a:p>
-          <a:p>
-            <a:endParaRPr lang="en-GB" dirty="0"/>
-          </a:p>
-        </p:txBody>
-      </p:sp>
-    </p:spTree>
-    <p:extLst>
-      <p:ext uri="{BB962C8B-B14F-4D97-AF65-F5344CB8AC3E}">
-        <p14:creationId xmlns:p14="http://schemas.microsoft.com/office/powerpoint/2010/main" val="307625424"/>
-      </p:ext>
-    </p:extLst>
-  </p:cSld>
-  <p:clrMapOvr>
-    <a:masterClrMapping/>
-  </p:clrMapOvr>
-</p:sld>
-</file>
-
-<file path=ppt/slides/slide2.xml><?xml version="1.0" encoding="utf-8"?>
-<p:sld xmlns:a="http://schemas.openxmlformats.org/drawingml/2006/main" xmlns:r="http://schemas.openxmlformats.org/officeDocument/2006/relationships" xmlns:p="http://schemas.openxmlformats.org/presentationml/2006/main">
-  <p:cSld>
-    <p:spTree>
-      <p:nvGrpSpPr>
-        <p:cNvPr id="1" name=""/>
-        <p:cNvGrpSpPr/>
-        <p:nvPr/>
-      </p:nvGrpSpPr>
-      <p:grpSpPr>
-        <a:xfrm>
-          <a:off x="0" y="0"/>
-          <a:ext cx="0" cy="0"/>
-          <a:chOff x="0" y="0"/>
-          <a:chExt cx="0" cy="0"/>
-        </a:xfrm>
-      </p:grpSpPr>
-      <p:sp>
-        <p:nvSpPr>
-          <p:cNvPr id="2" name="Title 1">
-            <a:extLst>
-              <a:ext uri="{FF2B5EF4-FFF2-40B4-BE49-F238E27FC236}">
-                <a16:creationId xmlns:a16="http://schemas.microsoft.com/office/drawing/2014/main" id="{D1E7F00A-E909-4AB6-AF55-C4B1AB037EC3}"/>
-              </a:ext>
-            </a:extLst>
-          </p:cNvPr>
-          <p:cNvSpPr>
-            <a:spLocks noGrp="1"/>
-          </p:cNvSpPr>
-          <p:nvPr>
-            <p:ph type="title"/>
-          </p:nvPr>
-        </p:nvSpPr>
-        <p:spPr/>
-        <p:txBody>
-          <a:bodyPr/>
-          <a:lstStyle/>
-          <a:p>
-            <a:r>
-              <a:rPr lang="en-GB" dirty="0"/>
-              <a:t>What is Git?</a:t>
-            </a:r>
-          </a:p>
-        </p:txBody>
-      </p:sp>
-      <p:pic>
-        <p:nvPicPr>
-          <p:cNvPr id="4" name="Content Placeholder 4">
-            <a:extLst>
-              <a:ext uri="{FF2B5EF4-FFF2-40B4-BE49-F238E27FC236}">
-                <a16:creationId xmlns:a16="http://schemas.microsoft.com/office/drawing/2014/main" id="{F362223F-0FDD-43EF-A374-13CD996F3227}"/>
-              </a:ext>
-            </a:extLst>
-          </p:cNvPr>
-          <p:cNvPicPr>
-            <a:picLocks noGrp="1" noChangeAspect="1"/>
-          </p:cNvPicPr>
-          <p:nvPr>
-            <p:ph idx="1"/>
-          </p:nvPr>
-        </p:nvPicPr>
-        <p:blipFill>
-          <a:blip r:embed="rId2">
-            <a:extLst>
-              <a:ext uri="{28A0092B-C50C-407E-A947-70E740481C1C}">
-                <a14:useLocalDpi xmlns:a14="http://schemas.microsoft.com/office/drawing/2010/main" val="0"/>
-              </a:ext>
-            </a:extLst>
-          </a:blip>
-          <a:stretch>
-            <a:fillRect/>
-          </a:stretch>
-        </p:blipFill>
-        <p:spPr>
-          <a:xfrm>
-            <a:off x="3922520" y="609600"/>
-            <a:ext cx="4113116" cy="5957789"/>
-          </a:xfrm>
-          <a:prstGeom prst="rect">
-            <a:avLst/>
-          </a:prstGeom>
-          <a:noFill/>
-          <a:ln>
-            <a:noFill/>
-          </a:ln>
-          <a:effectLst>
-            <a:glow rad="127000">
-              <a:schemeClr val="accent1">
-                <a:alpha val="0"/>
-              </a:schemeClr>
-            </a:glow>
-            <a:softEdge rad="112500"/>
-          </a:effectLst>
-        </p:spPr>
-      </p:pic>
-    </p:spTree>
-    <p:extLst>
-      <p:ext uri="{BB962C8B-B14F-4D97-AF65-F5344CB8AC3E}">
-        <p14:creationId xmlns:p14="http://schemas.microsoft.com/office/powerpoint/2010/main" val="3165689948"/>
-      </p:ext>
-    </p:extLst>
-  </p:cSld>
-  <p:clrMapOvr>
-    <a:masterClrMapping/>
-  </p:clrMapOvr>
-</p:sld>
-</file>
-
-<file path=ppt/slides/slide3.xml><?xml version="1.0" encoding="utf-8"?>
-<p:sld xmlns:a="http://schemas.openxmlformats.org/drawingml/2006/main" xmlns:r="http://schemas.openxmlformats.org/officeDocument/2006/relationships" xmlns:p="http://schemas.openxmlformats.org/presentationml/2006/main">
-  <p:cSld>
-    <p:spTree>
-      <p:nvGrpSpPr>
-        <p:cNvPr id="1" name=""/>
-        <p:cNvGrpSpPr/>
-        <p:nvPr/>
-      </p:nvGrpSpPr>
-      <p:grpSpPr>
-        <a:xfrm>
-          <a:off x="0" y="0"/>
-          <a:ext cx="0" cy="0"/>
-          <a:chOff x="0" y="0"/>
-          <a:chExt cx="0" cy="0"/>
-        </a:xfrm>
-      </p:grpSpPr>
-      <p:sp>
-        <p:nvSpPr>
-          <p:cNvPr id="2" name="Title 1">
-            <a:extLst>
-              <a:ext uri="{FF2B5EF4-FFF2-40B4-BE49-F238E27FC236}">
-                <a16:creationId xmlns:a16="http://schemas.microsoft.com/office/drawing/2014/main" id="{D1E7F00A-E909-4AB6-AF55-C4B1AB037EC3}"/>
-              </a:ext>
-            </a:extLst>
-          </p:cNvPr>
-          <p:cNvSpPr>
-            <a:spLocks noGrp="1"/>
-          </p:cNvSpPr>
-          <p:nvPr>
-            <p:ph type="title"/>
-          </p:nvPr>
-        </p:nvSpPr>
-        <p:spPr/>
-        <p:txBody>
-          <a:bodyPr/>
-          <a:lstStyle/>
-          <a:p>
-            <a:r>
-              <a:rPr lang="en-GB" dirty="0"/>
-              <a:t>Using Git collaboratively</a:t>
-            </a:r>
-          </a:p>
-        </p:txBody>
-      </p:sp>
-      <p:sp>
-        <p:nvSpPr>
-          <p:cNvPr id="3" name="Content Placeholder 2">
-            <a:extLst>
-              <a:ext uri="{FF2B5EF4-FFF2-40B4-BE49-F238E27FC236}">
-                <a16:creationId xmlns:a16="http://schemas.microsoft.com/office/drawing/2014/main" id="{E3EE08D3-ECBE-44D0-8203-6F713894CF5F}"/>
-              </a:ext>
-            </a:extLst>
-          </p:cNvPr>
-          <p:cNvSpPr>
-            <a:spLocks noGrp="1"/>
-          </p:cNvSpPr>
-          <p:nvPr>
-            <p:ph idx="1"/>
-          </p:nvPr>
-        </p:nvSpPr>
-        <p:spPr/>
-        <p:txBody>
-          <a:bodyPr/>
-          <a:lstStyle/>
-          <a:p>
-            <a:r>
-              <a:rPr lang="en-GB" dirty="0"/>
-              <a:t>Git allow a team of developers to work collaboratively on the same project at the same time</a:t>
-            </a:r>
-          </a:p>
-          <a:p>
-            <a:r>
-              <a:rPr lang="en-GB" dirty="0" err="1"/>
-              <a:t>Gitflow</a:t>
-            </a:r>
-            <a:r>
-              <a:rPr lang="en-GB" dirty="0"/>
-              <a:t> model</a:t>
-            </a:r>
-          </a:p>
-          <a:p>
-            <a:r>
-              <a:rPr lang="en-GB" dirty="0"/>
-              <a:t>Pull Requests</a:t>
-            </a:r>
-          </a:p>
-          <a:p>
-            <a:endParaRPr lang="en-GB" dirty="0"/>
-          </a:p>
-          <a:p>
-            <a:pPr marL="0" indent="0">
-              <a:buNone/>
-            </a:pPr>
-            <a:endParaRPr lang="en-GB" dirty="0"/>
-          </a:p>
-          <a:p>
-            <a:pPr marL="0" indent="0">
-              <a:buNone/>
-            </a:pPr>
-            <a:endParaRPr lang="en-GB" dirty="0"/>
-          </a:p>
-          <a:p>
-            <a:pPr marL="0" indent="0">
-              <a:buNone/>
-            </a:pPr>
-            <a:endParaRPr lang="en-GB" dirty="0"/>
-          </a:p>
-          <a:p>
-            <a:endParaRPr lang="en-GB" dirty="0"/>
-          </a:p>
-        </p:txBody>
-      </p:sp>
-    </p:spTree>
-    <p:extLst>
-      <p:ext uri="{BB962C8B-B14F-4D97-AF65-F5344CB8AC3E}">
-        <p14:creationId xmlns:p14="http://schemas.microsoft.com/office/powerpoint/2010/main" val="3812656261"/>
-      </p:ext>
-    </p:extLst>
-  </p:cSld>
-  <p:clrMapOvr>
-    <a:masterClrMapping/>
-  </p:clrMapOvr>
-</p:sld>
-</file>
-
-<file path=ppt/slides/slide4.xml><?xml version="1.0" encoding="utf-8"?>
-<p:sld xmlns:a="http://schemas.openxmlformats.org/drawingml/2006/main" xmlns:r="http://schemas.openxmlformats.org/officeDocument/2006/relationships" xmlns:p="http://schemas.openxmlformats.org/presentationml/2006/main">
-  <p:cSld>
-    <p:spTree>
-      <p:nvGrpSpPr>
-        <p:cNvPr id="1" name=""/>
-        <p:cNvGrpSpPr/>
-        <p:nvPr/>
-      </p:nvGrpSpPr>
-      <p:grpSpPr>
-        <a:xfrm>
-          <a:off x="0" y="0"/>
-          <a:ext cx="0" cy="0"/>
-          <a:chOff x="0" y="0"/>
-          <a:chExt cx="0" cy="0"/>
-        </a:xfrm>
-      </p:grpSpPr>
-      <p:sp>
-        <p:nvSpPr>
-          <p:cNvPr id="2" name="Title 1">
-            <a:extLst>
-              <a:ext uri="{FF2B5EF4-FFF2-40B4-BE49-F238E27FC236}">
-                <a16:creationId xmlns:a16="http://schemas.microsoft.com/office/drawing/2014/main" id="{D1E7F00A-E909-4AB6-AF55-C4B1AB037EC3}"/>
-              </a:ext>
-            </a:extLst>
-          </p:cNvPr>
-          <p:cNvSpPr>
-            <a:spLocks noGrp="1"/>
-          </p:cNvSpPr>
-          <p:nvPr>
-            <p:ph type="title"/>
-          </p:nvPr>
-        </p:nvSpPr>
-        <p:spPr/>
-        <p:txBody>
-          <a:bodyPr/>
-          <a:lstStyle/>
-          <a:p>
-            <a:r>
-              <a:rPr lang="en-GB" dirty="0" err="1"/>
-              <a:t>Gitflow</a:t>
-            </a:r>
-            <a:r>
-              <a:rPr lang="en-GB" dirty="0"/>
-              <a:t> model</a:t>
-            </a:r>
-          </a:p>
-        </p:txBody>
-      </p:sp>
-      <p:sp>
-        <p:nvSpPr>
-          <p:cNvPr id="3" name="Content Placeholder 2">
-            <a:extLst>
-              <a:ext uri="{FF2B5EF4-FFF2-40B4-BE49-F238E27FC236}">
-                <a16:creationId xmlns:a16="http://schemas.microsoft.com/office/drawing/2014/main" id="{E3EE08D3-ECBE-44D0-8203-6F713894CF5F}"/>
-              </a:ext>
-            </a:extLst>
-          </p:cNvPr>
-          <p:cNvSpPr>
-            <a:spLocks noGrp="1"/>
-          </p:cNvSpPr>
-          <p:nvPr>
-            <p:ph idx="1"/>
-          </p:nvPr>
-        </p:nvSpPr>
-        <p:spPr/>
-        <p:txBody>
-          <a:bodyPr/>
-          <a:lstStyle/>
-          <a:p>
-            <a:r>
-              <a:rPr lang="en-GB" dirty="0"/>
-              <a:t>Master branch</a:t>
-            </a:r>
-          </a:p>
-          <a:p>
-            <a:r>
-              <a:rPr lang="en-GB" dirty="0"/>
-              <a:t>Develop branch</a:t>
-            </a:r>
-          </a:p>
-          <a:p>
-            <a:r>
-              <a:rPr lang="en-GB" dirty="0"/>
-              <a:t>Feature branches</a:t>
-            </a:r>
-          </a:p>
-          <a:p>
-            <a:r>
-              <a:rPr lang="en-GB" dirty="0"/>
-              <a:t>Release branches</a:t>
-            </a:r>
-          </a:p>
-          <a:p>
-            <a:r>
-              <a:rPr lang="en-GB" dirty="0"/>
-              <a:t>Hotfix branches</a:t>
-            </a:r>
-          </a:p>
-          <a:p>
-            <a:pPr marL="0" indent="0">
-              <a:buNone/>
-            </a:pPr>
-            <a:endParaRPr lang="en-GB" dirty="0"/>
-          </a:p>
-          <a:p>
-            <a:pPr marL="0" indent="0">
-              <a:buNone/>
-            </a:pPr>
-            <a:endParaRPr lang="en-GB" dirty="0"/>
-          </a:p>
-          <a:p>
-            <a:pPr marL="0" indent="0">
-              <a:buNone/>
-            </a:pPr>
-            <a:endParaRPr lang="en-GB" dirty="0"/>
-          </a:p>
-          <a:p>
-            <a:endParaRPr lang="en-GB" dirty="0"/>
-          </a:p>
-        </p:txBody>
-      </p:sp>
-    </p:spTree>
-    <p:extLst>
-      <p:ext uri="{BB962C8B-B14F-4D97-AF65-F5344CB8AC3E}">
-        <p14:creationId xmlns:p14="http://schemas.microsoft.com/office/powerpoint/2010/main" val="1574115086"/>
-      </p:ext>
-    </p:extLst>
-  </p:cSld>
-  <p:clrMapOvr>
-    <a:masterClrMapping/>
-  </p:clrMapOvr>
-</p:sld>
-</file>
-
-<file path=ppt/slides/slide5.xml><?xml version="1.0" encoding="utf-8"?>
-<p:sld xmlns:a="http://schemas.openxmlformats.org/drawingml/2006/main" xmlns:r="http://schemas.openxmlformats.org/officeDocument/2006/relationships" xmlns:p="http://schemas.openxmlformats.org/presentationml/2006/main">
-  <p:cSld>
-    <p:spTree>
-      <p:nvGrpSpPr>
-        <p:cNvPr id="1" name=""/>
-        <p:cNvGrpSpPr/>
-        <p:nvPr/>
-      </p:nvGrpSpPr>
-      <p:grpSpPr>
-        <a:xfrm>
-          <a:off x="0" y="0"/>
-          <a:ext cx="0" cy="0"/>
-          <a:chOff x="0" y="0"/>
-          <a:chExt cx="0" cy="0"/>
-        </a:xfrm>
-      </p:grpSpPr>
-      <p:sp>
-        <p:nvSpPr>
-          <p:cNvPr id="2" name="Title 1">
-            <a:extLst>
-              <a:ext uri="{FF2B5EF4-FFF2-40B4-BE49-F238E27FC236}">
-                <a16:creationId xmlns:a16="http://schemas.microsoft.com/office/drawing/2014/main" id="{D1E7F00A-E909-4AB6-AF55-C4B1AB037EC3}"/>
-              </a:ext>
-            </a:extLst>
-          </p:cNvPr>
-          <p:cNvSpPr>
-            <a:spLocks noGrp="1"/>
-          </p:cNvSpPr>
-          <p:nvPr>
-            <p:ph type="title"/>
-          </p:nvPr>
-        </p:nvSpPr>
-        <p:spPr/>
-        <p:txBody>
-          <a:bodyPr/>
-          <a:lstStyle/>
-          <a:p>
-            <a:r>
-              <a:rPr lang="en-GB" dirty="0"/>
-              <a:t>Master branch</a:t>
-            </a:r>
-          </a:p>
-        </p:txBody>
-      </p:sp>
-      <p:sp>
-        <p:nvSpPr>
-          <p:cNvPr id="3" name="Content Placeholder 2">
-            <a:extLst>
-              <a:ext uri="{FF2B5EF4-FFF2-40B4-BE49-F238E27FC236}">
-                <a16:creationId xmlns:a16="http://schemas.microsoft.com/office/drawing/2014/main" id="{E3EE08D3-ECBE-44D0-8203-6F713894CF5F}"/>
-              </a:ext>
-            </a:extLst>
-          </p:cNvPr>
-          <p:cNvSpPr>
-            <a:spLocks noGrp="1"/>
-          </p:cNvSpPr>
-          <p:nvPr>
-            <p:ph idx="1"/>
-          </p:nvPr>
-        </p:nvSpPr>
-        <p:spPr/>
-        <p:txBody>
-          <a:bodyPr/>
-          <a:lstStyle/>
-          <a:p>
-            <a:r>
-              <a:rPr lang="en-GB" dirty="0"/>
-              <a:t>The master branch is the main branch of a project</a:t>
-            </a:r>
-          </a:p>
-          <a:p>
-            <a:r>
-              <a:rPr lang="en-GB" dirty="0"/>
-              <a:t>The master branch is a permanent branch</a:t>
-            </a:r>
-          </a:p>
-          <a:p>
-            <a:r>
-              <a:rPr lang="en-GB" dirty="0"/>
-              <a:t>It should represent the production state of the repository</a:t>
-            </a:r>
-          </a:p>
-          <a:p>
-            <a:r>
-              <a:rPr lang="en-GB" dirty="0"/>
-              <a:t>Access to the master branch should be tightly controlled </a:t>
-            </a:r>
-          </a:p>
-          <a:p>
-            <a:r>
-              <a:rPr lang="en-GB" dirty="0"/>
-              <a:t>Whenever changes are merged into the master this branch, this is a new production release</a:t>
-            </a:r>
-          </a:p>
-          <a:p>
-            <a:pPr marL="0" indent="0">
-              <a:buNone/>
-            </a:pPr>
-            <a:endParaRPr lang="en-GB" dirty="0"/>
-          </a:p>
-          <a:p>
-            <a:pPr marL="0" indent="0">
-              <a:buNone/>
-            </a:pPr>
-            <a:endParaRPr lang="en-GB" dirty="0"/>
-          </a:p>
-          <a:p>
-            <a:pPr marL="0" indent="0">
-              <a:buNone/>
-            </a:pPr>
-            <a:endParaRPr lang="en-GB" dirty="0"/>
-          </a:p>
-          <a:p>
-            <a:endParaRPr lang="en-GB" dirty="0"/>
-          </a:p>
-        </p:txBody>
-      </p:sp>
-    </p:spTree>
-    <p:extLst>
-      <p:ext uri="{BB962C8B-B14F-4D97-AF65-F5344CB8AC3E}">
-        <p14:creationId xmlns:p14="http://schemas.microsoft.com/office/powerpoint/2010/main" val="69283907"/>
-      </p:ext>
-    </p:extLst>
-  </p:cSld>
-  <p:clrMapOvr>
-    <a:masterClrMapping/>
-  </p:clrMapOvr>
-</p:sld>
-</file>
-
-<file path=ppt/slides/slide6.xml><?xml version="1.0" encoding="utf-8"?>
-<p:sld xmlns:a="http://schemas.openxmlformats.org/drawingml/2006/main" xmlns:r="http://schemas.openxmlformats.org/officeDocument/2006/relationships" xmlns:p="http://schemas.openxmlformats.org/presentationml/2006/main">
-  <p:cSld>
-    <p:spTree>
-      <p:nvGrpSpPr>
-        <p:cNvPr id="1" name=""/>
-        <p:cNvGrpSpPr/>
-        <p:nvPr/>
-      </p:nvGrpSpPr>
-      <p:grpSpPr>
-        <a:xfrm>
-          <a:off x="0" y="0"/>
-          <a:ext cx="0" cy="0"/>
-          <a:chOff x="0" y="0"/>
-          <a:chExt cx="0" cy="0"/>
-        </a:xfrm>
-      </p:grpSpPr>
-      <p:sp>
-        <p:nvSpPr>
-          <p:cNvPr id="2" name="Title 1">
-            <a:extLst>
-              <a:ext uri="{FF2B5EF4-FFF2-40B4-BE49-F238E27FC236}">
-                <a16:creationId xmlns:a16="http://schemas.microsoft.com/office/drawing/2014/main" id="{D1E7F00A-E909-4AB6-AF55-C4B1AB037EC3}"/>
-              </a:ext>
-            </a:extLst>
-          </p:cNvPr>
-          <p:cNvSpPr>
-            <a:spLocks noGrp="1"/>
-          </p:cNvSpPr>
-          <p:nvPr>
-            <p:ph type="title"/>
-          </p:nvPr>
-        </p:nvSpPr>
-        <p:spPr/>
-        <p:txBody>
-          <a:bodyPr/>
-          <a:lstStyle/>
-          <a:p>
-            <a:r>
-              <a:rPr lang="en-GB" dirty="0"/>
-              <a:t>Develop branch</a:t>
-            </a:r>
-          </a:p>
-        </p:txBody>
-      </p:sp>
-      <p:sp>
-        <p:nvSpPr>
-          <p:cNvPr id="3" name="Content Placeholder 2">
-            <a:extLst>
-              <a:ext uri="{FF2B5EF4-FFF2-40B4-BE49-F238E27FC236}">
-                <a16:creationId xmlns:a16="http://schemas.microsoft.com/office/drawing/2014/main" id="{E3EE08D3-ECBE-44D0-8203-6F713894CF5F}"/>
-              </a:ext>
-            </a:extLst>
-          </p:cNvPr>
-          <p:cNvSpPr>
-            <a:spLocks noGrp="1"/>
-          </p:cNvSpPr>
-          <p:nvPr>
-            <p:ph idx="1"/>
-          </p:nvPr>
-        </p:nvSpPr>
-        <p:spPr/>
-        <p:txBody>
-          <a:bodyPr/>
-          <a:lstStyle/>
-          <a:p>
-            <a:r>
-              <a:rPr lang="en-GB" dirty="0"/>
-              <a:t>The develop branch is a permanent branch</a:t>
-            </a:r>
-          </a:p>
-          <a:p>
-            <a:r>
-              <a:rPr lang="en-GB" dirty="0"/>
-              <a:t>It’s state should represent the latest delivered development ready for the next release</a:t>
-            </a:r>
-          </a:p>
-          <a:p>
-            <a:r>
-              <a:rPr lang="en-GB" dirty="0"/>
-              <a:t>Sometime called the integration branch</a:t>
-            </a:r>
-          </a:p>
-          <a:p>
-            <a:r>
-              <a:rPr lang="en-GB" dirty="0"/>
-              <a:t>When the develop branch is in a stable state and is ready for a new release, the develop branch will be merged into the master branch</a:t>
-            </a:r>
-          </a:p>
-          <a:p>
-            <a:pPr marL="0" indent="0">
-              <a:buNone/>
-            </a:pPr>
-            <a:endParaRPr lang="en-GB" dirty="0"/>
-          </a:p>
-          <a:p>
-            <a:pPr marL="0" indent="0">
-              <a:buNone/>
-            </a:pPr>
-            <a:endParaRPr lang="en-GB" dirty="0"/>
-          </a:p>
-          <a:p>
-            <a:pPr marL="0" indent="0">
-              <a:buNone/>
-            </a:pPr>
-            <a:endParaRPr lang="en-GB" dirty="0"/>
-          </a:p>
-          <a:p>
-            <a:endParaRPr lang="en-GB" dirty="0"/>
-          </a:p>
-        </p:txBody>
-      </p:sp>
-    </p:spTree>
-    <p:extLst>
-      <p:ext uri="{BB962C8B-B14F-4D97-AF65-F5344CB8AC3E}">
-        <p14:creationId xmlns:p14="http://schemas.microsoft.com/office/powerpoint/2010/main" val="3013327319"/>
-      </p:ext>
-    </p:extLst>
-  </p:cSld>
-  <p:clrMapOvr>
-    <a:masterClrMapping/>
-  </p:clrMapOvr>
-</p:sld>
-</file>
-
-<file path=ppt/slides/slide7.xml><?xml version="1.0" encoding="utf-8"?>
-<p:sld xmlns:a="http://schemas.openxmlformats.org/drawingml/2006/main" xmlns:r="http://schemas.openxmlformats.org/officeDocument/2006/relationships" xmlns:p="http://schemas.openxmlformats.org/presentationml/2006/main">
-  <p:cSld>
-    <p:spTree>
-      <p:nvGrpSpPr>
-        <p:cNvPr id="1" name=""/>
-        <p:cNvGrpSpPr/>
-        <p:nvPr/>
-      </p:nvGrpSpPr>
-      <p:grpSpPr>
-        <a:xfrm>
-          <a:off x="0" y="0"/>
-          <a:ext cx="0" cy="0"/>
-          <a:chOff x="0" y="0"/>
-          <a:chExt cx="0" cy="0"/>
-        </a:xfrm>
-      </p:grpSpPr>
-      <p:sp>
-        <p:nvSpPr>
-          <p:cNvPr id="2" name="Title 1">
-            <a:extLst>
-              <a:ext uri="{FF2B5EF4-FFF2-40B4-BE49-F238E27FC236}">
-                <a16:creationId xmlns:a16="http://schemas.microsoft.com/office/drawing/2014/main" id="{D1E7F00A-E909-4AB6-AF55-C4B1AB037EC3}"/>
-              </a:ext>
-            </a:extLst>
-          </p:cNvPr>
-          <p:cNvSpPr>
-            <a:spLocks noGrp="1"/>
-          </p:cNvSpPr>
-          <p:nvPr>
-            <p:ph type="title"/>
-          </p:nvPr>
-        </p:nvSpPr>
-        <p:spPr/>
-        <p:txBody>
-          <a:bodyPr/>
-          <a:lstStyle/>
-          <a:p>
-            <a:r>
-              <a:rPr lang="en-GB" dirty="0"/>
-              <a:t>Feature branches</a:t>
-            </a:r>
-          </a:p>
-        </p:txBody>
-      </p:sp>
-      <p:sp>
-        <p:nvSpPr>
-          <p:cNvPr id="3" name="Content Placeholder 2">
-            <a:extLst>
-              <a:ext uri="{FF2B5EF4-FFF2-40B4-BE49-F238E27FC236}">
-                <a16:creationId xmlns:a16="http://schemas.microsoft.com/office/drawing/2014/main" id="{E3EE08D3-ECBE-44D0-8203-6F713894CF5F}"/>
-              </a:ext>
-            </a:extLst>
-          </p:cNvPr>
-          <p:cNvSpPr>
-            <a:spLocks noGrp="1"/>
-          </p:cNvSpPr>
-          <p:nvPr>
-            <p:ph idx="1"/>
-          </p:nvPr>
-        </p:nvSpPr>
-        <p:spPr>
-          <a:xfrm>
-            <a:off x="677334" y="2160589"/>
-            <a:ext cx="8596668" cy="3880773"/>
-          </a:xfrm>
-        </p:spPr>
-        <p:txBody>
-          <a:bodyPr/>
-          <a:lstStyle/>
-          <a:p>
-            <a:r>
-              <a:rPr lang="en-GB" dirty="0"/>
-              <a:t>A feature branch is a short lived branch used to develop a new feature</a:t>
-            </a:r>
-          </a:p>
-          <a:p>
-            <a:r>
-              <a:rPr lang="en-GB" dirty="0"/>
-              <a:t>Feature branches will usually branch from the develop branch</a:t>
-            </a:r>
-          </a:p>
-          <a:p>
-            <a:r>
-              <a:rPr lang="en-GB" dirty="0"/>
-              <a:t>Feature branches should always be merged back into the develop branch</a:t>
-            </a:r>
-          </a:p>
-          <a:p>
-            <a:r>
-              <a:rPr lang="en-GB" dirty="0"/>
-              <a:t>Feature branches should only exist for the duration of the development of the new feature</a:t>
-            </a:r>
-          </a:p>
-          <a:p>
-            <a:endParaRPr lang="en-GB" dirty="0"/>
-          </a:p>
-          <a:p>
-            <a:pPr marL="0" indent="0">
-              <a:buNone/>
-            </a:pPr>
-            <a:endParaRPr lang="en-GB" dirty="0"/>
-          </a:p>
-          <a:p>
-            <a:pPr marL="0" indent="0">
-              <a:buNone/>
-            </a:pPr>
-            <a:endParaRPr lang="en-GB" dirty="0"/>
-          </a:p>
-          <a:p>
-            <a:endParaRPr lang="en-GB" dirty="0"/>
-          </a:p>
-        </p:txBody>
-      </p:sp>
-    </p:spTree>
-    <p:extLst>
-      <p:ext uri="{BB962C8B-B14F-4D97-AF65-F5344CB8AC3E}">
-        <p14:creationId xmlns:p14="http://schemas.microsoft.com/office/powerpoint/2010/main" val="3594929325"/>
-      </p:ext>
-    </p:extLst>
-  </p:cSld>
-  <p:clrMapOvr>
-    <a:masterClrMapping/>
-  </p:clrMapOvr>
-</p:sld>
-</file>
-
 <file path=ppt/slides/slide8.xml><?xml version="1.0" encoding="utf-8"?>
 <p:sld xmlns:a="http://schemas.openxmlformats.org/drawingml/2006/main" xmlns:r="http://schemas.openxmlformats.org/officeDocument/2006/relationships" xmlns:p="http://schemas.openxmlformats.org/presentationml/2006/main">
   <p:cSld>
@@ -7096,7 +11903,7 @@
           <a:p>
             <a:r>
               <a:rPr lang="en-GB" dirty="0"/>
-              <a:t>Release branches</a:t>
+              <a:t>Commits</a:t>
             </a:r>
           </a:p>
         </p:txBody>
@@ -7129,34 +11936,46 @@
           <a:p>
             <a:r>
               <a:rPr lang="en-GB" dirty="0"/>
-              <a:t>A release branch is used in preparation of a new production release</a:t>
+              <a:t>Once I’ve completed the feature I want to commit my code</a:t>
             </a:r>
           </a:p>
           <a:p>
             <a:r>
               <a:rPr lang="en-GB" dirty="0"/>
-              <a:t>Release branches will usually branch from the develop branch</a:t>
+              <a:t>A commit is the code I’m going to change to complete a feature</a:t>
             </a:r>
           </a:p>
           <a:p>
             <a:r>
               <a:rPr lang="en-GB" dirty="0"/>
-              <a:t>Release branches should always be merged back into the develop or master branches</a:t>
+              <a:t>I write a commit message explaining what I changed and why</a:t>
             </a:r>
           </a:p>
           <a:p>
             <a:r>
               <a:rPr lang="en-GB" dirty="0"/>
-              <a:t>Release branches allow for minor bugfixes and testing before a release</a:t>
-            </a:r>
-          </a:p>
-          <a:p>
-            <a:r>
-              <a:rPr lang="en-GB" dirty="0"/>
-              <a:t>By doing this work on a release branch it frees up the develop branch for the development towards the next big release</a:t>
-            </a:r>
-          </a:p>
-          <a:p>
+              <a:t>Once you have made a commit don’t forget to push it to the remote repository</a:t>
+            </a:r>
+          </a:p>
+          <a:p>
+            <a:pPr marL="0" indent="0">
+              <a:buNone/>
+            </a:pPr>
+            <a:endParaRPr lang="en-GB" dirty="0"/>
+          </a:p>
+          <a:p>
+            <a:endParaRPr lang="en-GB" dirty="0"/>
+          </a:p>
+          <a:p>
+            <a:endParaRPr lang="en-GB" dirty="0"/>
+          </a:p>
+          <a:p>
+            <a:endParaRPr lang="en-GB" dirty="0"/>
+          </a:p>
+          <a:p>
+            <a:pPr marL="0" indent="0">
+              <a:buNone/>
+            </a:pPr>
             <a:endParaRPr lang="en-GB" dirty="0"/>
           </a:p>
           <a:p>
@@ -7179,7 +11998,7 @@
     </p:spTree>
     <p:extLst>
       <p:ext uri="{BB962C8B-B14F-4D97-AF65-F5344CB8AC3E}">
-        <p14:creationId xmlns:p14="http://schemas.microsoft.com/office/powerpoint/2010/main" val="908539816"/>
+        <p14:creationId xmlns:p14="http://schemas.microsoft.com/office/powerpoint/2010/main" val="2666883388"/>
       </p:ext>
     </p:extLst>
   </p:cSld>
@@ -7229,7 +12048,7 @@
           <a:p>
             <a:r>
               <a:rPr lang="en-GB" dirty="0"/>
-              <a:t>Hotfix branches</a:t>
+              <a:t>Useful Commit tips </a:t>
             </a:r>
           </a:p>
         </p:txBody>
@@ -7262,26 +12081,44 @@
           <a:p>
             <a:r>
               <a:rPr lang="en-GB" dirty="0"/>
-              <a:t>A hotfix branch is similar to a release branch, except they are for unplanned changes such as a critical bug found in production code</a:t>
+              <a:t>Commit messages should be meaningful</a:t>
             </a:r>
           </a:p>
           <a:p>
             <a:r>
               <a:rPr lang="en-GB" dirty="0"/>
-              <a:t>hotfix branches will usually branch from the master branch</a:t>
+              <a:t>They should describe why you made the change you did</a:t>
             </a:r>
           </a:p>
           <a:p>
             <a:r>
               <a:rPr lang="en-GB" dirty="0"/>
-              <a:t>hotfix branches should always be merged back into the develop and master branches</a:t>
+              <a:t>They should not be vague e.g. ‘changes’</a:t>
             </a:r>
           </a:p>
           <a:p>
             <a:r>
               <a:rPr lang="en-GB" dirty="0"/>
-              <a:t>This allows for the fix to be applied to the master branch without disrupting new work on the develop branch </a:t>
-            </a:r>
+              <a:t>The purpose of a commit message is so that in the future someone can look back and understand why you made the change did</a:t>
+            </a:r>
+          </a:p>
+          <a:p>
+            <a:r>
+              <a:rPr lang="en-GB" dirty="0"/>
+              <a:t>Often this will be yourself, and it you can’t understand why you made the change, what chance does someone else have?</a:t>
+            </a:r>
+          </a:p>
+          <a:p>
+            <a:r>
+              <a:rPr lang="en-GB" dirty="0"/>
+              <a:t>This is you signing your signature on your code </a:t>
+            </a:r>
+          </a:p>
+          <a:p>
+            <a:pPr marL="0" indent="0">
+              <a:buNone/>
+            </a:pPr>
+            <a:endParaRPr lang="en-GB" dirty="0"/>
           </a:p>
           <a:p>
             <a:pPr marL="0" indent="0">
@@ -7309,7 +12146,7 @@
     </p:spTree>
     <p:extLst>
       <p:ext uri="{BB962C8B-B14F-4D97-AF65-F5344CB8AC3E}">
-        <p14:creationId xmlns:p14="http://schemas.microsoft.com/office/powerpoint/2010/main" val="1509593406"/>
+        <p14:creationId xmlns:p14="http://schemas.microsoft.com/office/powerpoint/2010/main" val="4026533675"/>
       </p:ext>
     </p:extLst>
   </p:cSld>

--- a/Working collaboratively with Git.pptx
+++ b/Working collaboratively with Git.pptx
@@ -6048,24 +6048,28 @@
             </a:r>
           </a:p>
           <a:p>
+            <a:pPr lvl="1"/>
             <a:r>
               <a:rPr lang="en-GB" dirty="0"/>
               <a:t>On your branch, pull the other developers changes from the remote branch</a:t>
             </a:r>
           </a:p>
           <a:p>
+            <a:pPr lvl="1"/>
             <a:r>
               <a:rPr lang="en-GB" dirty="0"/>
               <a:t>This will mix their code to yours – so this can look really messy and confusing</a:t>
             </a:r>
           </a:p>
           <a:p>
+            <a:pPr lvl="1"/>
             <a:r>
               <a:rPr lang="en-GB" dirty="0"/>
               <a:t>Manually fix the conflict by choosing the right code </a:t>
             </a:r>
           </a:p>
           <a:p>
+            <a:pPr lvl="1"/>
             <a:r>
               <a:rPr lang="en-GB" dirty="0"/>
               <a:t>Don’t forget to then commit and push your commit again</a:t>
@@ -6107,6 +6111,328 @@
   <p:clrMapOvr>
     <a:masterClrMapping/>
   </p:clrMapOvr>
+  <p:timing>
+    <p:tnLst>
+      <p:par>
+        <p:cTn id="1" dur="indefinite" restart="never" nodeType="tmRoot">
+          <p:childTnLst>
+            <p:seq concurrent="1" nextAc="seek">
+              <p:cTn id="2" dur="indefinite" nodeType="mainSeq">
+                <p:childTnLst>
+                  <p:par>
+                    <p:cTn id="3" fill="hold">
+                      <p:stCondLst>
+                        <p:cond delay="indefinite"/>
+                      </p:stCondLst>
+                      <p:childTnLst>
+                        <p:par>
+                          <p:cTn id="4" fill="hold">
+                            <p:stCondLst>
+                              <p:cond delay="0"/>
+                            </p:stCondLst>
+                            <p:childTnLst>
+                              <p:par>
+                                <p:cTn id="5" presetID="1" presetClass="entr" presetSubtype="0" fill="hold" grpId="0" nodeType="clickEffect">
+                                  <p:stCondLst>
+                                    <p:cond delay="0"/>
+                                  </p:stCondLst>
+                                  <p:childTnLst>
+                                    <p:set>
+                                      <p:cBhvr>
+                                        <p:cTn id="6" dur="1" fill="hold">
+                                          <p:stCondLst>
+                                            <p:cond delay="0"/>
+                                          </p:stCondLst>
+                                        </p:cTn>
+                                        <p:tgtEl>
+                                          <p:spTgt spid="3">
+                                            <p:txEl>
+                                              <p:pRg st="0" end="0"/>
+                                            </p:txEl>
+                                          </p:spTgt>
+                                        </p:tgtEl>
+                                        <p:attrNameLst>
+                                          <p:attrName>style.visibility</p:attrName>
+                                        </p:attrNameLst>
+                                      </p:cBhvr>
+                                      <p:to>
+                                        <p:strVal val="visible"/>
+                                      </p:to>
+                                    </p:set>
+                                  </p:childTnLst>
+                                </p:cTn>
+                              </p:par>
+                            </p:childTnLst>
+                          </p:cTn>
+                        </p:par>
+                      </p:childTnLst>
+                    </p:cTn>
+                  </p:par>
+                  <p:par>
+                    <p:cTn id="7" fill="hold">
+                      <p:stCondLst>
+                        <p:cond delay="indefinite"/>
+                      </p:stCondLst>
+                      <p:childTnLst>
+                        <p:par>
+                          <p:cTn id="8" fill="hold">
+                            <p:stCondLst>
+                              <p:cond delay="0"/>
+                            </p:stCondLst>
+                            <p:childTnLst>
+                              <p:par>
+                                <p:cTn id="9" presetID="1" presetClass="entr" presetSubtype="0" fill="hold" grpId="0" nodeType="clickEffect">
+                                  <p:stCondLst>
+                                    <p:cond delay="0"/>
+                                  </p:stCondLst>
+                                  <p:childTnLst>
+                                    <p:set>
+                                      <p:cBhvr>
+                                        <p:cTn id="10" dur="1" fill="hold">
+                                          <p:stCondLst>
+                                            <p:cond delay="0"/>
+                                          </p:stCondLst>
+                                        </p:cTn>
+                                        <p:tgtEl>
+                                          <p:spTgt spid="3">
+                                            <p:txEl>
+                                              <p:pRg st="1" end="1"/>
+                                            </p:txEl>
+                                          </p:spTgt>
+                                        </p:tgtEl>
+                                        <p:attrNameLst>
+                                          <p:attrName>style.visibility</p:attrName>
+                                        </p:attrNameLst>
+                                      </p:cBhvr>
+                                      <p:to>
+                                        <p:strVal val="visible"/>
+                                      </p:to>
+                                    </p:set>
+                                  </p:childTnLst>
+                                </p:cTn>
+                              </p:par>
+                            </p:childTnLst>
+                          </p:cTn>
+                        </p:par>
+                      </p:childTnLst>
+                    </p:cTn>
+                  </p:par>
+                  <p:par>
+                    <p:cTn id="11" fill="hold">
+                      <p:stCondLst>
+                        <p:cond delay="indefinite"/>
+                      </p:stCondLst>
+                      <p:childTnLst>
+                        <p:par>
+                          <p:cTn id="12" fill="hold">
+                            <p:stCondLst>
+                              <p:cond delay="0"/>
+                            </p:stCondLst>
+                            <p:childTnLst>
+                              <p:par>
+                                <p:cTn id="13" presetID="1" presetClass="entr" presetSubtype="0" fill="hold" grpId="0" nodeType="clickEffect">
+                                  <p:stCondLst>
+                                    <p:cond delay="0"/>
+                                  </p:stCondLst>
+                                  <p:childTnLst>
+                                    <p:set>
+                                      <p:cBhvr>
+                                        <p:cTn id="14" dur="1" fill="hold">
+                                          <p:stCondLst>
+                                            <p:cond delay="0"/>
+                                          </p:stCondLst>
+                                        </p:cTn>
+                                        <p:tgtEl>
+                                          <p:spTgt spid="3">
+                                            <p:txEl>
+                                              <p:pRg st="2" end="2"/>
+                                            </p:txEl>
+                                          </p:spTgt>
+                                        </p:tgtEl>
+                                        <p:attrNameLst>
+                                          <p:attrName>style.visibility</p:attrName>
+                                        </p:attrNameLst>
+                                      </p:cBhvr>
+                                      <p:to>
+                                        <p:strVal val="visible"/>
+                                      </p:to>
+                                    </p:set>
+                                  </p:childTnLst>
+                                </p:cTn>
+                              </p:par>
+                            </p:childTnLst>
+                          </p:cTn>
+                        </p:par>
+                      </p:childTnLst>
+                    </p:cTn>
+                  </p:par>
+                  <p:par>
+                    <p:cTn id="15" fill="hold">
+                      <p:stCondLst>
+                        <p:cond delay="indefinite"/>
+                      </p:stCondLst>
+                      <p:childTnLst>
+                        <p:par>
+                          <p:cTn id="16" fill="hold">
+                            <p:stCondLst>
+                              <p:cond delay="0"/>
+                            </p:stCondLst>
+                            <p:childTnLst>
+                              <p:par>
+                                <p:cTn id="17" presetID="1" presetClass="entr" presetSubtype="0" fill="hold" nodeType="clickEffect">
+                                  <p:stCondLst>
+                                    <p:cond delay="0"/>
+                                  </p:stCondLst>
+                                  <p:childTnLst>
+                                    <p:set>
+                                      <p:cBhvr>
+                                        <p:cTn id="18" dur="1" fill="hold">
+                                          <p:stCondLst>
+                                            <p:cond delay="0"/>
+                                          </p:stCondLst>
+                                        </p:cTn>
+                                        <p:tgtEl>
+                                          <p:spTgt spid="3">
+                                            <p:txEl>
+                                              <p:pRg st="3" end="3"/>
+                                            </p:txEl>
+                                          </p:spTgt>
+                                        </p:tgtEl>
+                                        <p:attrNameLst>
+                                          <p:attrName>style.visibility</p:attrName>
+                                        </p:attrNameLst>
+                                      </p:cBhvr>
+                                      <p:to>
+                                        <p:strVal val="visible"/>
+                                      </p:to>
+                                    </p:set>
+                                  </p:childTnLst>
+                                </p:cTn>
+                              </p:par>
+                              <p:par>
+                                <p:cTn id="19" presetID="1" presetClass="entr" presetSubtype="0" fill="hold" nodeType="withEffect">
+                                  <p:stCondLst>
+                                    <p:cond delay="0"/>
+                                  </p:stCondLst>
+                                  <p:childTnLst>
+                                    <p:set>
+                                      <p:cBhvr>
+                                        <p:cTn id="20" dur="1" fill="hold">
+                                          <p:stCondLst>
+                                            <p:cond delay="0"/>
+                                          </p:stCondLst>
+                                        </p:cTn>
+                                        <p:tgtEl>
+                                          <p:spTgt spid="3">
+                                            <p:txEl>
+                                              <p:pRg st="4" end="4"/>
+                                            </p:txEl>
+                                          </p:spTgt>
+                                        </p:tgtEl>
+                                        <p:attrNameLst>
+                                          <p:attrName>style.visibility</p:attrName>
+                                        </p:attrNameLst>
+                                      </p:cBhvr>
+                                      <p:to>
+                                        <p:strVal val="visible"/>
+                                      </p:to>
+                                    </p:set>
+                                  </p:childTnLst>
+                                </p:cTn>
+                              </p:par>
+                              <p:par>
+                                <p:cTn id="21" presetID="1" presetClass="entr" presetSubtype="0" fill="hold" nodeType="withEffect">
+                                  <p:stCondLst>
+                                    <p:cond delay="0"/>
+                                  </p:stCondLst>
+                                  <p:childTnLst>
+                                    <p:set>
+                                      <p:cBhvr>
+                                        <p:cTn id="22" dur="1" fill="hold">
+                                          <p:stCondLst>
+                                            <p:cond delay="0"/>
+                                          </p:stCondLst>
+                                        </p:cTn>
+                                        <p:tgtEl>
+                                          <p:spTgt spid="3">
+                                            <p:txEl>
+                                              <p:pRg st="5" end="5"/>
+                                            </p:txEl>
+                                          </p:spTgt>
+                                        </p:tgtEl>
+                                        <p:attrNameLst>
+                                          <p:attrName>style.visibility</p:attrName>
+                                        </p:attrNameLst>
+                                      </p:cBhvr>
+                                      <p:to>
+                                        <p:strVal val="visible"/>
+                                      </p:to>
+                                    </p:set>
+                                  </p:childTnLst>
+                                </p:cTn>
+                              </p:par>
+                              <p:par>
+                                <p:cTn id="23" presetID="1" presetClass="entr" presetSubtype="0" fill="hold" nodeType="withEffect">
+                                  <p:stCondLst>
+                                    <p:cond delay="0"/>
+                                  </p:stCondLst>
+                                  <p:childTnLst>
+                                    <p:set>
+                                      <p:cBhvr>
+                                        <p:cTn id="24" dur="1" fill="hold">
+                                          <p:stCondLst>
+                                            <p:cond delay="0"/>
+                                          </p:stCondLst>
+                                        </p:cTn>
+                                        <p:tgtEl>
+                                          <p:spTgt spid="3">
+                                            <p:txEl>
+                                              <p:pRg st="6" end="6"/>
+                                            </p:txEl>
+                                          </p:spTgt>
+                                        </p:tgtEl>
+                                        <p:attrNameLst>
+                                          <p:attrName>style.visibility</p:attrName>
+                                        </p:attrNameLst>
+                                      </p:cBhvr>
+                                      <p:to>
+                                        <p:strVal val="visible"/>
+                                      </p:to>
+                                    </p:set>
+                                  </p:childTnLst>
+                                </p:cTn>
+                              </p:par>
+                            </p:childTnLst>
+                          </p:cTn>
+                        </p:par>
+                      </p:childTnLst>
+                    </p:cTn>
+                  </p:par>
+                </p:childTnLst>
+              </p:cTn>
+              <p:prevCondLst>
+                <p:cond evt="onPrev" delay="0">
+                  <p:tgtEl>
+                    <p:sldTgt/>
+                  </p:tgtEl>
+                </p:cond>
+              </p:prevCondLst>
+              <p:nextCondLst>
+                <p:cond evt="onNext" delay="0">
+                  <p:tgtEl>
+                    <p:sldTgt/>
+                  </p:tgtEl>
+                </p:cond>
+              </p:nextCondLst>
+            </p:seq>
+          </p:childTnLst>
+        </p:cTn>
+      </p:par>
+    </p:tnLst>
+    <p:bldLst>
+      <p:bldP spid="3" grpId="0" uiExpand="1" build="p"/>
+    </p:bldLst>
+  </p:timing>
 </p:sld>
 </file>
 
@@ -6178,42 +6504,33 @@
           </a:bodyPr>
           <a:lstStyle/>
           <a:p>
-            <a:pPr marL="0" indent="0">
-              <a:buNone/>
-            </a:pPr>
             <a:r>
               <a:rPr lang="en-GB" dirty="0"/>
               <a:t>Before making a pull requests:</a:t>
             </a:r>
           </a:p>
           <a:p>
+            <a:pPr lvl="1"/>
             <a:r>
               <a:rPr lang="en-GB" dirty="0"/>
               <a:t>Make sure your build passes</a:t>
             </a:r>
           </a:p>
           <a:p>
+            <a:pPr lvl="1"/>
             <a:r>
               <a:rPr lang="en-GB" dirty="0"/>
               <a:t>Check your code compiles</a:t>
             </a:r>
           </a:p>
           <a:p>
+            <a:pPr lvl="1"/>
             <a:r>
               <a:rPr lang="en-GB" dirty="0"/>
               <a:t>Check you have fully implemented the feature</a:t>
             </a:r>
           </a:p>
           <a:p>
-            <a:endParaRPr lang="en-GB" dirty="0"/>
-          </a:p>
-          <a:p>
-            <a:pPr marL="0" indent="0">
-              <a:buNone/>
-            </a:pPr>
-            <a:endParaRPr lang="en-GB" dirty="0"/>
-          </a:p>
-          <a:p>
             <a:r>
               <a:rPr lang="en-GB" dirty="0"/>
               <a:t>Pull requests are either approved or rejected (meaning they need more work)</a:t>
@@ -6232,6 +6549,9 @@
             </a:r>
           </a:p>
           <a:p>
+            <a:pPr marL="0" indent="0">
+              <a:buNone/>
+            </a:pPr>
             <a:endParaRPr lang="en-GB" dirty="0"/>
           </a:p>
         </p:txBody>
@@ -6289,7 +6609,7 @@
           <a:p>
             <a:r>
               <a:rPr lang="en-GB" dirty="0"/>
-              <a:t>Useful Pull Requests tips</a:t>
+              <a:t>Pull requests best practices</a:t>
             </a:r>
           </a:p>
         </p:txBody>
@@ -6349,15 +6669,7 @@
           <a:p>
             <a:r>
               <a:rPr lang="en-GB" dirty="0"/>
-              <a:t>When reviewing pull </a:t>
-            </a:r>
-            <a:r>
-              <a:rPr lang="en-GB"/>
-              <a:t>requests please be </a:t>
-            </a:r>
-            <a:r>
-              <a:rPr lang="en-GB" dirty="0"/>
-              <a:t>helpful and constructive!</a:t>
+              <a:t>When reviewing pull requests please be helpful and constructive!</a:t>
             </a:r>
           </a:p>
           <a:p>
@@ -6532,10 +6844,16 @@
               <a:t>Work through </a:t>
             </a:r>
             <a:r>
+              <a:rPr lang="en-GB" dirty="0">
+                <a:hlinkClick r:id="rId3" tooltip="# Working collaboratively with git.md"/>
+              </a:rPr>
+              <a:t>Working collaboratively with git</a:t>
+            </a:r>
+            <a:r>
               <a:rPr lang="en-US" dirty="0">
-                <a:hlinkClick r:id="rId3" tooltip="meetup-api-workshop.md"/>
+                <a:hlinkClick r:id="rId4" tooltip="meetup-api-workshop.md"/>
               </a:rPr>
-              <a:t>meetup-git-workshop.md</a:t>
+              <a:t>.md</a:t>
             </a:r>
             <a:endParaRPr lang="en-US" dirty="0"/>
           </a:p>
@@ -6546,6 +6864,9 @@
             </a:r>
           </a:p>
           <a:p>
+            <a:pPr marL="0" indent="0">
+              <a:buNone/>
+            </a:pPr>
             <a:endParaRPr lang="en-GB" dirty="0"/>
           </a:p>
         </p:txBody>
@@ -6881,6 +7202,226 @@
   <p:clrMapOvr>
     <a:masterClrMapping/>
   </p:clrMapOvr>
+  <p:timing>
+    <p:tnLst>
+      <p:par>
+        <p:cTn id="1" dur="indefinite" restart="never" nodeType="tmRoot">
+          <p:childTnLst>
+            <p:seq concurrent="1" nextAc="seek">
+              <p:cTn id="2" dur="indefinite" nodeType="mainSeq">
+                <p:childTnLst>
+                  <p:par>
+                    <p:cTn id="3" fill="hold">
+                      <p:stCondLst>
+                        <p:cond delay="indefinite"/>
+                      </p:stCondLst>
+                      <p:childTnLst>
+                        <p:par>
+                          <p:cTn id="4" fill="hold">
+                            <p:stCondLst>
+                              <p:cond delay="0"/>
+                            </p:stCondLst>
+                            <p:childTnLst>
+                              <p:par>
+                                <p:cTn id="5" presetID="1" presetClass="entr" presetSubtype="0" fill="hold" grpId="0" nodeType="clickEffect">
+                                  <p:stCondLst>
+                                    <p:cond delay="0"/>
+                                  </p:stCondLst>
+                                  <p:childTnLst>
+                                    <p:set>
+                                      <p:cBhvr>
+                                        <p:cTn id="6" dur="1" fill="hold">
+                                          <p:stCondLst>
+                                            <p:cond delay="0"/>
+                                          </p:stCondLst>
+                                        </p:cTn>
+                                        <p:tgtEl>
+                                          <p:spTgt spid="2"/>
+                                        </p:tgtEl>
+                                        <p:attrNameLst>
+                                          <p:attrName>style.visibility</p:attrName>
+                                        </p:attrNameLst>
+                                      </p:cBhvr>
+                                      <p:to>
+                                        <p:strVal val="visible"/>
+                                      </p:to>
+                                    </p:set>
+                                  </p:childTnLst>
+                                </p:cTn>
+                              </p:par>
+                            </p:childTnLst>
+                          </p:cTn>
+                        </p:par>
+                      </p:childTnLst>
+                    </p:cTn>
+                  </p:par>
+                  <p:par>
+                    <p:cTn id="7" fill="hold">
+                      <p:stCondLst>
+                        <p:cond delay="indefinite"/>
+                      </p:stCondLst>
+                      <p:childTnLst>
+                        <p:par>
+                          <p:cTn id="8" fill="hold">
+                            <p:stCondLst>
+                              <p:cond delay="0"/>
+                            </p:stCondLst>
+                            <p:childTnLst>
+                              <p:par>
+                                <p:cTn id="9" presetID="1" presetClass="entr" presetSubtype="0" fill="hold" nodeType="clickEffect">
+                                  <p:stCondLst>
+                                    <p:cond delay="0"/>
+                                  </p:stCondLst>
+                                  <p:childTnLst>
+                                    <p:set>
+                                      <p:cBhvr>
+                                        <p:cTn id="10" dur="1" fill="hold">
+                                          <p:stCondLst>
+                                            <p:cond delay="0"/>
+                                          </p:stCondLst>
+                                        </p:cTn>
+                                        <p:tgtEl>
+                                          <p:spTgt spid="3">
+                                            <p:txEl>
+                                              <p:pRg st="0" end="0"/>
+                                            </p:txEl>
+                                          </p:spTgt>
+                                        </p:tgtEl>
+                                        <p:attrNameLst>
+                                          <p:attrName>style.visibility</p:attrName>
+                                        </p:attrNameLst>
+                                      </p:cBhvr>
+                                      <p:to>
+                                        <p:strVal val="visible"/>
+                                      </p:to>
+                                    </p:set>
+                                  </p:childTnLst>
+                                </p:cTn>
+                              </p:par>
+                              <p:par>
+                                <p:cTn id="11" presetID="1" presetClass="entr" presetSubtype="0" fill="hold" nodeType="withEffect">
+                                  <p:stCondLst>
+                                    <p:cond delay="0"/>
+                                  </p:stCondLst>
+                                  <p:childTnLst>
+                                    <p:set>
+                                      <p:cBhvr>
+                                        <p:cTn id="12" dur="1" fill="hold">
+                                          <p:stCondLst>
+                                            <p:cond delay="0"/>
+                                          </p:stCondLst>
+                                        </p:cTn>
+                                        <p:tgtEl>
+                                          <p:spTgt spid="3">
+                                            <p:txEl>
+                                              <p:pRg st="1" end="1"/>
+                                            </p:txEl>
+                                          </p:spTgt>
+                                        </p:tgtEl>
+                                        <p:attrNameLst>
+                                          <p:attrName>style.visibility</p:attrName>
+                                        </p:attrNameLst>
+                                      </p:cBhvr>
+                                      <p:to>
+                                        <p:strVal val="visible"/>
+                                      </p:to>
+                                    </p:set>
+                                  </p:childTnLst>
+                                </p:cTn>
+                              </p:par>
+                              <p:par>
+                                <p:cTn id="13" presetID="1" presetClass="entr" presetSubtype="0" fill="hold" nodeType="withEffect">
+                                  <p:stCondLst>
+                                    <p:cond delay="0"/>
+                                  </p:stCondLst>
+                                  <p:childTnLst>
+                                    <p:set>
+                                      <p:cBhvr>
+                                        <p:cTn id="14" dur="1" fill="hold">
+                                          <p:stCondLst>
+                                            <p:cond delay="0"/>
+                                          </p:stCondLst>
+                                        </p:cTn>
+                                        <p:tgtEl>
+                                          <p:spTgt spid="3">
+                                            <p:txEl>
+                                              <p:pRg st="2" end="2"/>
+                                            </p:txEl>
+                                          </p:spTgt>
+                                        </p:tgtEl>
+                                        <p:attrNameLst>
+                                          <p:attrName>style.visibility</p:attrName>
+                                        </p:attrNameLst>
+                                      </p:cBhvr>
+                                      <p:to>
+                                        <p:strVal val="visible"/>
+                                      </p:to>
+                                    </p:set>
+                                  </p:childTnLst>
+                                </p:cTn>
+                              </p:par>
+                              <p:par>
+                                <p:cTn id="15" presetID="1" presetClass="entr" presetSubtype="0" fill="hold" nodeType="withEffect">
+                                  <p:stCondLst>
+                                    <p:cond delay="0"/>
+                                  </p:stCondLst>
+                                  <p:childTnLst>
+                                    <p:set>
+                                      <p:cBhvr>
+                                        <p:cTn id="16" dur="1" fill="hold">
+                                          <p:stCondLst>
+                                            <p:cond delay="0"/>
+                                          </p:stCondLst>
+                                        </p:cTn>
+                                        <p:tgtEl>
+                                          <p:spTgt spid="3">
+                                            <p:txEl>
+                                              <p:pRg st="3" end="3"/>
+                                            </p:txEl>
+                                          </p:spTgt>
+                                        </p:tgtEl>
+                                        <p:attrNameLst>
+                                          <p:attrName>style.visibility</p:attrName>
+                                        </p:attrNameLst>
+                                      </p:cBhvr>
+                                      <p:to>
+                                        <p:strVal val="visible"/>
+                                      </p:to>
+                                    </p:set>
+                                  </p:childTnLst>
+                                </p:cTn>
+                              </p:par>
+                            </p:childTnLst>
+                          </p:cTn>
+                        </p:par>
+                      </p:childTnLst>
+                    </p:cTn>
+                  </p:par>
+                </p:childTnLst>
+              </p:cTn>
+              <p:prevCondLst>
+                <p:cond evt="onPrev" delay="0">
+                  <p:tgtEl>
+                    <p:sldTgt/>
+                  </p:tgtEl>
+                </p:cond>
+              </p:prevCondLst>
+              <p:nextCondLst>
+                <p:cond evt="onNext" delay="0">
+                  <p:tgtEl>
+                    <p:sldTgt/>
+                  </p:tgtEl>
+                </p:cond>
+              </p:nextCondLst>
+            </p:seq>
+          </p:childTnLst>
+        </p:cTn>
+      </p:par>
+    </p:tnLst>
+    <p:bldLst>
+      <p:bldP spid="2" grpId="0"/>
+    </p:bldLst>
+  </p:timing>
 </p:sld>
 </file>
 
@@ -6964,18 +7505,21 @@
             </a:r>
           </a:p>
           <a:p>
+            <a:pPr lvl="1"/>
             <a:r>
               <a:rPr lang="en-GB" dirty="0"/>
               <a:t>Branching</a:t>
             </a:r>
           </a:p>
           <a:p>
+            <a:pPr lvl="1"/>
             <a:r>
               <a:rPr lang="en-GB" dirty="0"/>
               <a:t>Commit messages</a:t>
             </a:r>
           </a:p>
           <a:p>
+            <a:pPr lvl="1"/>
             <a:r>
               <a:rPr lang="en-GB" dirty="0"/>
               <a:t>Pull Requests</a:t>
@@ -7020,6 +7564,196 @@
   <p:clrMapOvr>
     <a:masterClrMapping/>
   </p:clrMapOvr>
+  <p:timing>
+    <p:tnLst>
+      <p:par>
+        <p:cTn id="1" dur="indefinite" restart="never" nodeType="tmRoot">
+          <p:childTnLst>
+            <p:seq concurrent="1" nextAc="seek">
+              <p:cTn id="2" dur="indefinite" nodeType="mainSeq">
+                <p:childTnLst>
+                  <p:par>
+                    <p:cTn id="3" fill="hold">
+                      <p:stCondLst>
+                        <p:cond delay="indefinite"/>
+                      </p:stCondLst>
+                      <p:childTnLst>
+                        <p:par>
+                          <p:cTn id="4" fill="hold">
+                            <p:stCondLst>
+                              <p:cond delay="0"/>
+                            </p:stCondLst>
+                            <p:childTnLst>
+                              <p:par>
+                                <p:cTn id="5" presetID="1" presetClass="entr" presetSubtype="0" fill="hold" nodeType="clickEffect">
+                                  <p:stCondLst>
+                                    <p:cond delay="0"/>
+                                  </p:stCondLst>
+                                  <p:childTnLst>
+                                    <p:set>
+                                      <p:cBhvr>
+                                        <p:cTn id="6" dur="1" fill="hold">
+                                          <p:stCondLst>
+                                            <p:cond delay="0"/>
+                                          </p:stCondLst>
+                                        </p:cTn>
+                                        <p:tgtEl>
+                                          <p:spTgt spid="3">
+                                            <p:txEl>
+                                              <p:pRg st="1" end="1"/>
+                                            </p:txEl>
+                                          </p:spTgt>
+                                        </p:tgtEl>
+                                        <p:attrNameLst>
+                                          <p:attrName>style.visibility</p:attrName>
+                                        </p:attrNameLst>
+                                      </p:cBhvr>
+                                      <p:to>
+                                        <p:strVal val="visible"/>
+                                      </p:to>
+                                    </p:set>
+                                  </p:childTnLst>
+                                </p:cTn>
+                              </p:par>
+                            </p:childTnLst>
+                          </p:cTn>
+                        </p:par>
+                      </p:childTnLst>
+                    </p:cTn>
+                  </p:par>
+                  <p:par>
+                    <p:cTn id="7" fill="hold">
+                      <p:stCondLst>
+                        <p:cond delay="indefinite"/>
+                      </p:stCondLst>
+                      <p:childTnLst>
+                        <p:par>
+                          <p:cTn id="8" fill="hold">
+                            <p:stCondLst>
+                              <p:cond delay="0"/>
+                            </p:stCondLst>
+                            <p:childTnLst>
+                              <p:par>
+                                <p:cTn id="9" presetID="1" presetClass="entr" presetSubtype="0" fill="hold" nodeType="clickEffect">
+                                  <p:stCondLst>
+                                    <p:cond delay="0"/>
+                                  </p:stCondLst>
+                                  <p:childTnLst>
+                                    <p:set>
+                                      <p:cBhvr>
+                                        <p:cTn id="10" dur="1" fill="hold">
+                                          <p:stCondLst>
+                                            <p:cond delay="0"/>
+                                          </p:stCondLst>
+                                        </p:cTn>
+                                        <p:tgtEl>
+                                          <p:spTgt spid="3">
+                                            <p:txEl>
+                                              <p:pRg st="2" end="2"/>
+                                            </p:txEl>
+                                          </p:spTgt>
+                                        </p:tgtEl>
+                                        <p:attrNameLst>
+                                          <p:attrName>style.visibility</p:attrName>
+                                        </p:attrNameLst>
+                                      </p:cBhvr>
+                                      <p:to>
+                                        <p:strVal val="visible"/>
+                                      </p:to>
+                                    </p:set>
+                                  </p:childTnLst>
+                                </p:cTn>
+                              </p:par>
+                              <p:par>
+                                <p:cTn id="11" presetID="1" presetClass="entr" presetSubtype="0" fill="hold" nodeType="withEffect">
+                                  <p:stCondLst>
+                                    <p:cond delay="0"/>
+                                  </p:stCondLst>
+                                  <p:childTnLst>
+                                    <p:set>
+                                      <p:cBhvr>
+                                        <p:cTn id="12" dur="1" fill="hold">
+                                          <p:stCondLst>
+                                            <p:cond delay="0"/>
+                                          </p:stCondLst>
+                                        </p:cTn>
+                                        <p:tgtEl>
+                                          <p:spTgt spid="3">
+                                            <p:txEl>
+                                              <p:pRg st="3" end="3"/>
+                                            </p:txEl>
+                                          </p:spTgt>
+                                        </p:tgtEl>
+                                        <p:attrNameLst>
+                                          <p:attrName>style.visibility</p:attrName>
+                                        </p:attrNameLst>
+                                      </p:cBhvr>
+                                      <p:to>
+                                        <p:strVal val="visible"/>
+                                      </p:to>
+                                    </p:set>
+                                  </p:childTnLst>
+                                </p:cTn>
+                              </p:par>
+                              <p:par>
+                                <p:cTn id="13" presetID="1" presetClass="entr" presetSubtype="0" fill="hold" nodeType="withEffect">
+                                  <p:stCondLst>
+                                    <p:cond delay="0"/>
+                                  </p:stCondLst>
+                                  <p:childTnLst>
+                                    <p:set>
+                                      <p:cBhvr>
+                                        <p:cTn id="14" dur="1" fill="hold">
+                                          <p:stCondLst>
+                                            <p:cond delay="0"/>
+                                          </p:stCondLst>
+                                        </p:cTn>
+                                        <p:tgtEl>
+                                          <p:spTgt spid="3">
+                                            <p:txEl>
+                                              <p:pRg st="4" end="4"/>
+                                            </p:txEl>
+                                          </p:spTgt>
+                                        </p:tgtEl>
+                                        <p:attrNameLst>
+                                          <p:attrName>style.visibility</p:attrName>
+                                        </p:attrNameLst>
+                                      </p:cBhvr>
+                                      <p:to>
+                                        <p:strVal val="visible"/>
+                                      </p:to>
+                                    </p:set>
+                                  </p:childTnLst>
+                                </p:cTn>
+                              </p:par>
+                            </p:childTnLst>
+                          </p:cTn>
+                        </p:par>
+                      </p:childTnLst>
+                    </p:cTn>
+                  </p:par>
+                </p:childTnLst>
+              </p:cTn>
+              <p:prevCondLst>
+                <p:cond evt="onPrev" delay="0">
+                  <p:tgtEl>
+                    <p:sldTgt/>
+                  </p:tgtEl>
+                </p:cond>
+              </p:prevCondLst>
+              <p:nextCondLst>
+                <p:cond evt="onNext" delay="0">
+                  <p:tgtEl>
+                    <p:sldTgt/>
+                  </p:tgtEl>
+                </p:cond>
+              </p:nextCondLst>
+            </p:seq>
+          </p:childTnLst>
+        </p:cTn>
+      </p:par>
+    </p:tnLst>
+  </p:timing>
 </p:sld>
 </file>
 
@@ -7117,30 +7851,35 @@
             </a:r>
           </a:p>
           <a:p>
+            <a:pPr lvl="1"/>
             <a:r>
               <a:rPr lang="en-GB" dirty="0"/>
               <a:t>Master branch</a:t>
             </a:r>
           </a:p>
           <a:p>
+            <a:pPr lvl="1"/>
             <a:r>
               <a:rPr lang="en-GB" dirty="0"/>
               <a:t>Develop branch</a:t>
             </a:r>
           </a:p>
           <a:p>
+            <a:pPr lvl="1"/>
             <a:r>
               <a:rPr lang="en-GB" dirty="0"/>
               <a:t>Feature branches</a:t>
             </a:r>
           </a:p>
           <a:p>
+            <a:pPr lvl="1"/>
             <a:r>
               <a:rPr lang="en-GB" dirty="0"/>
               <a:t>Release branches</a:t>
             </a:r>
           </a:p>
           <a:p>
+            <a:pPr lvl="1"/>
             <a:r>
               <a:rPr lang="en-GB" dirty="0"/>
               <a:t>Hotfix branches</a:t>
@@ -11903,7 +12642,7 @@
           <a:p>
             <a:r>
               <a:rPr lang="en-GB" dirty="0"/>
-              <a:t>Commits</a:t>
+              <a:t>Commits and commit messages</a:t>
             </a:r>
           </a:p>
         </p:txBody>
